--- a/Data Watchdog PPT.pptx
+++ b/Data Watchdog PPT.pptx
@@ -1,29 +1,39 @@
 
 <file path=ppt/presentation.xml><?xml version="1.0" encoding="utf-8"?>
-<p:presentation xmlns:a="http://schemas.openxmlformats.org/drawingml/2006/main" xmlns:r="http://schemas.openxmlformats.org/officeDocument/2006/relationships" xmlns:p="http://schemas.openxmlformats.org/presentationml/2006/main" embedTrueTypeFonts="1" saveSubsetFonts="1">
+<p:presentation xmlns:a="http://schemas.openxmlformats.org/drawingml/2006/main" xmlns:r="http://schemas.openxmlformats.org/officeDocument/2006/relationships" xmlns:p="http://schemas.openxmlformats.org/presentationml/2006/main" saveSubsetFonts="1" embedTrueTypeFonts="true">
   <p:sldMasterIdLst>
     <p:sldMasterId id="2147483648" r:id="rId1"/>
   </p:sldMasterIdLst>
   <p:sldIdLst>
-    <p:sldId id="256" r:id="rId2"/>
-    <p:sldId id="257" r:id="rId3"/>
-    <p:sldId id="258" r:id="rId4"/>
-    <p:sldId id="259" r:id="rId5"/>
+    <p:sldId id="256" r:id="rId6"/>
+    <p:sldId id="257" r:id="rId7"/>
+    <p:sldId id="258" r:id="rId8"/>
+    <p:sldId id="259" r:id="rId9"/>
+    <p:sldId id="260" r:id="rId10"/>
+    <p:sldId id="261" r:id="rId11"/>
+    <p:sldId id="262" r:id="rId12"/>
+    <p:sldId id="263" r:id="rId13"/>
+    <p:sldId id="264" r:id="rId14"/>
+    <p:sldId id="265" r:id="rId15"/>
   </p:sldIdLst>
   <p:sldSz cx="18288000" cy="10287000"/>
   <p:notesSz cx="6858000" cy="9144000"/>
   <p:embeddedFontLst>
     <p:embeddedFont>
-      <p:font typeface="Agrandir" panose="020B0604020202020204" charset="0"/>
-      <p:regular r:id="rId6"/>
+      <p:font typeface="Agrandir" charset="1" panose="00000500000000000000"/>
+      <p:regular r:id="rId16"/>
     </p:embeddedFont>
     <p:embeddedFont>
-      <p:font typeface="Agrandir Bold" panose="020B0604020202020204" charset="0"/>
-      <p:regular r:id="rId7"/>
+      <p:font typeface="Open Sans" charset="1" panose="020B0606030504020204"/>
+      <p:regular r:id="rId17"/>
     </p:embeddedFont>
     <p:embeddedFont>
-      <p:font typeface="Open Sans" panose="020B0606030504020204" pitchFamily="34" charset="0"/>
-      <p:regular r:id="rId8"/>
+      <p:font typeface="Agrandir Bold" charset="1" panose="00000800000000000000"/>
+      <p:regular r:id="rId18"/>
+    </p:embeddedFont>
+    <p:embeddedFont>
+      <p:font typeface="Agrandir Italics" charset="1" panose="00000500000000000000"/>
+      <p:regular r:id="rId19"/>
     </p:embeddedFont>
   </p:embeddedFontLst>
   <p:defaultTextStyle>
@@ -121,22 +131,6 @@
       </a:defRPr>
     </a:lvl9pPr>
   </p:defaultTextStyle>
-  <p:extLst>
-    <p:ext uri="{EFAFB233-063F-42B5-8137-9DF3F51BA10A}">
-      <p15:sldGuideLst xmlns:p15="http://schemas.microsoft.com/office/powerpoint/2012/main">
-        <p15:guide id="1" orient="horz" pos="2160">
-          <p15:clr>
-            <a:srgbClr val="A4A3A4"/>
-          </p15:clr>
-        </p15:guide>
-        <p15:guide id="2" pos="2880">
-          <p15:clr>
-            <a:srgbClr val="A4A3A4"/>
-          </p15:clr>
-        </p15:guide>
-      </p15:sldGuideLst>
-    </p:ext>
-  </p:extLst>
 </p:presentation>
 </file>
 
@@ -178,9 +172,10 @@
           <a:lstStyle/>
           <a:p>
             <a:r>
-              <a:rPr lang="en-US"/>
+              <a:rPr lang="en-US" smtClean="0"/>
               <a:t>Click to edit Master title style</a:t>
             </a:r>
+            <a:endParaRPr lang="en-US"/>
           </a:p>
         </p:txBody>
       </p:sp>
@@ -296,9 +291,10 @@
           </a:lstStyle>
           <a:p>
             <a:r>
-              <a:rPr lang="en-US"/>
+              <a:rPr lang="en-US" smtClean="0"/>
               <a:t>Click to edit Master subtitle style</a:t>
             </a:r>
+            <a:endParaRPr lang="en-US"/>
           </a:p>
         </p:txBody>
       </p:sp>
@@ -320,7 +316,7 @@
             <a:fld id="{1D8BD707-D9CF-40AE-B4C6-C98DA3205C09}" type="datetimeFigureOut">
               <a:rPr lang="en-US" smtClean="0"/>
               <a:pPr/>
-              <a:t>9/15/2024</a:t>
+              <a:t>8/1/2011</a:t>
             </a:fld>
             <a:endParaRPr lang="en-US"/>
           </a:p>
@@ -410,9 +406,10 @@
           <a:lstStyle/>
           <a:p>
             <a:r>
-              <a:rPr lang="en-US"/>
+              <a:rPr lang="en-US" smtClean="0"/>
               <a:t>Click to edit Master title style</a:t>
             </a:r>
+            <a:endParaRPr lang="en-US"/>
           </a:p>
         </p:txBody>
       </p:sp>
@@ -433,37 +430,38 @@
           <a:p>
             <a:pPr lvl="0"/>
             <a:r>
-              <a:rPr lang="en-US"/>
+              <a:rPr lang="en-US" smtClean="0"/>
               <a:t>Click to edit Master text styles</a:t>
             </a:r>
           </a:p>
           <a:p>
             <a:pPr lvl="1"/>
             <a:r>
-              <a:rPr lang="en-US"/>
+              <a:rPr lang="en-US" smtClean="0"/>
               <a:t>Second level</a:t>
             </a:r>
           </a:p>
           <a:p>
             <a:pPr lvl="2"/>
             <a:r>
-              <a:rPr lang="en-US"/>
+              <a:rPr lang="en-US" smtClean="0"/>
               <a:t>Third level</a:t>
             </a:r>
           </a:p>
           <a:p>
             <a:pPr lvl="3"/>
             <a:r>
-              <a:rPr lang="en-US"/>
+              <a:rPr lang="en-US" smtClean="0"/>
               <a:t>Fourth level</a:t>
             </a:r>
           </a:p>
           <a:p>
             <a:pPr lvl="4"/>
             <a:r>
-              <a:rPr lang="en-US"/>
+              <a:rPr lang="en-US" smtClean="0"/>
               <a:t>Fifth level</a:t>
             </a:r>
+            <a:endParaRPr lang="en-US"/>
           </a:p>
         </p:txBody>
       </p:sp>
@@ -485,7 +483,7 @@
             <a:fld id="{1D8BD707-D9CF-40AE-B4C6-C98DA3205C09}" type="datetimeFigureOut">
               <a:rPr lang="en-US" smtClean="0"/>
               <a:pPr/>
-              <a:t>9/15/2024</a:t>
+              <a:t>8/1/2011</a:t>
             </a:fld>
             <a:endParaRPr lang="en-US"/>
           </a:p>
@@ -580,9 +578,10 @@
           <a:lstStyle/>
           <a:p>
             <a:r>
-              <a:rPr lang="en-US"/>
+              <a:rPr lang="en-US" smtClean="0"/>
               <a:t>Click to edit Master title style</a:t>
             </a:r>
+            <a:endParaRPr lang="en-US"/>
           </a:p>
         </p:txBody>
       </p:sp>
@@ -608,37 +607,38 @@
           <a:p>
             <a:pPr lvl="0"/>
             <a:r>
-              <a:rPr lang="en-US"/>
+              <a:rPr lang="en-US" smtClean="0"/>
               <a:t>Click to edit Master text styles</a:t>
             </a:r>
           </a:p>
           <a:p>
             <a:pPr lvl="1"/>
             <a:r>
-              <a:rPr lang="en-US"/>
+              <a:rPr lang="en-US" smtClean="0"/>
               <a:t>Second level</a:t>
             </a:r>
           </a:p>
           <a:p>
             <a:pPr lvl="2"/>
             <a:r>
-              <a:rPr lang="en-US"/>
+              <a:rPr lang="en-US" smtClean="0"/>
               <a:t>Third level</a:t>
             </a:r>
           </a:p>
           <a:p>
             <a:pPr lvl="3"/>
             <a:r>
-              <a:rPr lang="en-US"/>
+              <a:rPr lang="en-US" smtClean="0"/>
               <a:t>Fourth level</a:t>
             </a:r>
           </a:p>
           <a:p>
             <a:pPr lvl="4"/>
             <a:r>
-              <a:rPr lang="en-US"/>
+              <a:rPr lang="en-US" smtClean="0"/>
               <a:t>Fifth level</a:t>
             </a:r>
+            <a:endParaRPr lang="en-US"/>
           </a:p>
         </p:txBody>
       </p:sp>
@@ -660,7 +660,7 @@
             <a:fld id="{1D8BD707-D9CF-40AE-B4C6-C98DA3205C09}" type="datetimeFigureOut">
               <a:rPr lang="en-US" smtClean="0"/>
               <a:pPr/>
-              <a:t>9/15/2024</a:t>
+              <a:t>8/1/2011</a:t>
             </a:fld>
             <a:endParaRPr lang="en-US"/>
           </a:p>
@@ -750,9 +750,10 @@
           <a:lstStyle/>
           <a:p>
             <a:r>
-              <a:rPr lang="en-US"/>
+              <a:rPr lang="en-US" smtClean="0"/>
               <a:t>Click to edit Master title style</a:t>
             </a:r>
+            <a:endParaRPr lang="en-US"/>
           </a:p>
         </p:txBody>
       </p:sp>
@@ -773,37 +774,38 @@
           <a:p>
             <a:pPr lvl="0"/>
             <a:r>
-              <a:rPr lang="en-US"/>
+              <a:rPr lang="en-US" smtClean="0"/>
               <a:t>Click to edit Master text styles</a:t>
             </a:r>
           </a:p>
           <a:p>
             <a:pPr lvl="1"/>
             <a:r>
-              <a:rPr lang="en-US"/>
+              <a:rPr lang="en-US" smtClean="0"/>
               <a:t>Second level</a:t>
             </a:r>
           </a:p>
           <a:p>
             <a:pPr lvl="2"/>
             <a:r>
-              <a:rPr lang="en-US"/>
+              <a:rPr lang="en-US" smtClean="0"/>
               <a:t>Third level</a:t>
             </a:r>
           </a:p>
           <a:p>
             <a:pPr lvl="3"/>
             <a:r>
-              <a:rPr lang="en-US"/>
+              <a:rPr lang="en-US" smtClean="0"/>
               <a:t>Fourth level</a:t>
             </a:r>
           </a:p>
           <a:p>
             <a:pPr lvl="4"/>
             <a:r>
-              <a:rPr lang="en-US"/>
+              <a:rPr lang="en-US" smtClean="0"/>
               <a:t>Fifth level</a:t>
             </a:r>
+            <a:endParaRPr lang="en-US"/>
           </a:p>
         </p:txBody>
       </p:sp>
@@ -825,7 +827,7 @@
             <a:fld id="{1D8BD707-D9CF-40AE-B4C6-C98DA3205C09}" type="datetimeFigureOut">
               <a:rPr lang="en-US" smtClean="0"/>
               <a:pPr/>
-              <a:t>9/15/2024</a:t>
+              <a:t>8/1/2011</a:t>
             </a:fld>
             <a:endParaRPr lang="en-US"/>
           </a:p>
@@ -924,9 +926,10 @@
           </a:lstStyle>
           <a:p>
             <a:r>
-              <a:rPr lang="en-US"/>
+              <a:rPr lang="en-US" smtClean="0"/>
               <a:t>Click to edit Master title style</a:t>
             </a:r>
+            <a:endParaRPr lang="en-US"/>
           </a:p>
         </p:txBody>
       </p:sp>
@@ -1043,7 +1046,7 @@
           <a:p>
             <a:pPr lvl="0"/>
             <a:r>
-              <a:rPr lang="en-US"/>
+              <a:rPr lang="en-US" smtClean="0"/>
               <a:t>Click to edit Master text styles</a:t>
             </a:r>
           </a:p>
@@ -1067,7 +1070,7 @@
             <a:fld id="{1D8BD707-D9CF-40AE-B4C6-C98DA3205C09}" type="datetimeFigureOut">
               <a:rPr lang="en-US" smtClean="0"/>
               <a:pPr/>
-              <a:t>9/15/2024</a:t>
+              <a:t>8/1/2011</a:t>
             </a:fld>
             <a:endParaRPr lang="en-US"/>
           </a:p>
@@ -1157,9 +1160,10 @@
           <a:lstStyle/>
           <a:p>
             <a:r>
-              <a:rPr lang="en-US"/>
+              <a:rPr lang="en-US" smtClean="0"/>
               <a:t>Click to edit Master title style</a:t>
             </a:r>
+            <a:endParaRPr lang="en-US"/>
           </a:p>
         </p:txBody>
       </p:sp>
@@ -1213,37 +1217,38 @@
           <a:p>
             <a:pPr lvl="0"/>
             <a:r>
-              <a:rPr lang="en-US"/>
+              <a:rPr lang="en-US" smtClean="0"/>
               <a:t>Click to edit Master text styles</a:t>
             </a:r>
           </a:p>
           <a:p>
             <a:pPr lvl="1"/>
             <a:r>
-              <a:rPr lang="en-US"/>
+              <a:rPr lang="en-US" smtClean="0"/>
               <a:t>Second level</a:t>
             </a:r>
           </a:p>
           <a:p>
             <a:pPr lvl="2"/>
             <a:r>
-              <a:rPr lang="en-US"/>
+              <a:rPr lang="en-US" smtClean="0"/>
               <a:t>Third level</a:t>
             </a:r>
           </a:p>
           <a:p>
             <a:pPr lvl="3"/>
             <a:r>
-              <a:rPr lang="en-US"/>
+              <a:rPr lang="en-US" smtClean="0"/>
               <a:t>Fourth level</a:t>
             </a:r>
           </a:p>
           <a:p>
             <a:pPr lvl="4"/>
             <a:r>
-              <a:rPr lang="en-US"/>
+              <a:rPr lang="en-US" smtClean="0"/>
               <a:t>Fifth level</a:t>
             </a:r>
+            <a:endParaRPr lang="en-US"/>
           </a:p>
         </p:txBody>
       </p:sp>
@@ -1297,37 +1302,38 @@
           <a:p>
             <a:pPr lvl="0"/>
             <a:r>
-              <a:rPr lang="en-US"/>
+              <a:rPr lang="en-US" smtClean="0"/>
               <a:t>Click to edit Master text styles</a:t>
             </a:r>
           </a:p>
           <a:p>
             <a:pPr lvl="1"/>
             <a:r>
-              <a:rPr lang="en-US"/>
+              <a:rPr lang="en-US" smtClean="0"/>
               <a:t>Second level</a:t>
             </a:r>
           </a:p>
           <a:p>
             <a:pPr lvl="2"/>
             <a:r>
-              <a:rPr lang="en-US"/>
+              <a:rPr lang="en-US" smtClean="0"/>
               <a:t>Third level</a:t>
             </a:r>
           </a:p>
           <a:p>
             <a:pPr lvl="3"/>
             <a:r>
-              <a:rPr lang="en-US"/>
+              <a:rPr lang="en-US" smtClean="0"/>
               <a:t>Fourth level</a:t>
             </a:r>
           </a:p>
           <a:p>
             <a:pPr lvl="4"/>
             <a:r>
-              <a:rPr lang="en-US"/>
+              <a:rPr lang="en-US" smtClean="0"/>
               <a:t>Fifth level</a:t>
             </a:r>
+            <a:endParaRPr lang="en-US"/>
           </a:p>
         </p:txBody>
       </p:sp>
@@ -1349,7 +1355,7 @@
             <a:fld id="{1D8BD707-D9CF-40AE-B4C6-C98DA3205C09}" type="datetimeFigureOut">
               <a:rPr lang="en-US" smtClean="0"/>
               <a:pPr/>
-              <a:t>9/15/2024</a:t>
+              <a:t>8/1/2011</a:t>
             </a:fld>
             <a:endParaRPr lang="en-US"/>
           </a:p>
@@ -1443,9 +1449,10 @@
           </a:lstStyle>
           <a:p>
             <a:r>
-              <a:rPr lang="en-US"/>
+              <a:rPr lang="en-US" smtClean="0"/>
               <a:t>Click to edit Master title style</a:t>
             </a:r>
+            <a:endParaRPr lang="en-US"/>
           </a:p>
         </p:txBody>
       </p:sp>
@@ -1508,7 +1515,7 @@
           <a:p>
             <a:pPr lvl="0"/>
             <a:r>
-              <a:rPr lang="en-US"/>
+              <a:rPr lang="en-US" smtClean="0"/>
               <a:t>Click to edit Master text styles</a:t>
             </a:r>
           </a:p>
@@ -1564,37 +1571,38 @@
           <a:p>
             <a:pPr lvl="0"/>
             <a:r>
-              <a:rPr lang="en-US"/>
+              <a:rPr lang="en-US" smtClean="0"/>
               <a:t>Click to edit Master text styles</a:t>
             </a:r>
           </a:p>
           <a:p>
             <a:pPr lvl="1"/>
             <a:r>
-              <a:rPr lang="en-US"/>
+              <a:rPr lang="en-US" smtClean="0"/>
               <a:t>Second level</a:t>
             </a:r>
           </a:p>
           <a:p>
             <a:pPr lvl="2"/>
             <a:r>
-              <a:rPr lang="en-US"/>
+              <a:rPr lang="en-US" smtClean="0"/>
               <a:t>Third level</a:t>
             </a:r>
           </a:p>
           <a:p>
             <a:pPr lvl="3"/>
             <a:r>
-              <a:rPr lang="en-US"/>
+              <a:rPr lang="en-US" smtClean="0"/>
               <a:t>Fourth level</a:t>
             </a:r>
           </a:p>
           <a:p>
             <a:pPr lvl="4"/>
             <a:r>
-              <a:rPr lang="en-US"/>
+              <a:rPr lang="en-US" smtClean="0"/>
               <a:t>Fifth level</a:t>
             </a:r>
+            <a:endParaRPr lang="en-US"/>
           </a:p>
         </p:txBody>
       </p:sp>
@@ -1657,7 +1665,7 @@
           <a:p>
             <a:pPr lvl="0"/>
             <a:r>
-              <a:rPr lang="en-US"/>
+              <a:rPr lang="en-US" smtClean="0"/>
               <a:t>Click to edit Master text styles</a:t>
             </a:r>
           </a:p>
@@ -1713,37 +1721,38 @@
           <a:p>
             <a:pPr lvl="0"/>
             <a:r>
-              <a:rPr lang="en-US"/>
+              <a:rPr lang="en-US" smtClean="0"/>
               <a:t>Click to edit Master text styles</a:t>
             </a:r>
           </a:p>
           <a:p>
             <a:pPr lvl="1"/>
             <a:r>
-              <a:rPr lang="en-US"/>
+              <a:rPr lang="en-US" smtClean="0"/>
               <a:t>Second level</a:t>
             </a:r>
           </a:p>
           <a:p>
             <a:pPr lvl="2"/>
             <a:r>
-              <a:rPr lang="en-US"/>
+              <a:rPr lang="en-US" smtClean="0"/>
               <a:t>Third level</a:t>
             </a:r>
           </a:p>
           <a:p>
             <a:pPr lvl="3"/>
             <a:r>
-              <a:rPr lang="en-US"/>
+              <a:rPr lang="en-US" smtClean="0"/>
               <a:t>Fourth level</a:t>
             </a:r>
           </a:p>
           <a:p>
             <a:pPr lvl="4"/>
             <a:r>
-              <a:rPr lang="en-US"/>
+              <a:rPr lang="en-US" smtClean="0"/>
               <a:t>Fifth level</a:t>
             </a:r>
+            <a:endParaRPr lang="en-US"/>
           </a:p>
         </p:txBody>
       </p:sp>
@@ -1765,7 +1774,7 @@
             <a:fld id="{1D8BD707-D9CF-40AE-B4C6-C98DA3205C09}" type="datetimeFigureOut">
               <a:rPr lang="en-US" smtClean="0"/>
               <a:pPr/>
-              <a:t>9/15/2024</a:t>
+              <a:t>8/1/2011</a:t>
             </a:fld>
             <a:endParaRPr lang="en-US"/>
           </a:p>
@@ -1855,9 +1864,10 @@
           <a:lstStyle/>
           <a:p>
             <a:r>
-              <a:rPr lang="en-US"/>
+              <a:rPr lang="en-US" smtClean="0"/>
               <a:t>Click to edit Master title style</a:t>
             </a:r>
+            <a:endParaRPr lang="en-US"/>
           </a:p>
         </p:txBody>
       </p:sp>
@@ -1879,7 +1889,7 @@
             <a:fld id="{1D8BD707-D9CF-40AE-B4C6-C98DA3205C09}" type="datetimeFigureOut">
               <a:rPr lang="en-US" smtClean="0"/>
               <a:pPr/>
-              <a:t>9/15/2024</a:t>
+              <a:t>8/1/2011</a:t>
             </a:fld>
             <a:endParaRPr lang="en-US"/>
           </a:p>
@@ -1971,7 +1981,7 @@
             <a:fld id="{1D8BD707-D9CF-40AE-B4C6-C98DA3205C09}" type="datetimeFigureOut">
               <a:rPr lang="en-US" smtClean="0"/>
               <a:pPr/>
-              <a:t>9/15/2024</a:t>
+              <a:t>8/1/2011</a:t>
             </a:fld>
             <a:endParaRPr lang="en-US"/>
           </a:p>
@@ -2070,9 +2080,10 @@
           </a:lstStyle>
           <a:p>
             <a:r>
-              <a:rPr lang="en-US"/>
+              <a:rPr lang="en-US" smtClean="0"/>
               <a:t>Click to edit Master title style</a:t>
             </a:r>
+            <a:endParaRPr lang="en-US"/>
           </a:p>
         </p:txBody>
       </p:sp>
@@ -2126,37 +2137,38 @@
           <a:p>
             <a:pPr lvl="0"/>
             <a:r>
-              <a:rPr lang="en-US"/>
+              <a:rPr lang="en-US" smtClean="0"/>
               <a:t>Click to edit Master text styles</a:t>
             </a:r>
           </a:p>
           <a:p>
             <a:pPr lvl="1"/>
             <a:r>
-              <a:rPr lang="en-US"/>
+              <a:rPr lang="en-US" smtClean="0"/>
               <a:t>Second level</a:t>
             </a:r>
           </a:p>
           <a:p>
             <a:pPr lvl="2"/>
             <a:r>
-              <a:rPr lang="en-US"/>
+              <a:rPr lang="en-US" smtClean="0"/>
               <a:t>Third level</a:t>
             </a:r>
           </a:p>
           <a:p>
             <a:pPr lvl="3"/>
             <a:r>
-              <a:rPr lang="en-US"/>
+              <a:rPr lang="en-US" smtClean="0"/>
               <a:t>Fourth level</a:t>
             </a:r>
           </a:p>
           <a:p>
             <a:pPr lvl="4"/>
             <a:r>
-              <a:rPr lang="en-US"/>
+              <a:rPr lang="en-US" smtClean="0"/>
               <a:t>Fifth level</a:t>
             </a:r>
+            <a:endParaRPr lang="en-US"/>
           </a:p>
         </p:txBody>
       </p:sp>
@@ -2219,7 +2231,7 @@
           <a:p>
             <a:pPr lvl="0"/>
             <a:r>
-              <a:rPr lang="en-US"/>
+              <a:rPr lang="en-US" smtClean="0"/>
               <a:t>Click to edit Master text styles</a:t>
             </a:r>
           </a:p>
@@ -2243,7 +2255,7 @@
             <a:fld id="{1D8BD707-D9CF-40AE-B4C6-C98DA3205C09}" type="datetimeFigureOut">
               <a:rPr lang="en-US" smtClean="0"/>
               <a:pPr/>
-              <a:t>9/15/2024</a:t>
+              <a:t>8/1/2011</a:t>
             </a:fld>
             <a:endParaRPr lang="en-US"/>
           </a:p>
@@ -2342,9 +2354,10 @@
           </a:lstStyle>
           <a:p>
             <a:r>
-              <a:rPr lang="en-US"/>
+              <a:rPr lang="en-US" smtClean="0"/>
               <a:t>Click to edit Master title style</a:t>
             </a:r>
+            <a:endParaRPr lang="en-US"/>
           </a:p>
         </p:txBody>
       </p:sp>
@@ -2468,7 +2481,7 @@
           <a:p>
             <a:pPr lvl="0"/>
             <a:r>
-              <a:rPr lang="en-US"/>
+              <a:rPr lang="en-US" smtClean="0"/>
               <a:t>Click to edit Master text styles</a:t>
             </a:r>
           </a:p>
@@ -2492,7 +2505,7 @@
             <a:fld id="{1D8BD707-D9CF-40AE-B4C6-C98DA3205C09}" type="datetimeFigureOut">
               <a:rPr lang="en-US" smtClean="0"/>
               <a:pPr/>
-              <a:t>9/15/2024</a:t>
+              <a:t>8/1/2011</a:t>
             </a:fld>
             <a:endParaRPr lang="en-US"/>
           </a:p>
@@ -2597,9 +2610,10 @@
           <a:lstStyle/>
           <a:p>
             <a:r>
-              <a:rPr lang="en-US"/>
+              <a:rPr lang="en-US" smtClean="0"/>
               <a:t>Click to edit Master title style</a:t>
             </a:r>
+            <a:endParaRPr lang="en-US"/>
           </a:p>
         </p:txBody>
       </p:sp>
@@ -2630,37 +2644,38 @@
           <a:p>
             <a:pPr lvl="0"/>
             <a:r>
-              <a:rPr lang="en-US"/>
+              <a:rPr lang="en-US" smtClean="0"/>
               <a:t>Click to edit Master text styles</a:t>
             </a:r>
           </a:p>
           <a:p>
             <a:pPr lvl="1"/>
             <a:r>
-              <a:rPr lang="en-US"/>
+              <a:rPr lang="en-US" smtClean="0"/>
               <a:t>Second level</a:t>
             </a:r>
           </a:p>
           <a:p>
             <a:pPr lvl="2"/>
             <a:r>
-              <a:rPr lang="en-US"/>
+              <a:rPr lang="en-US" smtClean="0"/>
               <a:t>Third level</a:t>
             </a:r>
           </a:p>
           <a:p>
             <a:pPr lvl="3"/>
             <a:r>
-              <a:rPr lang="en-US"/>
+              <a:rPr lang="en-US" smtClean="0"/>
               <a:t>Fourth level</a:t>
             </a:r>
           </a:p>
           <a:p>
             <a:pPr lvl="4"/>
             <a:r>
-              <a:rPr lang="en-US"/>
+              <a:rPr lang="en-US" smtClean="0"/>
               <a:t>Fifth level</a:t>
             </a:r>
+            <a:endParaRPr lang="en-US"/>
           </a:p>
         </p:txBody>
       </p:sp>
@@ -2700,7 +2715,7 @@
             <a:fld id="{1D8BD707-D9CF-40AE-B4C6-C98DA3205C09}" type="datetimeFigureOut">
               <a:rPr lang="en-US" smtClean="0"/>
               <a:pPr/>
-              <a:t>9/15/2024</a:t>
+              <a:t>8/1/2011</a:t>
             </a:fld>
             <a:endParaRPr lang="en-US"/>
           </a:p>
@@ -3055,14 +3070,13 @@
 </file>
 
 <file path=ppt/slides/slide1.xml><?xml version="1.0" encoding="utf-8"?>
-<p:sld xmlns:a="http://schemas.openxmlformats.org/drawingml/2006/main" xmlns:r="http://schemas.openxmlformats.org/officeDocument/2006/relationships" xmlns:p="http://schemas.openxmlformats.org/presentationml/2006/main">
+<p:sld xmlns:p="http://schemas.openxmlformats.org/presentationml/2006/main" xmlns:a="http://schemas.openxmlformats.org/drawingml/2006/main" xmlns:r="http://schemas.openxmlformats.org/officeDocument/2006/relationships">
   <p:cSld>
     <p:bg>
       <p:bgPr>
         <a:solidFill>
           <a:srgbClr val="F6F6E9"/>
         </a:solidFill>
-        <a:effectLst/>
       </p:bgPr>
     </p:bg>
     <p:spTree>
@@ -3081,12 +3095,12 @@
       </p:grpSpPr>
       <p:grpSp>
         <p:nvGrpSpPr>
-          <p:cNvPr id="2" name="Group 2"/>
+          <p:cNvPr name="Group 2" id="2"/>
           <p:cNvGrpSpPr/>
           <p:nvPr/>
         </p:nvGrpSpPr>
         <p:grpSpPr>
-          <a:xfrm>
+          <a:xfrm rot="0">
             <a:off x="-3651975" y="7331937"/>
             <a:ext cx="5910126" cy="5910126"/>
             <a:chOff x="0" y="0"/>
@@ -3095,12 +3109,12 @@
         </p:grpSpPr>
         <p:sp>
           <p:nvSpPr>
-            <p:cNvPr id="3" name="Freeform 3"/>
+            <p:cNvPr name="Freeform 3" id="3"/>
             <p:cNvSpPr/>
             <p:nvPr/>
           </p:nvSpPr>
           <p:spPr>
-            <a:xfrm>
+            <a:xfrm flipH="false" flipV="false" rot="0">
               <a:off x="0" y="0"/>
               <a:ext cx="812800" cy="812800"/>
             </a:xfrm>
@@ -3109,9 +3123,9 @@
               <a:gdLst/>
               <a:ahLst/>
               <a:cxnLst/>
-              <a:rect l="l" t="t" r="r" b="b"/>
+              <a:rect r="r" b="b" t="t" l="l"/>
               <a:pathLst>
-                <a:path w="812800" h="812800">
+                <a:path h="812800" w="812800">
                   <a:moveTo>
                     <a:pt x="406400" y="0"/>
                   </a:moveTo>
@@ -3146,8 +3160,8 @@
         </p:sp>
         <p:sp>
           <p:nvSpPr>
-            <p:cNvPr id="4" name="TextBox 4"/>
-            <p:cNvSpPr txBox="1"/>
+            <p:cNvPr name="TextBox 4" id="4"/>
+            <p:cNvSpPr txBox="true"/>
             <p:nvPr/>
           </p:nvSpPr>
           <p:spPr>
@@ -3160,7 +3174,7 @@
             </a:prstGeom>
           </p:spPr>
           <p:txBody>
-            <a:bodyPr lIns="50800" tIns="50800" rIns="50800" bIns="50800" rtlCol="0" anchor="ctr"/>
+            <a:bodyPr anchor="ctr" rtlCol="false" tIns="50800" lIns="50800" bIns="50800" rIns="50800"/>
             <a:lstStyle/>
             <a:p>
               <a:pPr algn="ctr">
@@ -3168,20 +3182,19 @@
                   <a:spcPts val="2659"/>
                 </a:lnSpc>
               </a:pPr>
-              <a:endParaRPr/>
             </a:p>
           </p:txBody>
         </p:sp>
       </p:grpSp>
       <p:sp>
         <p:nvSpPr>
-          <p:cNvPr id="5" name="TextBox 5"/>
-          <p:cNvSpPr txBox="1"/>
+          <p:cNvPr name="TextBox 5" id="5"/>
+          <p:cNvSpPr txBox="true"/>
           <p:nvPr/>
         </p:nvSpPr>
         <p:spPr>
-          <a:xfrm>
-            <a:off x="360237" y="674866"/>
+          <a:xfrm rot="0">
+            <a:off x="335626" y="502654"/>
             <a:ext cx="9028408" cy="1562781"/>
           </a:xfrm>
           <a:prstGeom prst="rect">
@@ -3189,7 +3202,7 @@
           </a:prstGeom>
         </p:spPr>
         <p:txBody>
-          <a:bodyPr lIns="0" tIns="0" rIns="0" bIns="0" rtlCol="0" anchor="t">
+          <a:bodyPr anchor="t" rtlCol="false" tIns="0" lIns="0" bIns="0" rIns="0">
             <a:spAutoFit/>
           </a:bodyPr>
           <a:lstStyle/>
@@ -3216,34 +3229,34 @@
       </p:sp>
       <p:sp>
         <p:nvSpPr>
-          <p:cNvPr id="6" name="Freeform 6"/>
+          <p:cNvPr name="Freeform 6" id="6"/>
           <p:cNvSpPr/>
           <p:nvPr/>
         </p:nvSpPr>
         <p:spPr>
-          <a:xfrm>
-            <a:off x="7320457" y="2379760"/>
-            <a:ext cx="10693728" cy="5600016"/>
+          <a:xfrm flipH="false" flipV="false" rot="0">
+            <a:off x="2918159" y="2185953"/>
+            <a:ext cx="12451682" cy="6520609"/>
           </a:xfrm>
           <a:custGeom>
             <a:avLst/>
             <a:gdLst/>
             <a:ahLst/>
             <a:cxnLst/>
-            <a:rect l="l" t="t" r="r" b="b"/>
+            <a:rect r="r" b="b" t="t" l="l"/>
             <a:pathLst>
-              <a:path w="10693728" h="5600016">
+              <a:path h="6520609" w="12451682">
                 <a:moveTo>
                   <a:pt x="0" y="0"/>
                 </a:moveTo>
                 <a:lnTo>
-                  <a:pt x="10693729" y="0"/>
+                  <a:pt x="12451682" y="0"/>
                 </a:lnTo>
                 <a:lnTo>
-                  <a:pt x="10693729" y="5600016"/>
+                  <a:pt x="12451682" y="6520609"/>
                 </a:lnTo>
                 <a:lnTo>
-                  <a:pt x="0" y="5600016"/>
+                  <a:pt x="0" y="6520609"/>
                 </a:lnTo>
                 <a:lnTo>
                   <a:pt x="0" y="0"/>
@@ -3255,166 +3268,19 @@
           <a:blipFill>
             <a:blip r:embed="rId2"/>
             <a:stretch>
-              <a:fillRect l="-15118" r="-1308"/>
+              <a:fillRect l="-15118" t="0" r="-1308" b="0"/>
             </a:stretch>
           </a:blipFill>
         </p:spPr>
       </p:sp>
-      <p:sp>
-        <p:nvSpPr>
-          <p:cNvPr id="7" name="TextBox 7"/>
-          <p:cNvSpPr txBox="1"/>
-          <p:nvPr/>
-        </p:nvSpPr>
-        <p:spPr>
-          <a:xfrm>
-            <a:off x="360237" y="1877746"/>
-            <a:ext cx="6532338" cy="5606591"/>
-          </a:xfrm>
-          <a:prstGeom prst="rect">
-            <a:avLst/>
-          </a:prstGeom>
-        </p:spPr>
-        <p:txBody>
-          <a:bodyPr lIns="0" tIns="0" rIns="0" bIns="0" rtlCol="0" anchor="t">
-            <a:spAutoFit/>
-          </a:bodyPr>
-          <a:lstStyle/>
-          <a:p>
-            <a:pPr algn="l">
-              <a:lnSpc>
-                <a:spcPts val="4400"/>
-              </a:lnSpc>
-            </a:pPr>
-            <a:endParaRPr/>
-          </a:p>
-          <a:p>
-            <a:pPr algn="l">
-              <a:lnSpc>
-                <a:spcPts val="4400"/>
-              </a:lnSpc>
-            </a:pPr>
-            <a:r>
-              <a:rPr lang="en-US" sz="3143" b="1">
-                <a:solidFill>
-                  <a:srgbClr val="291B25"/>
-                </a:solidFill>
-                <a:latin typeface="Agrandir Bold"/>
-                <a:ea typeface="Agrandir Bold"/>
-                <a:cs typeface="Agrandir Bold"/>
-                <a:sym typeface="Agrandir Bold"/>
-              </a:rPr>
-              <a:t>Features:</a:t>
-            </a:r>
-          </a:p>
-          <a:p>
-            <a:pPr algn="l">
-              <a:lnSpc>
-                <a:spcPts val="4400"/>
-              </a:lnSpc>
-            </a:pPr>
-            <a:r>
-              <a:rPr lang="en-US" sz="3143">
-                <a:solidFill>
-                  <a:srgbClr val="291B25"/>
-                </a:solidFill>
-                <a:latin typeface="Agrandir"/>
-                <a:ea typeface="Agrandir"/>
-                <a:cs typeface="Agrandir"/>
-                <a:sym typeface="Agrandir"/>
-              </a:rPr>
-              <a:t>1) Data Ingestion using PostgreSQL and AWS Cloud</a:t>
-            </a:r>
-          </a:p>
-          <a:p>
-            <a:pPr algn="l">
-              <a:lnSpc>
-                <a:spcPts val="4400"/>
-              </a:lnSpc>
-            </a:pPr>
-            <a:r>
-              <a:rPr lang="en-US" sz="3143">
-                <a:solidFill>
-                  <a:srgbClr val="291B25"/>
-                </a:solidFill>
-                <a:latin typeface="Agrandir"/>
-                <a:ea typeface="Agrandir"/>
-                <a:cs typeface="Agrandir"/>
-                <a:sym typeface="Agrandir"/>
-              </a:rPr>
-              <a:t>2) Comprehensive PII Identification</a:t>
-            </a:r>
-          </a:p>
-          <a:p>
-            <a:pPr algn="l">
-              <a:lnSpc>
-                <a:spcPts val="4400"/>
-              </a:lnSpc>
-            </a:pPr>
-            <a:r>
-              <a:rPr lang="en-US" sz="3143">
-                <a:solidFill>
-                  <a:srgbClr val="291B25"/>
-                </a:solidFill>
-                <a:latin typeface="Agrandir"/>
-                <a:ea typeface="Agrandir"/>
-                <a:cs typeface="Agrandir"/>
-                <a:sym typeface="Agrandir"/>
-              </a:rPr>
-              <a:t>3) Classification of PII in buckets such as Personal, Medical, Financial etc.</a:t>
-            </a:r>
-          </a:p>
-          <a:p>
-            <a:pPr algn="l">
-              <a:lnSpc>
-                <a:spcPts val="4400"/>
-              </a:lnSpc>
-            </a:pPr>
-            <a:r>
-              <a:rPr lang="en-US" sz="3143">
-                <a:solidFill>
-                  <a:srgbClr val="291B25"/>
-                </a:solidFill>
-                <a:latin typeface="Agrandir"/>
-                <a:ea typeface="Agrandir"/>
-                <a:cs typeface="Agrandir"/>
-                <a:sym typeface="Agrandir"/>
-              </a:rPr>
-              <a:t>4) Risk Assessment of PII</a:t>
-            </a:r>
-          </a:p>
-          <a:p>
-            <a:pPr algn="l">
-              <a:lnSpc>
-                <a:spcPts val="4400"/>
-              </a:lnSpc>
-              <a:spcBef>
-                <a:spcPct val="0"/>
-              </a:spcBef>
-            </a:pPr>
-            <a:r>
-              <a:rPr lang="en-US" sz="3143">
-                <a:solidFill>
-                  <a:srgbClr val="291B25"/>
-                </a:solidFill>
-                <a:latin typeface="Agrandir"/>
-                <a:ea typeface="Agrandir"/>
-                <a:cs typeface="Agrandir"/>
-                <a:sym typeface="Agrandir"/>
-              </a:rPr>
-              <a:t>5) Data Analytics</a:t>
-            </a:r>
-          </a:p>
-        </p:txBody>
-      </p:sp>
       <p:grpSp>
         <p:nvGrpSpPr>
-          <p:cNvPr id="8" name="Group 8"/>
+          <p:cNvPr name="Group 7" id="7"/>
           <p:cNvGrpSpPr/>
           <p:nvPr/>
         </p:nvGrpSpPr>
         <p:grpSpPr>
-          <a:xfrm>
+          <a:xfrm rot="0">
             <a:off x="9556188" y="-3235213"/>
             <a:ext cx="5910126" cy="4767670"/>
             <a:chOff x="0" y="0"/>
@@ -3423,12 +3289,12 @@
         </p:grpSpPr>
         <p:sp>
           <p:nvSpPr>
-            <p:cNvPr id="9" name="Freeform 9"/>
+            <p:cNvPr name="Freeform 8" id="8"/>
             <p:cNvSpPr/>
             <p:nvPr/>
           </p:nvSpPr>
           <p:spPr>
-            <a:xfrm>
+            <a:xfrm flipH="false" flipV="false" rot="0">
               <a:off x="0" y="0"/>
               <a:ext cx="812800" cy="655682"/>
             </a:xfrm>
@@ -3437,9 +3303,9 @@
               <a:gdLst/>
               <a:ahLst/>
               <a:cxnLst/>
-              <a:rect l="l" t="t" r="r" b="b"/>
+              <a:rect r="r" b="b" t="t" l="l"/>
               <a:pathLst>
-                <a:path w="812800" h="655682">
+                <a:path h="655682" w="812800">
                   <a:moveTo>
                     <a:pt x="406400" y="0"/>
                   </a:moveTo>
@@ -3474,8 +3340,8 @@
         </p:sp>
         <p:sp>
           <p:nvSpPr>
-            <p:cNvPr id="10" name="TextBox 10"/>
-            <p:cNvSpPr txBox="1"/>
+            <p:cNvPr name="TextBox 9" id="9"/>
+            <p:cNvSpPr txBox="true"/>
             <p:nvPr/>
           </p:nvSpPr>
           <p:spPr>
@@ -3488,7 +3354,7 @@
             </a:prstGeom>
           </p:spPr>
           <p:txBody>
-            <a:bodyPr lIns="50800" tIns="50800" rIns="50800" bIns="50800" rtlCol="0" anchor="ctr"/>
+            <a:bodyPr anchor="ctr" rtlCol="false" tIns="50800" lIns="50800" bIns="50800" rIns="50800"/>
             <a:lstStyle/>
             <a:p>
               <a:pPr algn="ctr">
@@ -3496,19 +3362,18 @@
                   <a:spcPts val="2659"/>
                 </a:lnSpc>
               </a:pPr>
-              <a:endParaRPr/>
             </a:p>
           </p:txBody>
         </p:sp>
       </p:grpSp>
       <p:grpSp>
         <p:nvGrpSpPr>
-          <p:cNvPr id="11" name="Group 11"/>
+          <p:cNvPr name="Group 10" id="10"/>
           <p:cNvGrpSpPr/>
           <p:nvPr/>
         </p:nvGrpSpPr>
         <p:grpSpPr>
-          <a:xfrm>
+          <a:xfrm rot="0">
             <a:off x="-3499575" y="7484337"/>
             <a:ext cx="5910126" cy="5910126"/>
             <a:chOff x="0" y="0"/>
@@ -3517,12 +3382,12 @@
         </p:grpSpPr>
         <p:sp>
           <p:nvSpPr>
-            <p:cNvPr id="12" name="Freeform 12"/>
+            <p:cNvPr name="Freeform 11" id="11"/>
             <p:cNvSpPr/>
             <p:nvPr/>
           </p:nvSpPr>
           <p:spPr>
-            <a:xfrm>
+            <a:xfrm flipH="false" flipV="false" rot="0">
               <a:off x="0" y="0"/>
               <a:ext cx="812800" cy="812800"/>
             </a:xfrm>
@@ -3531,9 +3396,9 @@
               <a:gdLst/>
               <a:ahLst/>
               <a:cxnLst/>
-              <a:rect l="l" t="t" r="r" b="b"/>
+              <a:rect r="r" b="b" t="t" l="l"/>
               <a:pathLst>
-                <a:path w="812800" h="812800">
+                <a:path h="812800" w="812800">
                   <a:moveTo>
                     <a:pt x="406400" y="0"/>
                   </a:moveTo>
@@ -3568,8 +3433,8 @@
         </p:sp>
         <p:sp>
           <p:nvSpPr>
-            <p:cNvPr id="13" name="TextBox 13"/>
-            <p:cNvSpPr txBox="1"/>
+            <p:cNvPr name="TextBox 12" id="12"/>
+            <p:cNvSpPr txBox="true"/>
             <p:nvPr/>
           </p:nvSpPr>
           <p:spPr>
@@ -3582,7 +3447,7 @@
             </a:prstGeom>
           </p:spPr>
           <p:txBody>
-            <a:bodyPr lIns="50800" tIns="50800" rIns="50800" bIns="50800" rtlCol="0" anchor="ctr"/>
+            <a:bodyPr anchor="ctr" rtlCol="false" tIns="50800" lIns="50800" bIns="50800" rIns="50800"/>
             <a:lstStyle/>
             <a:p>
               <a:pPr algn="ctr">
@@ -3590,20 +3455,19 @@
                   <a:spcPts val="2659"/>
                 </a:lnSpc>
               </a:pPr>
-              <a:endParaRPr/>
             </a:p>
           </p:txBody>
         </p:sp>
       </p:grpSp>
       <p:grpSp>
         <p:nvGrpSpPr>
-          <p:cNvPr id="14" name="Group 14"/>
+          <p:cNvPr name="Group 13" id="13"/>
           <p:cNvGrpSpPr/>
           <p:nvPr/>
         </p:nvGrpSpPr>
         <p:grpSpPr>
-          <a:xfrm>
-            <a:off x="3626406" y="8827080"/>
+          <a:xfrm rot="0">
+            <a:off x="3675627" y="9243062"/>
             <a:ext cx="10002403" cy="831964"/>
             <a:chOff x="0" y="0"/>
             <a:chExt cx="13336537" cy="1109286"/>
@@ -3611,7 +3475,7 @@
         </p:grpSpPr>
         <p:grpSp>
           <p:nvGrpSpPr>
-            <p:cNvPr id="15" name="Group 15"/>
+            <p:cNvPr name="Group 14" id="14"/>
             <p:cNvGrpSpPr/>
             <p:nvPr/>
           </p:nvGrpSpPr>
@@ -3625,12 +3489,12 @@
           </p:grpSpPr>
           <p:sp>
             <p:nvSpPr>
-              <p:cNvPr id="16" name="Freeform 16"/>
+              <p:cNvPr name="Freeform 15" id="15"/>
               <p:cNvSpPr/>
               <p:nvPr/>
             </p:nvSpPr>
             <p:spPr>
-              <a:xfrm>
+              <a:xfrm flipH="false" flipV="false" rot="0">
                 <a:off x="0" y="0"/>
                 <a:ext cx="233609" cy="2808593"/>
               </a:xfrm>
@@ -3639,9 +3503,9 @@
                 <a:gdLst/>
                 <a:ahLst/>
                 <a:cxnLst/>
-                <a:rect l="l" t="t" r="r" b="b"/>
+                <a:rect r="r" b="b" t="t" l="l"/>
                 <a:pathLst>
-                  <a:path w="233609" h="2808593">
+                  <a:path h="2808593" w="233609">
                     <a:moveTo>
                       <a:pt x="116804" y="0"/>
                     </a:moveTo>
@@ -3693,8 +3557,8 @@
           </p:sp>
           <p:sp>
             <p:nvSpPr>
-              <p:cNvPr id="17" name="TextBox 17"/>
-              <p:cNvSpPr txBox="1"/>
+              <p:cNvPr name="TextBox 16" id="16"/>
+              <p:cNvSpPr txBox="true"/>
               <p:nvPr/>
             </p:nvSpPr>
             <p:spPr>
@@ -3707,7 +3571,7 @@
               </a:prstGeom>
             </p:spPr>
             <p:txBody>
-              <a:bodyPr lIns="50800" tIns="50800" rIns="50800" bIns="50800" rtlCol="0" anchor="ctr"/>
+              <a:bodyPr anchor="ctr" rtlCol="false" tIns="50800" lIns="50800" bIns="50800" rIns="50800"/>
               <a:lstStyle/>
               <a:p>
                 <a:pPr algn="ctr">
@@ -3715,19 +3579,18 @@
                     <a:spcPts val="2659"/>
                   </a:lnSpc>
                 </a:pPr>
-                <a:endParaRPr/>
               </a:p>
             </p:txBody>
           </p:sp>
         </p:grpSp>
         <p:sp>
           <p:nvSpPr>
-            <p:cNvPr id="18" name="TextBox 18"/>
-            <p:cNvSpPr txBox="1"/>
+            <p:cNvPr name="TextBox 17" id="17"/>
+            <p:cNvSpPr txBox="true"/>
             <p:nvPr/>
           </p:nvSpPr>
           <p:spPr>
-            <a:xfrm>
+            <a:xfrm rot="0">
               <a:off x="2582941" y="96266"/>
               <a:ext cx="8481145" cy="831029"/>
             </a:xfrm>
@@ -3736,7 +3599,7 @@
             </a:prstGeom>
           </p:spPr>
           <p:txBody>
-            <a:bodyPr lIns="0" tIns="0" rIns="0" bIns="0" rtlCol="0" anchor="t">
+            <a:bodyPr anchor="t" rtlCol="false" tIns="0" lIns="0" bIns="0" rIns="0">
               <a:spAutoFit/>
             </a:bodyPr>
             <a:lstStyle/>
@@ -3767,13 +3630,13 @@
       </p:grpSp>
       <p:grpSp>
         <p:nvGrpSpPr>
-          <p:cNvPr id="19" name="Group 19"/>
+          <p:cNvPr name="Group 18" id="18"/>
           <p:cNvGrpSpPr/>
           <p:nvPr/>
         </p:nvGrpSpPr>
         <p:grpSpPr>
           <a:xfrm rot="-5400000">
-            <a:off x="15999865" y="8293528"/>
+            <a:off x="16276495" y="8709510"/>
             <a:ext cx="831964" cy="1899068"/>
             <a:chOff x="0" y="0"/>
             <a:chExt cx="233609" cy="533243"/>
@@ -3781,12 +3644,12 @@
         </p:grpSpPr>
         <p:sp>
           <p:nvSpPr>
-            <p:cNvPr id="20" name="Freeform 20"/>
+            <p:cNvPr name="Freeform 19" id="19"/>
             <p:cNvSpPr/>
             <p:nvPr/>
           </p:nvSpPr>
           <p:spPr>
-            <a:xfrm>
+            <a:xfrm flipH="false" flipV="false" rot="0">
               <a:off x="0" y="0"/>
               <a:ext cx="233609" cy="533243"/>
             </a:xfrm>
@@ -3795,9 +3658,9 @@
               <a:gdLst/>
               <a:ahLst/>
               <a:cxnLst/>
-              <a:rect l="l" t="t" r="r" b="b"/>
+              <a:rect r="r" b="b" t="t" l="l"/>
               <a:pathLst>
-                <a:path w="233609" h="533243">
+                <a:path h="533243" w="233609">
                   <a:moveTo>
                     <a:pt x="116804" y="0"/>
                   </a:moveTo>
@@ -3849,8 +3712,8 @@
         </p:sp>
         <p:sp>
           <p:nvSpPr>
-            <p:cNvPr id="21" name="TextBox 21"/>
-            <p:cNvSpPr txBox="1"/>
+            <p:cNvPr name="TextBox 20" id="20"/>
+            <p:cNvSpPr txBox="true"/>
             <p:nvPr/>
           </p:nvSpPr>
           <p:spPr>
@@ -3863,7 +3726,7 @@
             </a:prstGeom>
           </p:spPr>
           <p:txBody>
-            <a:bodyPr lIns="50800" tIns="50800" rIns="50800" bIns="50800" rtlCol="0" anchor="ctr"/>
+            <a:bodyPr anchor="ctr" rtlCol="false" tIns="50800" lIns="50800" bIns="50800" rIns="50800"/>
             <a:lstStyle/>
             <a:p>
               <a:pPr algn="ctr">
@@ -3871,20 +3734,19 @@
                   <a:spcPts val="2659"/>
                 </a:lnSpc>
               </a:pPr>
-              <a:endParaRPr/>
             </a:p>
           </p:txBody>
         </p:sp>
       </p:grpSp>
       <p:sp>
         <p:nvSpPr>
-          <p:cNvPr id="22" name="TextBox 22"/>
-          <p:cNvSpPr txBox="1"/>
+          <p:cNvPr name="TextBox 21" id="21"/>
+          <p:cNvSpPr txBox="true"/>
           <p:nvPr/>
         </p:nvSpPr>
         <p:spPr>
-          <a:xfrm>
-            <a:off x="15742943" y="8941059"/>
+          <a:xfrm rot="0">
+            <a:off x="16019573" y="9357041"/>
             <a:ext cx="1345808" cy="717985"/>
           </a:xfrm>
           <a:prstGeom prst="rect">
@@ -3892,7 +3754,7 @@
           </a:prstGeom>
         </p:spPr>
         <p:txBody>
-          <a:bodyPr lIns="0" tIns="0" rIns="0" bIns="0" rtlCol="0" anchor="t">
+          <a:bodyPr anchor="t" rtlCol="false" tIns="0" lIns="0" bIns="0" rIns="0">
             <a:spAutoFit/>
           </a:bodyPr>
           <a:lstStyle/>
@@ -3925,15 +3787,14 @@
 </p:sld>
 </file>
 
-<file path=ppt/slides/slide2.xml><?xml version="1.0" encoding="utf-8"?>
-<p:sld xmlns:a="http://schemas.openxmlformats.org/drawingml/2006/main" xmlns:r="http://schemas.openxmlformats.org/officeDocument/2006/relationships" xmlns:p="http://schemas.openxmlformats.org/presentationml/2006/main">
+<file path=ppt/slides/slide10.xml><?xml version="1.0" encoding="utf-8"?>
+<p:sld xmlns:p="http://schemas.openxmlformats.org/presentationml/2006/main" xmlns:a="http://schemas.openxmlformats.org/drawingml/2006/main" xmlns:r="http://schemas.openxmlformats.org/officeDocument/2006/relationships">
   <p:cSld>
     <p:bg>
       <p:bgPr>
         <a:solidFill>
           <a:srgbClr val="F6F6E9"/>
         </a:solidFill>
-        <a:effectLst/>
       </p:bgPr>
     </p:bg>
     <p:spTree>
@@ -3950,197 +3811,15 @@
           <a:chExt cx="0" cy="0"/>
         </a:xfrm>
       </p:grpSpPr>
-      <p:sp>
-        <p:nvSpPr>
-          <p:cNvPr id="2" name="Freeform 2"/>
-          <p:cNvSpPr/>
-          <p:nvPr/>
-        </p:nvSpPr>
-        <p:spPr>
-          <a:xfrm>
-            <a:off x="8156703" y="1605252"/>
-            <a:ext cx="9843405" cy="7748138"/>
-          </a:xfrm>
-          <a:custGeom>
-            <a:avLst/>
-            <a:gdLst/>
-            <a:ahLst/>
-            <a:cxnLst/>
-            <a:rect l="l" t="t" r="r" b="b"/>
-            <a:pathLst>
-              <a:path w="9843405" h="7748138">
-                <a:moveTo>
-                  <a:pt x="0" y="0"/>
-                </a:moveTo>
-                <a:lnTo>
-                  <a:pt x="9843405" y="0"/>
-                </a:lnTo>
-                <a:lnTo>
-                  <a:pt x="9843405" y="7748138"/>
-                </a:lnTo>
-                <a:lnTo>
-                  <a:pt x="0" y="7748138"/>
-                </a:lnTo>
-                <a:lnTo>
-                  <a:pt x="0" y="0"/>
-                </a:lnTo>
-                <a:close/>
-              </a:path>
-            </a:pathLst>
-          </a:custGeom>
-          <a:blipFill>
-            <a:blip r:embed="rId2"/>
-            <a:stretch>
-              <a:fillRect t="-135" b="-135"/>
-            </a:stretch>
-          </a:blipFill>
-        </p:spPr>
-      </p:sp>
-      <p:sp>
-        <p:nvSpPr>
-          <p:cNvPr id="3" name="TextBox 3"/>
-          <p:cNvSpPr txBox="1"/>
-          <p:nvPr/>
-        </p:nvSpPr>
-        <p:spPr>
-          <a:xfrm>
-            <a:off x="485881" y="178277"/>
-            <a:ext cx="16015105" cy="1510665"/>
-          </a:xfrm>
-          <a:prstGeom prst="rect">
-            <a:avLst/>
-          </a:prstGeom>
-        </p:spPr>
-        <p:txBody>
-          <a:bodyPr lIns="0" tIns="0" rIns="0" bIns="0" rtlCol="0" anchor="t">
-            <a:spAutoFit/>
-          </a:bodyPr>
-          <a:lstStyle/>
-          <a:p>
-            <a:pPr algn="l">
-              <a:lnSpc>
-                <a:spcPts val="9630"/>
-              </a:lnSpc>
-            </a:pPr>
-            <a:r>
-              <a:rPr lang="en-US" sz="9000" dirty="0">
-                <a:solidFill>
-                  <a:srgbClr val="291B25"/>
-                </a:solidFill>
-                <a:latin typeface="Agrandir"/>
-                <a:ea typeface="Agrandir"/>
-                <a:cs typeface="Agrandir"/>
-                <a:sym typeface="Agrandir"/>
-              </a:rPr>
-              <a:t>Sequence Diagram</a:t>
-            </a:r>
-          </a:p>
-        </p:txBody>
-      </p:sp>
-      <p:sp>
-        <p:nvSpPr>
-          <p:cNvPr id="4" name="TextBox 4"/>
-          <p:cNvSpPr txBox="1"/>
-          <p:nvPr/>
-        </p:nvSpPr>
-        <p:spPr>
-          <a:xfrm>
-            <a:off x="485881" y="1481427"/>
-            <a:ext cx="7252694" cy="7830185"/>
-          </a:xfrm>
-          <a:prstGeom prst="rect">
-            <a:avLst/>
-          </a:prstGeom>
-        </p:spPr>
-        <p:txBody>
-          <a:bodyPr lIns="0" tIns="0" rIns="0" bIns="0" rtlCol="0" anchor="t">
-            <a:spAutoFit/>
-          </a:bodyPr>
-          <a:lstStyle/>
-          <a:p>
-            <a:pPr algn="l">
-              <a:lnSpc>
-                <a:spcPts val="3640"/>
-              </a:lnSpc>
-            </a:pPr>
-            <a:r>
-              <a:rPr lang="en-US" sz="2600">
-                <a:solidFill>
-                  <a:srgbClr val="291B25"/>
-                </a:solidFill>
-                <a:latin typeface="Agrandir"/>
-                <a:ea typeface="Agrandir"/>
-                <a:cs typeface="Agrandir"/>
-                <a:sym typeface="Agrandir"/>
-              </a:rPr>
-              <a:t>To get started, users need to configure their preferred data store, whether it's AWS Cloud Store or SQL. We offer an easy-to-use form interface where users can input their credentials. Once the connection to the data source is established, our server will automatically download the files. If there's an issue connecting to the data source, users will informed of the same.</a:t>
-            </a:r>
-          </a:p>
-          <a:p>
-            <a:pPr algn="l">
-              <a:lnSpc>
-                <a:spcPts val="3640"/>
-              </a:lnSpc>
-            </a:pPr>
-            <a:endParaRPr lang="en-US" sz="2600">
-              <a:solidFill>
-                <a:srgbClr val="291B25"/>
-              </a:solidFill>
-              <a:latin typeface="Agrandir"/>
-              <a:ea typeface="Agrandir"/>
-              <a:cs typeface="Agrandir"/>
-              <a:sym typeface="Agrandir"/>
-            </a:endParaRPr>
-          </a:p>
-          <a:p>
-            <a:pPr algn="l">
-              <a:lnSpc>
-                <a:spcPts val="3640"/>
-              </a:lnSpc>
-            </a:pPr>
-            <a:r>
-              <a:rPr lang="en-US" sz="2600">
-                <a:solidFill>
-                  <a:srgbClr val="291B25"/>
-                </a:solidFill>
-                <a:latin typeface="Agrandir"/>
-                <a:ea typeface="Agrandir"/>
-                <a:cs typeface="Agrandir"/>
-                <a:sym typeface="Agrandir"/>
-              </a:rPr>
-              <a:t>Afterward, the server will apply the machine learning model to detect Personally Identifiable Information (PII) within the files and generate detailed analytics. Additionally, users have the option to download their files at any time.</a:t>
-            </a:r>
-          </a:p>
-          <a:p>
-            <a:pPr algn="l">
-              <a:lnSpc>
-                <a:spcPts val="3640"/>
-              </a:lnSpc>
-              <a:spcBef>
-                <a:spcPct val="0"/>
-              </a:spcBef>
-            </a:pPr>
-            <a:endParaRPr lang="en-US" sz="2600">
-              <a:solidFill>
-                <a:srgbClr val="291B25"/>
-              </a:solidFill>
-              <a:latin typeface="Agrandir"/>
-              <a:ea typeface="Agrandir"/>
-              <a:cs typeface="Agrandir"/>
-              <a:sym typeface="Agrandir"/>
-            </a:endParaRPr>
-          </a:p>
-        </p:txBody>
-      </p:sp>
       <p:grpSp>
         <p:nvGrpSpPr>
-          <p:cNvPr id="5" name="Group 5"/>
+          <p:cNvPr name="Group 2" id="2"/>
           <p:cNvGrpSpPr/>
           <p:nvPr/>
         </p:nvGrpSpPr>
         <p:grpSpPr>
           <a:xfrm rot="-5400000">
-            <a:off x="1019433" y="8682970"/>
+            <a:off x="859955" y="8499222"/>
             <a:ext cx="831964" cy="1899068"/>
             <a:chOff x="0" y="0"/>
             <a:chExt cx="233609" cy="533243"/>
@@ -4148,12 +3827,12 @@
         </p:grpSpPr>
         <p:sp>
           <p:nvSpPr>
-            <p:cNvPr id="6" name="Freeform 6"/>
+            <p:cNvPr name="Freeform 3" id="3"/>
             <p:cNvSpPr/>
             <p:nvPr/>
           </p:nvSpPr>
           <p:spPr>
-            <a:xfrm>
+            <a:xfrm flipH="false" flipV="false" rot="0">
               <a:off x="0" y="0"/>
               <a:ext cx="233609" cy="533243"/>
             </a:xfrm>
@@ -4162,9 +3841,9 @@
               <a:gdLst/>
               <a:ahLst/>
               <a:cxnLst/>
-              <a:rect l="l" t="t" r="r" b="b"/>
+              <a:rect r="r" b="b" t="t" l="l"/>
               <a:pathLst>
-                <a:path w="233609" h="533243">
+                <a:path h="533243" w="233609">
                   <a:moveTo>
                     <a:pt x="116804" y="0"/>
                   </a:moveTo>
@@ -4216,8 +3895,8 @@
         </p:sp>
         <p:sp>
           <p:nvSpPr>
-            <p:cNvPr id="7" name="TextBox 7"/>
-            <p:cNvSpPr txBox="1"/>
+            <p:cNvPr name="TextBox 4" id="4"/>
+            <p:cNvSpPr txBox="true"/>
             <p:nvPr/>
           </p:nvSpPr>
           <p:spPr>
@@ -4230,7 +3909,7 @@
             </a:prstGeom>
           </p:spPr>
           <p:txBody>
-            <a:bodyPr lIns="50800" tIns="50800" rIns="50800" bIns="50800" rtlCol="0" anchor="ctr"/>
+            <a:bodyPr anchor="ctr" rtlCol="false" tIns="50800" lIns="50800" bIns="50800" rIns="50800"/>
             <a:lstStyle/>
             <a:p>
               <a:pPr algn="ctr">
@@ -4238,20 +3917,224 @@
                   <a:spcPts val="2659"/>
                 </a:lnSpc>
               </a:pPr>
-              <a:endParaRPr/>
             </a:p>
           </p:txBody>
         </p:sp>
       </p:grpSp>
       <p:sp>
         <p:nvSpPr>
-          <p:cNvPr id="8" name="TextBox 8"/>
-          <p:cNvSpPr txBox="1"/>
+          <p:cNvPr name="Freeform 5" id="5"/>
+          <p:cNvSpPr/>
           <p:nvPr/>
         </p:nvSpPr>
         <p:spPr>
-          <a:xfrm>
-            <a:off x="762511" y="9330502"/>
+          <a:xfrm flipH="false" flipV="false" rot="0">
+            <a:off x="8510051" y="2212236"/>
+            <a:ext cx="9541854" cy="5862528"/>
+          </a:xfrm>
+          <a:custGeom>
+            <a:avLst/>
+            <a:gdLst/>
+            <a:ahLst/>
+            <a:cxnLst/>
+            <a:rect r="r" b="b" t="t" l="l"/>
+            <a:pathLst>
+              <a:path h="5862528" w="9541854">
+                <a:moveTo>
+                  <a:pt x="0" y="0"/>
+                </a:moveTo>
+                <a:lnTo>
+                  <a:pt x="9541855" y="0"/>
+                </a:lnTo>
+                <a:lnTo>
+                  <a:pt x="9541855" y="5862528"/>
+                </a:lnTo>
+                <a:lnTo>
+                  <a:pt x="0" y="5862528"/>
+                </a:lnTo>
+                <a:lnTo>
+                  <a:pt x="0" y="0"/>
+                </a:lnTo>
+                <a:close/>
+              </a:path>
+            </a:pathLst>
+          </a:custGeom>
+          <a:blipFill>
+            <a:blip r:embed="rId2"/>
+            <a:stretch>
+              <a:fillRect l="-8471" t="0" r="-9966" b="0"/>
+            </a:stretch>
+          </a:blipFill>
+        </p:spPr>
+      </p:sp>
+      <p:sp>
+        <p:nvSpPr>
+          <p:cNvPr name="TextBox 6" id="6"/>
+          <p:cNvSpPr txBox="true"/>
+          <p:nvPr/>
+        </p:nvSpPr>
+        <p:spPr>
+          <a:xfrm rot="0">
+            <a:off x="326403" y="1684398"/>
+            <a:ext cx="7747689" cy="7005955"/>
+          </a:xfrm>
+          <a:prstGeom prst="rect">
+            <a:avLst/>
+          </a:prstGeom>
+        </p:spPr>
+        <p:txBody>
+          <a:bodyPr anchor="t" rtlCol="false" tIns="0" lIns="0" bIns="0" rIns="0">
+            <a:spAutoFit/>
+          </a:bodyPr>
+          <a:lstStyle/>
+          <a:p>
+            <a:pPr algn="just">
+              <a:lnSpc>
+                <a:spcPts val="3919"/>
+              </a:lnSpc>
+            </a:pPr>
+            <a:r>
+              <a:rPr lang="en-US" sz="2799">
+                <a:solidFill>
+                  <a:srgbClr val="291B25"/>
+                </a:solidFill>
+                <a:latin typeface="Agrandir"/>
+                <a:ea typeface="Agrandir"/>
+                <a:cs typeface="Agrandir"/>
+                <a:sym typeface="Agrandir"/>
+              </a:rPr>
+              <a:t>1) </a:t>
+            </a:r>
+            <a:r>
+              <a:rPr lang="en-US" sz="2799" b="true">
+                <a:solidFill>
+                  <a:srgbClr val="291B25"/>
+                </a:solidFill>
+                <a:latin typeface="Agrandir Bold"/>
+                <a:ea typeface="Agrandir Bold"/>
+                <a:cs typeface="Agrandir Bold"/>
+                <a:sym typeface="Agrandir Bold"/>
+              </a:rPr>
+              <a:t>Chatbot Integration</a:t>
+            </a:r>
+            <a:r>
+              <a:rPr lang="en-US" sz="2799">
+                <a:solidFill>
+                  <a:srgbClr val="291B25"/>
+                </a:solidFill>
+                <a:latin typeface="Agrandir"/>
+                <a:ea typeface="Agrandir"/>
+                <a:cs typeface="Agrandir"/>
+                <a:sym typeface="Agrandir"/>
+              </a:rPr>
+              <a:t>: We want to add a chatbot to the analytics page. This will let users ask questions in plain language, like “How many PII records are in news.mp4?” The chatbot will give quick answers, making it easier for everyone to access information.</a:t>
+            </a:r>
+          </a:p>
+          <a:p>
+            <a:pPr algn="just">
+              <a:lnSpc>
+                <a:spcPts val="3919"/>
+              </a:lnSpc>
+            </a:pPr>
+          </a:p>
+          <a:p>
+            <a:pPr algn="l">
+              <a:lnSpc>
+                <a:spcPts val="3919"/>
+              </a:lnSpc>
+              <a:spcBef>
+                <a:spcPct val="0"/>
+              </a:spcBef>
+            </a:pPr>
+            <a:r>
+              <a:rPr lang="en-US" sz="2799">
+                <a:solidFill>
+                  <a:srgbClr val="291B25"/>
+                </a:solidFill>
+                <a:latin typeface="Agrandir"/>
+                <a:ea typeface="Agrandir"/>
+                <a:cs typeface="Agrandir"/>
+                <a:sym typeface="Agrandir"/>
+              </a:rPr>
+              <a:t>2) </a:t>
+            </a:r>
+            <a:r>
+              <a:rPr lang="en-US" sz="2799" b="true">
+                <a:solidFill>
+                  <a:srgbClr val="291B25"/>
+                </a:solidFill>
+                <a:latin typeface="Agrandir Bold"/>
+                <a:ea typeface="Agrandir Bold"/>
+                <a:cs typeface="Agrandir Bold"/>
+                <a:sym typeface="Agrandir Bold"/>
+              </a:rPr>
+              <a:t>Better PII Detection Techniques</a:t>
+            </a:r>
+            <a:r>
+              <a:rPr lang="en-US" sz="2799">
+                <a:solidFill>
+                  <a:srgbClr val="291B25"/>
+                </a:solidFill>
+                <a:latin typeface="Agrandir"/>
+                <a:ea typeface="Agrandir"/>
+                <a:cs typeface="Agrandir"/>
+                <a:sym typeface="Agrandir"/>
+              </a:rPr>
+              <a:t>: Right now, our system has trouble finding certain medical PII, like insurance numbers and birth certificate numbers, because the data isn’t organized well. We plan to research how to improve this and better detect these important types of PII.</a:t>
+            </a:r>
+          </a:p>
+        </p:txBody>
+      </p:sp>
+      <p:sp>
+        <p:nvSpPr>
+          <p:cNvPr name="TextBox 7" id="7"/>
+          <p:cNvSpPr txBox="true"/>
+          <p:nvPr/>
+        </p:nvSpPr>
+        <p:spPr>
+          <a:xfrm rot="0">
+            <a:off x="326403" y="201930"/>
+            <a:ext cx="16015105" cy="1510665"/>
+          </a:xfrm>
+          <a:prstGeom prst="rect">
+            <a:avLst/>
+          </a:prstGeom>
+        </p:spPr>
+        <p:txBody>
+          <a:bodyPr anchor="t" rtlCol="false" tIns="0" lIns="0" bIns="0" rIns="0">
+            <a:spAutoFit/>
+          </a:bodyPr>
+          <a:lstStyle/>
+          <a:p>
+            <a:pPr algn="l">
+              <a:lnSpc>
+                <a:spcPts val="9630"/>
+              </a:lnSpc>
+            </a:pPr>
+            <a:r>
+              <a:rPr lang="en-US" sz="9000">
+                <a:solidFill>
+                  <a:srgbClr val="291B25"/>
+                </a:solidFill>
+                <a:latin typeface="Agrandir"/>
+                <a:ea typeface="Agrandir"/>
+                <a:cs typeface="Agrandir"/>
+                <a:sym typeface="Agrandir"/>
+              </a:rPr>
+              <a:t>Future Scope</a:t>
+            </a:r>
+          </a:p>
+        </p:txBody>
+      </p:sp>
+      <p:sp>
+        <p:nvSpPr>
+          <p:cNvPr name="TextBox 8" id="8"/>
+          <p:cNvSpPr txBox="true"/>
+          <p:nvPr/>
+        </p:nvSpPr>
+        <p:spPr>
+          <a:xfrm rot="0">
+            <a:off x="603033" y="9146754"/>
             <a:ext cx="1345808" cy="717985"/>
           </a:xfrm>
           <a:prstGeom prst="rect">
@@ -4259,7 +4142,7 @@
           </a:prstGeom>
         </p:spPr>
         <p:txBody>
-          <a:bodyPr lIns="0" tIns="0" rIns="0" bIns="0" rtlCol="0" anchor="t">
+          <a:bodyPr anchor="t" rtlCol="false" tIns="0" lIns="0" bIns="0" rIns="0">
             <a:spAutoFit/>
           </a:bodyPr>
           <a:lstStyle/>
@@ -4279,7 +4162,7 @@
                 <a:cs typeface="Agrandir"/>
                 <a:sym typeface="Agrandir"/>
               </a:rPr>
-              <a:t>02</a:t>
+              <a:t>10</a:t>
             </a:r>
           </a:p>
         </p:txBody>
@@ -4292,15 +4175,14 @@
 </p:sld>
 </file>
 
-<file path=ppt/slides/slide3.xml><?xml version="1.0" encoding="utf-8"?>
-<p:sld xmlns:a="http://schemas.openxmlformats.org/drawingml/2006/main" xmlns:r="http://schemas.openxmlformats.org/officeDocument/2006/relationships" xmlns:p="http://schemas.openxmlformats.org/presentationml/2006/main">
+<file path=ppt/slides/slide2.xml><?xml version="1.0" encoding="utf-8"?>
+<p:sld xmlns:p="http://schemas.openxmlformats.org/presentationml/2006/main" xmlns:a="http://schemas.openxmlformats.org/drawingml/2006/main">
   <p:cSld>
     <p:bg>
       <p:bgPr>
         <a:solidFill>
           <a:srgbClr val="F6F6E9"/>
         </a:solidFill>
-        <a:effectLst/>
       </p:bgPr>
     </p:bg>
     <p:spTree>
@@ -4319,105 +4201,81 @@
       </p:grpSpPr>
       <p:grpSp>
         <p:nvGrpSpPr>
-          <p:cNvPr id="2" name="Group 2"/>
+          <p:cNvPr name="Group 2" id="2"/>
           <p:cNvGrpSpPr/>
           <p:nvPr/>
         </p:nvGrpSpPr>
         <p:grpSpPr>
-          <a:xfrm>
-            <a:off x="9796711" y="2448262"/>
-            <a:ext cx="7801695" cy="5237428"/>
+          <a:xfrm rot="-5400000">
+            <a:off x="12414556" y="-4948728"/>
+            <a:ext cx="831964" cy="12601058"/>
             <a:chOff x="0" y="0"/>
-            <a:chExt cx="1617675" cy="1085976"/>
+            <a:chExt cx="233609" cy="3538274"/>
           </a:xfrm>
         </p:grpSpPr>
         <p:sp>
           <p:nvSpPr>
-            <p:cNvPr id="3" name="Freeform 3"/>
+            <p:cNvPr name="Freeform 3" id="3"/>
             <p:cNvSpPr/>
             <p:nvPr/>
           </p:nvSpPr>
           <p:spPr>
-            <a:xfrm>
+            <a:xfrm flipH="false" flipV="false" rot="0">
               <a:off x="0" y="0"/>
-              <a:ext cx="1617675" cy="1085976"/>
+              <a:ext cx="233609" cy="3538274"/>
             </a:xfrm>
             <a:custGeom>
               <a:avLst/>
               <a:gdLst/>
               <a:ahLst/>
               <a:cxnLst/>
-              <a:rect l="l" t="t" r="r" b="b"/>
+              <a:rect r="r" b="b" t="t" l="l"/>
               <a:pathLst>
-                <a:path w="1617675" h="1085976">
+                <a:path h="3538274" w="233609">
                   <a:moveTo>
-                    <a:pt x="24808" y="0"/>
+                    <a:pt x="116804" y="0"/>
                   </a:moveTo>
                   <a:lnTo>
-                    <a:pt x="1592867" y="0"/>
+                    <a:pt x="116804" y="0"/>
                   </a:lnTo>
                   <a:cubicBezTo>
-                    <a:pt x="1599446" y="0"/>
-                    <a:pt x="1605756" y="2614"/>
-                    <a:pt x="1610409" y="7266"/>
-                  </a:cubicBezTo>
-                  <a:cubicBezTo>
-                    <a:pt x="1615061" y="11919"/>
-                    <a:pt x="1617675" y="18229"/>
-                    <a:pt x="1617675" y="24808"/>
+                    <a:pt x="181314" y="0"/>
+                    <a:pt x="233609" y="52295"/>
+                    <a:pt x="233609" y="116804"/>
                   </a:cubicBezTo>
                   <a:lnTo>
-                    <a:pt x="1617675" y="1061168"/>
+                    <a:pt x="233609" y="3421469"/>
                   </a:lnTo>
                   <a:cubicBezTo>
-                    <a:pt x="1617675" y="1067748"/>
-                    <a:pt x="1615061" y="1074058"/>
-                    <a:pt x="1610409" y="1078710"/>
-                  </a:cubicBezTo>
-                  <a:cubicBezTo>
-                    <a:pt x="1605756" y="1083363"/>
-                    <a:pt x="1599446" y="1085976"/>
-                    <a:pt x="1592867" y="1085976"/>
+                    <a:pt x="233609" y="3485978"/>
+                    <a:pt x="181314" y="3538274"/>
+                    <a:pt x="116804" y="3538274"/>
                   </a:cubicBezTo>
                   <a:lnTo>
-                    <a:pt x="24808" y="1085976"/>
+                    <a:pt x="116804" y="3538274"/>
                   </a:lnTo>
                   <a:cubicBezTo>
-                    <a:pt x="18229" y="1085976"/>
-                    <a:pt x="11919" y="1083363"/>
-                    <a:pt x="7266" y="1078710"/>
-                  </a:cubicBezTo>
-                  <a:cubicBezTo>
-                    <a:pt x="2614" y="1074058"/>
-                    <a:pt x="0" y="1067748"/>
-                    <a:pt x="0" y="1061168"/>
+                    <a:pt x="52295" y="3538274"/>
+                    <a:pt x="0" y="3485978"/>
+                    <a:pt x="0" y="3421469"/>
                   </a:cubicBezTo>
                   <a:lnTo>
-                    <a:pt x="0" y="24808"/>
+                    <a:pt x="0" y="116804"/>
                   </a:lnTo>
                   <a:cubicBezTo>
-                    <a:pt x="0" y="18229"/>
-                    <a:pt x="2614" y="11919"/>
-                    <a:pt x="7266" y="7266"/>
-                  </a:cubicBezTo>
-                  <a:cubicBezTo>
-                    <a:pt x="11919" y="2614"/>
-                    <a:pt x="18229" y="0"/>
-                    <a:pt x="24808" y="0"/>
+                    <a:pt x="0" y="52295"/>
+                    <a:pt x="52295" y="0"/>
+                    <a:pt x="116804" y="0"/>
                   </a:cubicBezTo>
                   <a:close/>
                 </a:path>
               </a:pathLst>
             </a:custGeom>
             <a:solidFill>
-              <a:srgbClr val="000000">
-                <a:alpha val="0"/>
-              </a:srgbClr>
+              <a:srgbClr val="ED5B2D"/>
             </a:solidFill>
-            <a:ln w="28575" cap="rnd">
-              <a:solidFill>
-                <a:srgbClr val="2A2E30"/>
-              </a:solidFill>
+            <a:ln cap="rnd">
+              <a:noFill/>
               <a:prstDash val="solid"/>
               <a:round/>
             </a:ln>
@@ -4425,93 +4283,3265 @@
         </p:sp>
         <p:sp>
           <p:nvSpPr>
-            <p:cNvPr id="4" name="TextBox 4"/>
-            <p:cNvSpPr txBox="1"/>
+            <p:cNvPr name="TextBox 4" id="4"/>
+            <p:cNvSpPr txBox="true"/>
             <p:nvPr/>
           </p:nvSpPr>
           <p:spPr>
             <a:xfrm>
-              <a:off x="0" y="-28575"/>
-              <a:ext cx="1617675" cy="1114551"/>
+              <a:off x="0" y="-38100"/>
+              <a:ext cx="233609" cy="3576374"/>
             </a:xfrm>
             <a:prstGeom prst="rect">
               <a:avLst/>
             </a:prstGeom>
           </p:spPr>
           <p:txBody>
-            <a:bodyPr lIns="50800" tIns="50800" rIns="50800" bIns="50800" rtlCol="0" anchor="ctr"/>
+            <a:bodyPr anchor="ctr" rtlCol="false" tIns="50800" lIns="50800" bIns="50800" rIns="50800"/>
             <a:lstStyle/>
             <a:p>
-              <a:pPr marL="0" lvl="0" indent="0" algn="ctr">
+              <a:pPr algn="ctr">
                 <a:lnSpc>
-                  <a:spcPts val="1960"/>
+                  <a:spcPts val="2659"/>
                 </a:lnSpc>
-                <a:spcBef>
-                  <a:spcPct val="0"/>
-                </a:spcBef>
               </a:pPr>
-              <a:endParaRPr/>
             </a:p>
           </p:txBody>
         </p:sp>
       </p:grpSp>
-      <p:pic>
-        <p:nvPicPr>
-          <p:cNvPr id="5" name="Picture 5"/>
-          <p:cNvPicPr>
-            <a:picLocks noChangeAspect="1"/>
-          </p:cNvPicPr>
+      <p:grpSp>
+        <p:nvGrpSpPr>
+          <p:cNvPr name="Group 5" id="5"/>
+          <p:cNvGrpSpPr/>
           <p:nvPr/>
-        </p:nvPicPr>
-        <p:blipFill>
-          <a:blip r:embed="rId2"/>
-          <a:stretch>
-            <a:fillRect/>
-          </a:stretch>
-        </p:blipFill>
+        </p:nvGrpSpPr>
+        <p:grpSpPr>
+          <a:xfrm rot="-5400000">
+            <a:off x="1247775" y="2660990"/>
+            <a:ext cx="1143206" cy="1143206"/>
+            <a:chOff x="0" y="0"/>
+            <a:chExt cx="812800" cy="812800"/>
+          </a:xfrm>
+        </p:grpSpPr>
+        <p:sp>
+          <p:nvSpPr>
+            <p:cNvPr name="Freeform 6" id="6"/>
+            <p:cNvSpPr/>
+            <p:nvPr/>
+          </p:nvSpPr>
+          <p:spPr>
+            <a:xfrm flipH="false" flipV="false" rot="0">
+              <a:off x="0" y="0"/>
+              <a:ext cx="812800" cy="812800"/>
+            </a:xfrm>
+            <a:custGeom>
+              <a:avLst/>
+              <a:gdLst/>
+              <a:ahLst/>
+              <a:cxnLst/>
+              <a:rect r="r" b="b" t="t" l="l"/>
+              <a:pathLst>
+                <a:path h="812800" w="812800">
+                  <a:moveTo>
+                    <a:pt x="406400" y="0"/>
+                  </a:moveTo>
+                  <a:cubicBezTo>
+                    <a:pt x="181951" y="0"/>
+                    <a:pt x="0" y="181951"/>
+                    <a:pt x="0" y="406400"/>
+                  </a:cubicBezTo>
+                  <a:cubicBezTo>
+                    <a:pt x="0" y="630849"/>
+                    <a:pt x="181951" y="812800"/>
+                    <a:pt x="406400" y="812800"/>
+                  </a:cubicBezTo>
+                  <a:cubicBezTo>
+                    <a:pt x="630849" y="812800"/>
+                    <a:pt x="812800" y="630849"/>
+                    <a:pt x="812800" y="406400"/>
+                  </a:cubicBezTo>
+                  <a:cubicBezTo>
+                    <a:pt x="812800" y="181951"/>
+                    <a:pt x="630849" y="0"/>
+                    <a:pt x="406400" y="0"/>
+                  </a:cubicBezTo>
+                  <a:close/>
+                </a:path>
+              </a:pathLst>
+            </a:custGeom>
+            <a:solidFill>
+              <a:srgbClr val="F7B9A1"/>
+            </a:solidFill>
+            <a:ln cap="sq">
+              <a:noFill/>
+              <a:prstDash val="solid"/>
+              <a:miter/>
+            </a:ln>
+          </p:spPr>
+        </p:sp>
+        <p:sp>
+          <p:nvSpPr>
+            <p:cNvPr name="TextBox 7" id="7"/>
+            <p:cNvSpPr txBox="true"/>
+            <p:nvPr/>
+          </p:nvSpPr>
+          <p:spPr>
+            <a:xfrm>
+              <a:off x="76200" y="38100"/>
+              <a:ext cx="660400" cy="698500"/>
+            </a:xfrm>
+            <a:prstGeom prst="rect">
+              <a:avLst/>
+            </a:prstGeom>
+          </p:spPr>
+          <p:txBody>
+            <a:bodyPr anchor="ctr" rtlCol="false" tIns="50800" lIns="50800" bIns="50800" rIns="50800"/>
+            <a:lstStyle/>
+            <a:p>
+              <a:pPr algn="ctr">
+                <a:lnSpc>
+                  <a:spcPts val="2659"/>
+                </a:lnSpc>
+              </a:pPr>
+            </a:p>
+          </p:txBody>
+        </p:sp>
+      </p:grpSp>
+      <p:grpSp>
+        <p:nvGrpSpPr>
+          <p:cNvPr name="Group 8" id="8"/>
+          <p:cNvGrpSpPr/>
+          <p:nvPr/>
+        </p:nvGrpSpPr>
+        <p:grpSpPr>
+          <a:xfrm rot="-5400000">
+            <a:off x="9052743" y="-3558909"/>
+            <a:ext cx="1143206" cy="13583003"/>
+            <a:chOff x="0" y="0"/>
+            <a:chExt cx="181146" cy="2152283"/>
+          </a:xfrm>
+        </p:grpSpPr>
+        <p:sp>
+          <p:nvSpPr>
+            <p:cNvPr name="Freeform 9" id="9"/>
+            <p:cNvSpPr/>
+            <p:nvPr/>
+          </p:nvSpPr>
+          <p:spPr>
+            <a:xfrm flipH="false" flipV="false" rot="0">
+              <a:off x="0" y="0"/>
+              <a:ext cx="181146" cy="2152283"/>
+            </a:xfrm>
+            <a:custGeom>
+              <a:avLst/>
+              <a:gdLst/>
+              <a:ahLst/>
+              <a:cxnLst/>
+              <a:rect r="r" b="b" t="t" l="l"/>
+              <a:pathLst>
+                <a:path h="2152283" w="181146">
+                  <a:moveTo>
+                    <a:pt x="90573" y="0"/>
+                  </a:moveTo>
+                  <a:lnTo>
+                    <a:pt x="90573" y="0"/>
+                  </a:lnTo>
+                  <a:cubicBezTo>
+                    <a:pt x="114594" y="0"/>
+                    <a:pt x="137632" y="9542"/>
+                    <a:pt x="154618" y="26528"/>
+                  </a:cubicBezTo>
+                  <a:cubicBezTo>
+                    <a:pt x="171603" y="43514"/>
+                    <a:pt x="181146" y="66551"/>
+                    <a:pt x="181146" y="90573"/>
+                  </a:cubicBezTo>
+                  <a:lnTo>
+                    <a:pt x="181146" y="2061710"/>
+                  </a:lnTo>
+                  <a:cubicBezTo>
+                    <a:pt x="181146" y="2085732"/>
+                    <a:pt x="171603" y="2108769"/>
+                    <a:pt x="154618" y="2125755"/>
+                  </a:cubicBezTo>
+                  <a:cubicBezTo>
+                    <a:pt x="137632" y="2142741"/>
+                    <a:pt x="114594" y="2152283"/>
+                    <a:pt x="90573" y="2152283"/>
+                  </a:cubicBezTo>
+                  <a:lnTo>
+                    <a:pt x="90573" y="2152283"/>
+                  </a:lnTo>
+                  <a:cubicBezTo>
+                    <a:pt x="66551" y="2152283"/>
+                    <a:pt x="43514" y="2142741"/>
+                    <a:pt x="26528" y="2125755"/>
+                  </a:cubicBezTo>
+                  <a:cubicBezTo>
+                    <a:pt x="9542" y="2108769"/>
+                    <a:pt x="0" y="2085732"/>
+                    <a:pt x="0" y="2061710"/>
+                  </a:cubicBezTo>
+                  <a:lnTo>
+                    <a:pt x="0" y="90573"/>
+                  </a:lnTo>
+                  <a:cubicBezTo>
+                    <a:pt x="0" y="66551"/>
+                    <a:pt x="9542" y="43514"/>
+                    <a:pt x="26528" y="26528"/>
+                  </a:cubicBezTo>
+                  <a:cubicBezTo>
+                    <a:pt x="43514" y="9542"/>
+                    <a:pt x="66551" y="0"/>
+                    <a:pt x="90573" y="0"/>
+                  </a:cubicBezTo>
+                  <a:close/>
+                </a:path>
+              </a:pathLst>
+            </a:custGeom>
+            <a:solidFill>
+              <a:srgbClr val="F7B9A1"/>
+            </a:solidFill>
+            <a:ln cap="rnd">
+              <a:noFill/>
+              <a:prstDash val="solid"/>
+              <a:round/>
+            </a:ln>
+          </p:spPr>
+        </p:sp>
+        <p:sp>
+          <p:nvSpPr>
+            <p:cNvPr name="TextBox 10" id="10"/>
+            <p:cNvSpPr txBox="true"/>
+            <p:nvPr/>
+          </p:nvSpPr>
+          <p:spPr>
+            <a:xfrm>
+              <a:off x="0" y="-38100"/>
+              <a:ext cx="181146" cy="2190383"/>
+            </a:xfrm>
+            <a:prstGeom prst="rect">
+              <a:avLst/>
+            </a:prstGeom>
+          </p:spPr>
+          <p:txBody>
+            <a:bodyPr anchor="ctr" rtlCol="false" tIns="50800" lIns="50800" bIns="50800" rIns="50800"/>
+            <a:lstStyle/>
+            <a:p>
+              <a:pPr algn="ctr">
+                <a:lnSpc>
+                  <a:spcPts val="2659"/>
+                </a:lnSpc>
+              </a:pPr>
+            </a:p>
+          </p:txBody>
+        </p:sp>
+      </p:grpSp>
+      <p:grpSp>
+        <p:nvGrpSpPr>
+          <p:cNvPr name="Group 11" id="11"/>
+          <p:cNvGrpSpPr/>
+          <p:nvPr/>
+        </p:nvGrpSpPr>
+        <p:grpSpPr>
+          <a:xfrm rot="-5400000">
+            <a:off x="1247775" y="4152694"/>
+            <a:ext cx="1143206" cy="1143206"/>
+            <a:chOff x="0" y="0"/>
+            <a:chExt cx="812800" cy="812800"/>
+          </a:xfrm>
+        </p:grpSpPr>
+        <p:sp>
+          <p:nvSpPr>
+            <p:cNvPr name="Freeform 12" id="12"/>
+            <p:cNvSpPr/>
+            <p:nvPr/>
+          </p:nvSpPr>
+          <p:spPr>
+            <a:xfrm flipH="false" flipV="false" rot="0">
+              <a:off x="0" y="0"/>
+              <a:ext cx="812800" cy="812800"/>
+            </a:xfrm>
+            <a:custGeom>
+              <a:avLst/>
+              <a:gdLst/>
+              <a:ahLst/>
+              <a:cxnLst/>
+              <a:rect r="r" b="b" t="t" l="l"/>
+              <a:pathLst>
+                <a:path h="812800" w="812800">
+                  <a:moveTo>
+                    <a:pt x="406400" y="0"/>
+                  </a:moveTo>
+                  <a:cubicBezTo>
+                    <a:pt x="181951" y="0"/>
+                    <a:pt x="0" y="181951"/>
+                    <a:pt x="0" y="406400"/>
+                  </a:cubicBezTo>
+                  <a:cubicBezTo>
+                    <a:pt x="0" y="630849"/>
+                    <a:pt x="181951" y="812800"/>
+                    <a:pt x="406400" y="812800"/>
+                  </a:cubicBezTo>
+                  <a:cubicBezTo>
+                    <a:pt x="630849" y="812800"/>
+                    <a:pt x="812800" y="630849"/>
+                    <a:pt x="812800" y="406400"/>
+                  </a:cubicBezTo>
+                  <a:cubicBezTo>
+                    <a:pt x="812800" y="181951"/>
+                    <a:pt x="630849" y="0"/>
+                    <a:pt x="406400" y="0"/>
+                  </a:cubicBezTo>
+                  <a:close/>
+                </a:path>
+              </a:pathLst>
+            </a:custGeom>
+            <a:solidFill>
+              <a:srgbClr val="F7B9A1"/>
+            </a:solidFill>
+            <a:ln cap="sq">
+              <a:noFill/>
+              <a:prstDash val="solid"/>
+              <a:miter/>
+            </a:ln>
+          </p:spPr>
+        </p:sp>
+        <p:sp>
+          <p:nvSpPr>
+            <p:cNvPr name="TextBox 13" id="13"/>
+            <p:cNvSpPr txBox="true"/>
+            <p:nvPr/>
+          </p:nvSpPr>
+          <p:spPr>
+            <a:xfrm>
+              <a:off x="76200" y="38100"/>
+              <a:ext cx="660400" cy="698500"/>
+            </a:xfrm>
+            <a:prstGeom prst="rect">
+              <a:avLst/>
+            </a:prstGeom>
+          </p:spPr>
+          <p:txBody>
+            <a:bodyPr anchor="ctr" rtlCol="false" tIns="50800" lIns="50800" bIns="50800" rIns="50800"/>
+            <a:lstStyle/>
+            <a:p>
+              <a:pPr algn="ctr">
+                <a:lnSpc>
+                  <a:spcPts val="2659"/>
+                </a:lnSpc>
+              </a:pPr>
+            </a:p>
+          </p:txBody>
+        </p:sp>
+      </p:grpSp>
+      <p:grpSp>
+        <p:nvGrpSpPr>
+          <p:cNvPr name="Group 14" id="14"/>
+          <p:cNvGrpSpPr/>
+          <p:nvPr/>
+        </p:nvGrpSpPr>
+        <p:grpSpPr>
+          <a:xfrm rot="-5400000">
+            <a:off x="7130624" y="-135561"/>
+            <a:ext cx="1143206" cy="9719716"/>
+            <a:chOff x="0" y="0"/>
+            <a:chExt cx="181146" cy="1540129"/>
+          </a:xfrm>
+        </p:grpSpPr>
+        <p:sp>
+          <p:nvSpPr>
+            <p:cNvPr name="Freeform 15" id="15"/>
+            <p:cNvSpPr/>
+            <p:nvPr/>
+          </p:nvSpPr>
+          <p:spPr>
+            <a:xfrm flipH="false" flipV="false" rot="0">
+              <a:off x="0" y="0"/>
+              <a:ext cx="181146" cy="1540129"/>
+            </a:xfrm>
+            <a:custGeom>
+              <a:avLst/>
+              <a:gdLst/>
+              <a:ahLst/>
+              <a:cxnLst/>
+              <a:rect r="r" b="b" t="t" l="l"/>
+              <a:pathLst>
+                <a:path h="1540129" w="181146">
+                  <a:moveTo>
+                    <a:pt x="90573" y="0"/>
+                  </a:moveTo>
+                  <a:lnTo>
+                    <a:pt x="90573" y="0"/>
+                  </a:lnTo>
+                  <a:cubicBezTo>
+                    <a:pt x="114594" y="0"/>
+                    <a:pt x="137632" y="9542"/>
+                    <a:pt x="154618" y="26528"/>
+                  </a:cubicBezTo>
+                  <a:cubicBezTo>
+                    <a:pt x="171603" y="43514"/>
+                    <a:pt x="181146" y="66551"/>
+                    <a:pt x="181146" y="90573"/>
+                  </a:cubicBezTo>
+                  <a:lnTo>
+                    <a:pt x="181146" y="1449556"/>
+                  </a:lnTo>
+                  <a:cubicBezTo>
+                    <a:pt x="181146" y="1473578"/>
+                    <a:pt x="171603" y="1496615"/>
+                    <a:pt x="154618" y="1513601"/>
+                  </a:cubicBezTo>
+                  <a:cubicBezTo>
+                    <a:pt x="137632" y="1530587"/>
+                    <a:pt x="114594" y="1540129"/>
+                    <a:pt x="90573" y="1540129"/>
+                  </a:cubicBezTo>
+                  <a:lnTo>
+                    <a:pt x="90573" y="1540129"/>
+                  </a:lnTo>
+                  <a:cubicBezTo>
+                    <a:pt x="66551" y="1540129"/>
+                    <a:pt x="43514" y="1530587"/>
+                    <a:pt x="26528" y="1513601"/>
+                  </a:cubicBezTo>
+                  <a:cubicBezTo>
+                    <a:pt x="9542" y="1496615"/>
+                    <a:pt x="0" y="1473578"/>
+                    <a:pt x="0" y="1449556"/>
+                  </a:cubicBezTo>
+                  <a:lnTo>
+                    <a:pt x="0" y="90573"/>
+                  </a:lnTo>
+                  <a:cubicBezTo>
+                    <a:pt x="0" y="66551"/>
+                    <a:pt x="9542" y="43514"/>
+                    <a:pt x="26528" y="26528"/>
+                  </a:cubicBezTo>
+                  <a:cubicBezTo>
+                    <a:pt x="43514" y="9542"/>
+                    <a:pt x="66551" y="0"/>
+                    <a:pt x="90573" y="0"/>
+                  </a:cubicBezTo>
+                  <a:close/>
+                </a:path>
+              </a:pathLst>
+            </a:custGeom>
+            <a:solidFill>
+              <a:srgbClr val="F7B9A1"/>
+            </a:solidFill>
+            <a:ln cap="rnd">
+              <a:noFill/>
+              <a:prstDash val="solid"/>
+              <a:round/>
+            </a:ln>
+          </p:spPr>
+        </p:sp>
+        <p:sp>
+          <p:nvSpPr>
+            <p:cNvPr name="TextBox 16" id="16"/>
+            <p:cNvSpPr txBox="true"/>
+            <p:nvPr/>
+          </p:nvSpPr>
+          <p:spPr>
+            <a:xfrm>
+              <a:off x="0" y="-38100"/>
+              <a:ext cx="181146" cy="1578229"/>
+            </a:xfrm>
+            <a:prstGeom prst="rect">
+              <a:avLst/>
+            </a:prstGeom>
+          </p:spPr>
+          <p:txBody>
+            <a:bodyPr anchor="ctr" rtlCol="false" tIns="50800" lIns="50800" bIns="50800" rIns="50800"/>
+            <a:lstStyle/>
+            <a:p>
+              <a:pPr algn="ctr">
+                <a:lnSpc>
+                  <a:spcPts val="2659"/>
+                </a:lnSpc>
+              </a:pPr>
+            </a:p>
+          </p:txBody>
+        </p:sp>
+      </p:grpSp>
+      <p:grpSp>
+        <p:nvGrpSpPr>
+          <p:cNvPr name="Group 17" id="17"/>
+          <p:cNvGrpSpPr/>
+          <p:nvPr/>
+        </p:nvGrpSpPr>
+        <p:grpSpPr>
+          <a:xfrm rot="-5400000">
+            <a:off x="1247775" y="5648325"/>
+            <a:ext cx="1143206" cy="1143206"/>
+            <a:chOff x="0" y="0"/>
+            <a:chExt cx="812800" cy="812800"/>
+          </a:xfrm>
+        </p:grpSpPr>
+        <p:sp>
+          <p:nvSpPr>
+            <p:cNvPr name="Freeform 18" id="18"/>
+            <p:cNvSpPr/>
+            <p:nvPr/>
+          </p:nvSpPr>
+          <p:spPr>
+            <a:xfrm flipH="false" flipV="false" rot="0">
+              <a:off x="0" y="0"/>
+              <a:ext cx="812800" cy="812800"/>
+            </a:xfrm>
+            <a:custGeom>
+              <a:avLst/>
+              <a:gdLst/>
+              <a:ahLst/>
+              <a:cxnLst/>
+              <a:rect r="r" b="b" t="t" l="l"/>
+              <a:pathLst>
+                <a:path h="812800" w="812800">
+                  <a:moveTo>
+                    <a:pt x="406400" y="0"/>
+                  </a:moveTo>
+                  <a:cubicBezTo>
+                    <a:pt x="181951" y="0"/>
+                    <a:pt x="0" y="181951"/>
+                    <a:pt x="0" y="406400"/>
+                  </a:cubicBezTo>
+                  <a:cubicBezTo>
+                    <a:pt x="0" y="630849"/>
+                    <a:pt x="181951" y="812800"/>
+                    <a:pt x="406400" y="812800"/>
+                  </a:cubicBezTo>
+                  <a:cubicBezTo>
+                    <a:pt x="630849" y="812800"/>
+                    <a:pt x="812800" y="630849"/>
+                    <a:pt x="812800" y="406400"/>
+                  </a:cubicBezTo>
+                  <a:cubicBezTo>
+                    <a:pt x="812800" y="181951"/>
+                    <a:pt x="630849" y="0"/>
+                    <a:pt x="406400" y="0"/>
+                  </a:cubicBezTo>
+                  <a:close/>
+                </a:path>
+              </a:pathLst>
+            </a:custGeom>
+            <a:solidFill>
+              <a:srgbClr val="F7B9A1"/>
+            </a:solidFill>
+            <a:ln cap="sq">
+              <a:noFill/>
+              <a:prstDash val="solid"/>
+              <a:miter/>
+            </a:ln>
+          </p:spPr>
+        </p:sp>
+        <p:sp>
+          <p:nvSpPr>
+            <p:cNvPr name="TextBox 19" id="19"/>
+            <p:cNvSpPr txBox="true"/>
+            <p:nvPr/>
+          </p:nvSpPr>
+          <p:spPr>
+            <a:xfrm>
+              <a:off x="76200" y="38100"/>
+              <a:ext cx="660400" cy="698500"/>
+            </a:xfrm>
+            <a:prstGeom prst="rect">
+              <a:avLst/>
+            </a:prstGeom>
+          </p:spPr>
+          <p:txBody>
+            <a:bodyPr anchor="ctr" rtlCol="false" tIns="50800" lIns="50800" bIns="50800" rIns="50800"/>
+            <a:lstStyle/>
+            <a:p>
+              <a:pPr algn="ctr">
+                <a:lnSpc>
+                  <a:spcPts val="2659"/>
+                </a:lnSpc>
+              </a:pPr>
+            </a:p>
+          </p:txBody>
+        </p:sp>
+      </p:grpSp>
+      <p:grpSp>
+        <p:nvGrpSpPr>
+          <p:cNvPr name="Group 20" id="20"/>
+          <p:cNvGrpSpPr/>
+          <p:nvPr/>
+        </p:nvGrpSpPr>
+        <p:grpSpPr>
+          <a:xfrm rot="-5400000">
+            <a:off x="7213980" y="1286239"/>
+            <a:ext cx="1143206" cy="9867379"/>
+            <a:chOff x="0" y="0"/>
+            <a:chExt cx="181146" cy="1563527"/>
+          </a:xfrm>
+        </p:grpSpPr>
+        <p:sp>
+          <p:nvSpPr>
+            <p:cNvPr name="Freeform 21" id="21"/>
+            <p:cNvSpPr/>
+            <p:nvPr/>
+          </p:nvSpPr>
+          <p:spPr>
+            <a:xfrm flipH="false" flipV="false" rot="0">
+              <a:off x="0" y="0"/>
+              <a:ext cx="181146" cy="1563527"/>
+            </a:xfrm>
+            <a:custGeom>
+              <a:avLst/>
+              <a:gdLst/>
+              <a:ahLst/>
+              <a:cxnLst/>
+              <a:rect r="r" b="b" t="t" l="l"/>
+              <a:pathLst>
+                <a:path h="1563527" w="181146">
+                  <a:moveTo>
+                    <a:pt x="90573" y="0"/>
+                  </a:moveTo>
+                  <a:lnTo>
+                    <a:pt x="90573" y="0"/>
+                  </a:lnTo>
+                  <a:cubicBezTo>
+                    <a:pt x="114594" y="0"/>
+                    <a:pt x="137632" y="9542"/>
+                    <a:pt x="154618" y="26528"/>
+                  </a:cubicBezTo>
+                  <a:cubicBezTo>
+                    <a:pt x="171603" y="43514"/>
+                    <a:pt x="181146" y="66551"/>
+                    <a:pt x="181146" y="90573"/>
+                  </a:cubicBezTo>
+                  <a:lnTo>
+                    <a:pt x="181146" y="1472954"/>
+                  </a:lnTo>
+                  <a:cubicBezTo>
+                    <a:pt x="181146" y="1496975"/>
+                    <a:pt x="171603" y="1520013"/>
+                    <a:pt x="154618" y="1536999"/>
+                  </a:cubicBezTo>
+                  <a:cubicBezTo>
+                    <a:pt x="137632" y="1553985"/>
+                    <a:pt x="114594" y="1563527"/>
+                    <a:pt x="90573" y="1563527"/>
+                  </a:cubicBezTo>
+                  <a:lnTo>
+                    <a:pt x="90573" y="1563527"/>
+                  </a:lnTo>
+                  <a:cubicBezTo>
+                    <a:pt x="66551" y="1563527"/>
+                    <a:pt x="43514" y="1553985"/>
+                    <a:pt x="26528" y="1536999"/>
+                  </a:cubicBezTo>
+                  <a:cubicBezTo>
+                    <a:pt x="9542" y="1520013"/>
+                    <a:pt x="0" y="1496975"/>
+                    <a:pt x="0" y="1472954"/>
+                  </a:cubicBezTo>
+                  <a:lnTo>
+                    <a:pt x="0" y="90573"/>
+                  </a:lnTo>
+                  <a:cubicBezTo>
+                    <a:pt x="0" y="66551"/>
+                    <a:pt x="9542" y="43514"/>
+                    <a:pt x="26528" y="26528"/>
+                  </a:cubicBezTo>
+                  <a:cubicBezTo>
+                    <a:pt x="43514" y="9542"/>
+                    <a:pt x="66551" y="0"/>
+                    <a:pt x="90573" y="0"/>
+                  </a:cubicBezTo>
+                  <a:close/>
+                </a:path>
+              </a:pathLst>
+            </a:custGeom>
+            <a:solidFill>
+              <a:srgbClr val="F7B9A1"/>
+            </a:solidFill>
+            <a:ln cap="rnd">
+              <a:noFill/>
+              <a:prstDash val="solid"/>
+              <a:round/>
+            </a:ln>
+          </p:spPr>
+        </p:sp>
+        <p:sp>
+          <p:nvSpPr>
+            <p:cNvPr name="TextBox 22" id="22"/>
+            <p:cNvSpPr txBox="true"/>
+            <p:nvPr/>
+          </p:nvSpPr>
+          <p:spPr>
+            <a:xfrm>
+              <a:off x="0" y="-38100"/>
+              <a:ext cx="181146" cy="1601627"/>
+            </a:xfrm>
+            <a:prstGeom prst="rect">
+              <a:avLst/>
+            </a:prstGeom>
+          </p:spPr>
+          <p:txBody>
+            <a:bodyPr anchor="ctr" rtlCol="false" tIns="50800" lIns="50800" bIns="50800" rIns="50800"/>
+            <a:lstStyle/>
+            <a:p>
+              <a:pPr algn="ctr">
+                <a:lnSpc>
+                  <a:spcPts val="2659"/>
+                </a:lnSpc>
+              </a:pPr>
+            </a:p>
+          </p:txBody>
+        </p:sp>
+      </p:grpSp>
+      <p:grpSp>
+        <p:nvGrpSpPr>
+          <p:cNvPr name="Group 23" id="23"/>
+          <p:cNvGrpSpPr/>
+          <p:nvPr/>
+        </p:nvGrpSpPr>
+        <p:grpSpPr>
+          <a:xfrm rot="-5400000">
+            <a:off x="1247775" y="7143956"/>
+            <a:ext cx="1143206" cy="1143206"/>
+            <a:chOff x="0" y="0"/>
+            <a:chExt cx="812800" cy="812800"/>
+          </a:xfrm>
+        </p:grpSpPr>
+        <p:sp>
+          <p:nvSpPr>
+            <p:cNvPr name="Freeform 24" id="24"/>
+            <p:cNvSpPr/>
+            <p:nvPr/>
+          </p:nvSpPr>
+          <p:spPr>
+            <a:xfrm flipH="false" flipV="false" rot="0">
+              <a:off x="0" y="0"/>
+              <a:ext cx="812800" cy="812800"/>
+            </a:xfrm>
+            <a:custGeom>
+              <a:avLst/>
+              <a:gdLst/>
+              <a:ahLst/>
+              <a:cxnLst/>
+              <a:rect r="r" b="b" t="t" l="l"/>
+              <a:pathLst>
+                <a:path h="812800" w="812800">
+                  <a:moveTo>
+                    <a:pt x="406400" y="0"/>
+                  </a:moveTo>
+                  <a:cubicBezTo>
+                    <a:pt x="181951" y="0"/>
+                    <a:pt x="0" y="181951"/>
+                    <a:pt x="0" y="406400"/>
+                  </a:cubicBezTo>
+                  <a:cubicBezTo>
+                    <a:pt x="0" y="630849"/>
+                    <a:pt x="181951" y="812800"/>
+                    <a:pt x="406400" y="812800"/>
+                  </a:cubicBezTo>
+                  <a:cubicBezTo>
+                    <a:pt x="630849" y="812800"/>
+                    <a:pt x="812800" y="630849"/>
+                    <a:pt x="812800" y="406400"/>
+                  </a:cubicBezTo>
+                  <a:cubicBezTo>
+                    <a:pt x="812800" y="181951"/>
+                    <a:pt x="630849" y="0"/>
+                    <a:pt x="406400" y="0"/>
+                  </a:cubicBezTo>
+                  <a:close/>
+                </a:path>
+              </a:pathLst>
+            </a:custGeom>
+            <a:solidFill>
+              <a:srgbClr val="F7B9A1"/>
+            </a:solidFill>
+            <a:ln cap="sq">
+              <a:noFill/>
+              <a:prstDash val="solid"/>
+              <a:miter/>
+            </a:ln>
+          </p:spPr>
+        </p:sp>
+        <p:sp>
+          <p:nvSpPr>
+            <p:cNvPr name="TextBox 25" id="25"/>
+            <p:cNvSpPr txBox="true"/>
+            <p:nvPr/>
+          </p:nvSpPr>
+          <p:spPr>
+            <a:xfrm>
+              <a:off x="76200" y="38100"/>
+              <a:ext cx="660400" cy="698500"/>
+            </a:xfrm>
+            <a:prstGeom prst="rect">
+              <a:avLst/>
+            </a:prstGeom>
+          </p:spPr>
+          <p:txBody>
+            <a:bodyPr anchor="ctr" rtlCol="false" tIns="50800" lIns="50800" bIns="50800" rIns="50800"/>
+            <a:lstStyle/>
+            <a:p>
+              <a:pPr algn="ctr">
+                <a:lnSpc>
+                  <a:spcPts val="2659"/>
+                </a:lnSpc>
+              </a:pPr>
+            </a:p>
+          </p:txBody>
+        </p:sp>
+      </p:grpSp>
+      <p:grpSp>
+        <p:nvGrpSpPr>
+          <p:cNvPr name="Group 26" id="26"/>
+          <p:cNvGrpSpPr/>
+          <p:nvPr/>
+        </p:nvGrpSpPr>
+        <p:grpSpPr>
+          <a:xfrm rot="-5400000">
+            <a:off x="5043851" y="4951999"/>
+            <a:ext cx="1143206" cy="5527119"/>
+            <a:chOff x="0" y="0"/>
+            <a:chExt cx="181146" cy="875795"/>
+          </a:xfrm>
+        </p:grpSpPr>
+        <p:sp>
+          <p:nvSpPr>
+            <p:cNvPr name="Freeform 27" id="27"/>
+            <p:cNvSpPr/>
+            <p:nvPr/>
+          </p:nvSpPr>
+          <p:spPr>
+            <a:xfrm flipH="false" flipV="false" rot="0">
+              <a:off x="0" y="0"/>
+              <a:ext cx="181146" cy="875795"/>
+            </a:xfrm>
+            <a:custGeom>
+              <a:avLst/>
+              <a:gdLst/>
+              <a:ahLst/>
+              <a:cxnLst/>
+              <a:rect r="r" b="b" t="t" l="l"/>
+              <a:pathLst>
+                <a:path h="875795" w="181146">
+                  <a:moveTo>
+                    <a:pt x="90573" y="0"/>
+                  </a:moveTo>
+                  <a:lnTo>
+                    <a:pt x="90573" y="0"/>
+                  </a:lnTo>
+                  <a:cubicBezTo>
+                    <a:pt x="114594" y="0"/>
+                    <a:pt x="137632" y="9542"/>
+                    <a:pt x="154618" y="26528"/>
+                  </a:cubicBezTo>
+                  <a:cubicBezTo>
+                    <a:pt x="171603" y="43514"/>
+                    <a:pt x="181146" y="66551"/>
+                    <a:pt x="181146" y="90573"/>
+                  </a:cubicBezTo>
+                  <a:lnTo>
+                    <a:pt x="181146" y="785222"/>
+                  </a:lnTo>
+                  <a:cubicBezTo>
+                    <a:pt x="181146" y="809243"/>
+                    <a:pt x="171603" y="832281"/>
+                    <a:pt x="154618" y="849267"/>
+                  </a:cubicBezTo>
+                  <a:cubicBezTo>
+                    <a:pt x="137632" y="866252"/>
+                    <a:pt x="114594" y="875795"/>
+                    <a:pt x="90573" y="875795"/>
+                  </a:cubicBezTo>
+                  <a:lnTo>
+                    <a:pt x="90573" y="875795"/>
+                  </a:lnTo>
+                  <a:cubicBezTo>
+                    <a:pt x="66551" y="875795"/>
+                    <a:pt x="43514" y="866252"/>
+                    <a:pt x="26528" y="849267"/>
+                  </a:cubicBezTo>
+                  <a:cubicBezTo>
+                    <a:pt x="9542" y="832281"/>
+                    <a:pt x="0" y="809243"/>
+                    <a:pt x="0" y="785222"/>
+                  </a:cubicBezTo>
+                  <a:lnTo>
+                    <a:pt x="0" y="90573"/>
+                  </a:lnTo>
+                  <a:cubicBezTo>
+                    <a:pt x="0" y="66551"/>
+                    <a:pt x="9542" y="43514"/>
+                    <a:pt x="26528" y="26528"/>
+                  </a:cubicBezTo>
+                  <a:cubicBezTo>
+                    <a:pt x="43514" y="9542"/>
+                    <a:pt x="66551" y="0"/>
+                    <a:pt x="90573" y="0"/>
+                  </a:cubicBezTo>
+                  <a:close/>
+                </a:path>
+              </a:pathLst>
+            </a:custGeom>
+            <a:solidFill>
+              <a:srgbClr val="F7B9A1"/>
+            </a:solidFill>
+            <a:ln cap="rnd">
+              <a:noFill/>
+              <a:prstDash val="solid"/>
+              <a:round/>
+            </a:ln>
+          </p:spPr>
+        </p:sp>
+        <p:sp>
+          <p:nvSpPr>
+            <p:cNvPr name="TextBox 28" id="28"/>
+            <p:cNvSpPr txBox="true"/>
+            <p:nvPr/>
+          </p:nvSpPr>
+          <p:spPr>
+            <a:xfrm>
+              <a:off x="0" y="-38100"/>
+              <a:ext cx="181146" cy="913895"/>
+            </a:xfrm>
+            <a:prstGeom prst="rect">
+              <a:avLst/>
+            </a:prstGeom>
+          </p:spPr>
+          <p:txBody>
+            <a:bodyPr anchor="ctr" rtlCol="false" tIns="50800" lIns="50800" bIns="50800" rIns="50800"/>
+            <a:lstStyle/>
+            <a:p>
+              <a:pPr algn="ctr">
+                <a:lnSpc>
+                  <a:spcPts val="2659"/>
+                </a:lnSpc>
+              </a:pPr>
+            </a:p>
+          </p:txBody>
+        </p:sp>
+      </p:grpSp>
+      <p:sp>
+        <p:nvSpPr>
+          <p:cNvPr name="TextBox 29" id="29"/>
+          <p:cNvSpPr txBox="true"/>
+          <p:nvPr/>
+        </p:nvSpPr>
         <p:spPr>
-          <a:xfrm>
-            <a:off x="13656518" y="3522757"/>
-            <a:ext cx="3665494" cy="3665494"/>
+          <a:xfrm rot="0">
+            <a:off x="713300" y="525031"/>
+            <a:ext cx="5612659" cy="1510665"/>
           </a:xfrm>
           <a:prstGeom prst="rect">
             <a:avLst/>
           </a:prstGeom>
         </p:spPr>
-      </p:pic>
-      <p:pic>
-        <p:nvPicPr>
-          <p:cNvPr id="6" name="Picture 6"/>
-          <p:cNvPicPr>
-            <a:picLocks noChangeAspect="1"/>
-          </p:cNvPicPr>
+        <p:txBody>
+          <a:bodyPr anchor="t" rtlCol="false" tIns="0" lIns="0" bIns="0" rIns="0">
+            <a:spAutoFit/>
+          </a:bodyPr>
+          <a:lstStyle/>
+          <a:p>
+            <a:pPr algn="l">
+              <a:lnSpc>
+                <a:spcPts val="9630"/>
+              </a:lnSpc>
+            </a:pPr>
+            <a:r>
+              <a:rPr lang="en-US" sz="9000">
+                <a:solidFill>
+                  <a:srgbClr val="291B25"/>
+                </a:solidFill>
+                <a:latin typeface="Agrandir"/>
+                <a:ea typeface="Agrandir"/>
+                <a:cs typeface="Agrandir"/>
+                <a:sym typeface="Agrandir"/>
+              </a:rPr>
+              <a:t>Features</a:t>
+            </a:r>
+          </a:p>
+        </p:txBody>
+      </p:sp>
+      <p:sp>
+        <p:nvSpPr>
+          <p:cNvPr name="TextBox 30" id="30"/>
+          <p:cNvSpPr txBox="true"/>
           <p:nvPr/>
-        </p:nvPicPr>
-        <p:blipFill>
-          <a:blip r:embed="rId3"/>
-          <a:stretch>
-            <a:fillRect/>
-          </a:stretch>
-        </p:blipFill>
+        </p:nvSpPr>
         <p:spPr>
-          <a:xfrm>
-            <a:off x="10073105" y="3522757"/>
-            <a:ext cx="3665494" cy="3665494"/>
+          <a:xfrm rot="0">
+            <a:off x="1247775" y="2834769"/>
+            <a:ext cx="1099476" cy="835025"/>
           </a:xfrm>
           <a:prstGeom prst="rect">
             <a:avLst/>
           </a:prstGeom>
         </p:spPr>
-      </p:pic>
+        <p:txBody>
+          <a:bodyPr anchor="t" rtlCol="false" tIns="0" lIns="0" bIns="0" rIns="0">
+            <a:spAutoFit/>
+          </a:bodyPr>
+          <a:lstStyle/>
+          <a:p>
+            <a:pPr algn="ctr">
+              <a:lnSpc>
+                <a:spcPts val="5350"/>
+              </a:lnSpc>
+            </a:pPr>
+            <a:r>
+              <a:rPr lang="en-US" sz="5000">
+                <a:solidFill>
+                  <a:srgbClr val="291B25"/>
+                </a:solidFill>
+                <a:latin typeface="Agrandir"/>
+                <a:ea typeface="Agrandir"/>
+                <a:cs typeface="Agrandir"/>
+                <a:sym typeface="Agrandir"/>
+              </a:rPr>
+              <a:t>01</a:t>
+            </a:r>
+          </a:p>
+        </p:txBody>
+      </p:sp>
+      <p:sp>
+        <p:nvSpPr>
+          <p:cNvPr name="TextBox 31" id="31"/>
+          <p:cNvSpPr txBox="true"/>
+          <p:nvPr/>
+        </p:nvSpPr>
+        <p:spPr>
+          <a:xfrm rot="0">
+            <a:off x="3393891" y="2806194"/>
+            <a:ext cx="13184346" cy="835025"/>
+          </a:xfrm>
+          <a:prstGeom prst="rect">
+            <a:avLst/>
+          </a:prstGeom>
+        </p:spPr>
+        <p:txBody>
+          <a:bodyPr anchor="t" rtlCol="false" tIns="0" lIns="0" bIns="0" rIns="0">
+            <a:spAutoFit/>
+          </a:bodyPr>
+          <a:lstStyle/>
+          <a:p>
+            <a:pPr algn="l">
+              <a:lnSpc>
+                <a:spcPts val="5350"/>
+              </a:lnSpc>
+            </a:pPr>
+            <a:r>
+              <a:rPr lang="en-US" sz="5000">
+                <a:solidFill>
+                  <a:srgbClr val="291B25"/>
+                </a:solidFill>
+                <a:latin typeface="Agrandir"/>
+                <a:ea typeface="Agrandir"/>
+                <a:cs typeface="Agrandir"/>
+                <a:sym typeface="Agrandir"/>
+              </a:rPr>
+              <a:t>Data Ingestion and Continuous Integration</a:t>
+            </a:r>
+          </a:p>
+        </p:txBody>
+      </p:sp>
+      <p:sp>
+        <p:nvSpPr>
+          <p:cNvPr name="TextBox 32" id="32"/>
+          <p:cNvSpPr txBox="true"/>
+          <p:nvPr/>
+        </p:nvSpPr>
+        <p:spPr>
+          <a:xfrm rot="0">
+            <a:off x="1247775" y="4326474"/>
+            <a:ext cx="1099476" cy="835025"/>
+          </a:xfrm>
+          <a:prstGeom prst="rect">
+            <a:avLst/>
+          </a:prstGeom>
+        </p:spPr>
+        <p:txBody>
+          <a:bodyPr anchor="t" rtlCol="false" tIns="0" lIns="0" bIns="0" rIns="0">
+            <a:spAutoFit/>
+          </a:bodyPr>
+          <a:lstStyle/>
+          <a:p>
+            <a:pPr algn="ctr">
+              <a:lnSpc>
+                <a:spcPts val="5350"/>
+              </a:lnSpc>
+            </a:pPr>
+            <a:r>
+              <a:rPr lang="en-US" sz="5000">
+                <a:solidFill>
+                  <a:srgbClr val="291B25"/>
+                </a:solidFill>
+                <a:latin typeface="Agrandir"/>
+                <a:ea typeface="Agrandir"/>
+                <a:cs typeface="Agrandir"/>
+                <a:sym typeface="Agrandir"/>
+              </a:rPr>
+              <a:t>02</a:t>
+            </a:r>
+          </a:p>
+        </p:txBody>
+      </p:sp>
+      <p:sp>
+        <p:nvSpPr>
+          <p:cNvPr name="TextBox 33" id="33"/>
+          <p:cNvSpPr txBox="true"/>
+          <p:nvPr/>
+        </p:nvSpPr>
+        <p:spPr>
+          <a:xfrm rot="0">
+            <a:off x="3403416" y="4297899"/>
+            <a:ext cx="11830773" cy="835025"/>
+          </a:xfrm>
+          <a:prstGeom prst="rect">
+            <a:avLst/>
+          </a:prstGeom>
+        </p:spPr>
+        <p:txBody>
+          <a:bodyPr anchor="t" rtlCol="false" tIns="0" lIns="0" bIns="0" rIns="0">
+            <a:spAutoFit/>
+          </a:bodyPr>
+          <a:lstStyle/>
+          <a:p>
+            <a:pPr algn="l">
+              <a:lnSpc>
+                <a:spcPts val="5350"/>
+              </a:lnSpc>
+            </a:pPr>
+            <a:r>
+              <a:rPr lang="en-US" sz="5000">
+                <a:solidFill>
+                  <a:srgbClr val="291B25"/>
+                </a:solidFill>
+                <a:latin typeface="Agrandir"/>
+                <a:ea typeface="Agrandir"/>
+                <a:cs typeface="Agrandir"/>
+                <a:sym typeface="Agrandir"/>
+              </a:rPr>
+              <a:t>PII Detection &amp; Identification</a:t>
+            </a:r>
+          </a:p>
+        </p:txBody>
+      </p:sp>
+      <p:sp>
+        <p:nvSpPr>
+          <p:cNvPr name="TextBox 34" id="34"/>
+          <p:cNvSpPr txBox="true"/>
+          <p:nvPr/>
+        </p:nvSpPr>
+        <p:spPr>
+          <a:xfrm rot="0">
+            <a:off x="1247775" y="5822104"/>
+            <a:ext cx="1099476" cy="835025"/>
+          </a:xfrm>
+          <a:prstGeom prst="rect">
+            <a:avLst/>
+          </a:prstGeom>
+        </p:spPr>
+        <p:txBody>
+          <a:bodyPr anchor="t" rtlCol="false" tIns="0" lIns="0" bIns="0" rIns="0">
+            <a:spAutoFit/>
+          </a:bodyPr>
+          <a:lstStyle/>
+          <a:p>
+            <a:pPr algn="ctr">
+              <a:lnSpc>
+                <a:spcPts val="5350"/>
+              </a:lnSpc>
+            </a:pPr>
+            <a:r>
+              <a:rPr lang="en-US" sz="5000">
+                <a:solidFill>
+                  <a:srgbClr val="291B25"/>
+                </a:solidFill>
+                <a:latin typeface="Agrandir"/>
+                <a:ea typeface="Agrandir"/>
+                <a:cs typeface="Agrandir"/>
+                <a:sym typeface="Agrandir"/>
+              </a:rPr>
+              <a:t>03</a:t>
+            </a:r>
+          </a:p>
+        </p:txBody>
+      </p:sp>
+      <p:sp>
+        <p:nvSpPr>
+          <p:cNvPr name="TextBox 35" id="35"/>
+          <p:cNvSpPr txBox="true"/>
+          <p:nvPr/>
+        </p:nvSpPr>
+        <p:spPr>
+          <a:xfrm rot="0">
+            <a:off x="3412941" y="5793529"/>
+            <a:ext cx="11811723" cy="835025"/>
+          </a:xfrm>
+          <a:prstGeom prst="rect">
+            <a:avLst/>
+          </a:prstGeom>
+        </p:spPr>
+        <p:txBody>
+          <a:bodyPr anchor="t" rtlCol="false" tIns="0" lIns="0" bIns="0" rIns="0">
+            <a:spAutoFit/>
+          </a:bodyPr>
+          <a:lstStyle/>
+          <a:p>
+            <a:pPr algn="l">
+              <a:lnSpc>
+                <a:spcPts val="5350"/>
+              </a:lnSpc>
+            </a:pPr>
+            <a:r>
+              <a:rPr lang="en-US" sz="5000">
+                <a:solidFill>
+                  <a:srgbClr val="291B25"/>
+                </a:solidFill>
+                <a:latin typeface="Agrandir"/>
+                <a:ea typeface="Agrandir"/>
+                <a:cs typeface="Agrandir"/>
+                <a:sym typeface="Agrandir"/>
+              </a:rPr>
+              <a:t>Analytics &amp; Data Visualization</a:t>
+            </a:r>
+          </a:p>
+        </p:txBody>
+      </p:sp>
+      <p:sp>
+        <p:nvSpPr>
+          <p:cNvPr name="TextBox 36" id="36"/>
+          <p:cNvSpPr txBox="true"/>
+          <p:nvPr/>
+        </p:nvSpPr>
+        <p:spPr>
+          <a:xfrm rot="0">
+            <a:off x="1291505" y="7315406"/>
+            <a:ext cx="1099476" cy="835025"/>
+          </a:xfrm>
+          <a:prstGeom prst="rect">
+            <a:avLst/>
+          </a:prstGeom>
+        </p:spPr>
+        <p:txBody>
+          <a:bodyPr anchor="t" rtlCol="false" tIns="0" lIns="0" bIns="0" rIns="0">
+            <a:spAutoFit/>
+          </a:bodyPr>
+          <a:lstStyle/>
+          <a:p>
+            <a:pPr algn="ctr">
+              <a:lnSpc>
+                <a:spcPts val="5350"/>
+              </a:lnSpc>
+            </a:pPr>
+            <a:r>
+              <a:rPr lang="en-US" sz="5000">
+                <a:solidFill>
+                  <a:srgbClr val="291B25"/>
+                </a:solidFill>
+                <a:latin typeface="Agrandir"/>
+                <a:ea typeface="Agrandir"/>
+                <a:cs typeface="Agrandir"/>
+                <a:sym typeface="Agrandir"/>
+              </a:rPr>
+              <a:t>04</a:t>
+            </a:r>
+          </a:p>
+        </p:txBody>
+      </p:sp>
+      <p:sp>
+        <p:nvSpPr>
+          <p:cNvPr name="TextBox 37" id="37"/>
+          <p:cNvSpPr txBox="true"/>
+          <p:nvPr/>
+        </p:nvSpPr>
+        <p:spPr>
+          <a:xfrm rot="0">
+            <a:off x="3412941" y="7289160"/>
+            <a:ext cx="11830773" cy="835025"/>
+          </a:xfrm>
+          <a:prstGeom prst="rect">
+            <a:avLst/>
+          </a:prstGeom>
+        </p:spPr>
+        <p:txBody>
+          <a:bodyPr anchor="t" rtlCol="false" tIns="0" lIns="0" bIns="0" rIns="0">
+            <a:spAutoFit/>
+          </a:bodyPr>
+          <a:lstStyle/>
+          <a:p>
+            <a:pPr algn="l">
+              <a:lnSpc>
+                <a:spcPts val="5350"/>
+              </a:lnSpc>
+            </a:pPr>
+            <a:r>
+              <a:rPr lang="en-US" sz="5000">
+                <a:solidFill>
+                  <a:srgbClr val="291B25"/>
+                </a:solidFill>
+                <a:latin typeface="Agrandir"/>
+                <a:ea typeface="Agrandir"/>
+                <a:cs typeface="Agrandir"/>
+                <a:sym typeface="Agrandir"/>
+              </a:rPr>
+              <a:t>Data Drilldown</a:t>
+            </a:r>
+          </a:p>
+        </p:txBody>
+      </p:sp>
       <p:grpSp>
         <p:nvGrpSpPr>
-          <p:cNvPr id="7" name="Group 7"/>
+          <p:cNvPr name="Group 38" id="38"/>
           <p:cNvGrpSpPr/>
           <p:nvPr/>
         </p:nvGrpSpPr>
         <p:grpSpPr>
           <a:xfrm rot="-5400000">
-            <a:off x="15999865" y="8311537"/>
+            <a:off x="6785828" y="1681204"/>
+            <a:ext cx="831964" cy="15159734"/>
+            <a:chOff x="0" y="0"/>
+            <a:chExt cx="233609" cy="4256729"/>
+          </a:xfrm>
+        </p:grpSpPr>
+        <p:sp>
+          <p:nvSpPr>
+            <p:cNvPr name="Freeform 39" id="39"/>
+            <p:cNvSpPr/>
+            <p:nvPr/>
+          </p:nvSpPr>
+          <p:spPr>
+            <a:xfrm flipH="false" flipV="false" rot="0">
+              <a:off x="0" y="0"/>
+              <a:ext cx="233609" cy="4256729"/>
+            </a:xfrm>
+            <a:custGeom>
+              <a:avLst/>
+              <a:gdLst/>
+              <a:ahLst/>
+              <a:cxnLst/>
+              <a:rect r="r" b="b" t="t" l="l"/>
+              <a:pathLst>
+                <a:path h="4256729" w="233609">
+                  <a:moveTo>
+                    <a:pt x="116804" y="0"/>
+                  </a:moveTo>
+                  <a:lnTo>
+                    <a:pt x="116804" y="0"/>
+                  </a:lnTo>
+                  <a:cubicBezTo>
+                    <a:pt x="181314" y="0"/>
+                    <a:pt x="233609" y="52295"/>
+                    <a:pt x="233609" y="116804"/>
+                  </a:cubicBezTo>
+                  <a:lnTo>
+                    <a:pt x="233609" y="4139924"/>
+                  </a:lnTo>
+                  <a:cubicBezTo>
+                    <a:pt x="233609" y="4204433"/>
+                    <a:pt x="181314" y="4256729"/>
+                    <a:pt x="116804" y="4256729"/>
+                  </a:cubicBezTo>
+                  <a:lnTo>
+                    <a:pt x="116804" y="4256729"/>
+                  </a:lnTo>
+                  <a:cubicBezTo>
+                    <a:pt x="52295" y="4256729"/>
+                    <a:pt x="0" y="4204433"/>
+                    <a:pt x="0" y="4139924"/>
+                  </a:cubicBezTo>
+                  <a:lnTo>
+                    <a:pt x="0" y="116804"/>
+                  </a:lnTo>
+                  <a:cubicBezTo>
+                    <a:pt x="0" y="52295"/>
+                    <a:pt x="52295" y="0"/>
+                    <a:pt x="116804" y="0"/>
+                  </a:cubicBezTo>
+                  <a:close/>
+                </a:path>
+              </a:pathLst>
+            </a:custGeom>
+            <a:solidFill>
+              <a:srgbClr val="ED5B2D"/>
+            </a:solidFill>
+            <a:ln cap="rnd">
+              <a:noFill/>
+              <a:prstDash val="solid"/>
+              <a:round/>
+            </a:ln>
+          </p:spPr>
+        </p:sp>
+        <p:sp>
+          <p:nvSpPr>
+            <p:cNvPr name="TextBox 40" id="40"/>
+            <p:cNvSpPr txBox="true"/>
+            <p:nvPr/>
+          </p:nvSpPr>
+          <p:spPr>
+            <a:xfrm>
+              <a:off x="0" y="-38100"/>
+              <a:ext cx="233609" cy="4294829"/>
+            </a:xfrm>
+            <a:prstGeom prst="rect">
+              <a:avLst/>
+            </a:prstGeom>
+          </p:spPr>
+          <p:txBody>
+            <a:bodyPr anchor="ctr" rtlCol="false" tIns="50800" lIns="50800" bIns="50800" rIns="50800"/>
+            <a:lstStyle/>
+            <a:p>
+              <a:pPr algn="ctr">
+                <a:lnSpc>
+                  <a:spcPts val="2659"/>
+                </a:lnSpc>
+              </a:pPr>
+            </a:p>
+          </p:txBody>
+        </p:sp>
+      </p:grpSp>
+      <p:grpSp>
+        <p:nvGrpSpPr>
+          <p:cNvPr name="Group 41" id="41"/>
+          <p:cNvGrpSpPr/>
+          <p:nvPr/>
+        </p:nvGrpSpPr>
+        <p:grpSpPr>
+          <a:xfrm rot="0">
+            <a:off x="15628703" y="8845089"/>
+            <a:ext cx="1899068" cy="831964"/>
+            <a:chOff x="0" y="0"/>
+            <a:chExt cx="2532091" cy="1109286"/>
+          </a:xfrm>
+        </p:grpSpPr>
+        <p:grpSp>
+          <p:nvGrpSpPr>
+            <p:cNvPr name="Group 42" id="42"/>
+            <p:cNvGrpSpPr/>
+            <p:nvPr/>
+          </p:nvGrpSpPr>
+          <p:grpSpPr>
+            <a:xfrm rot="-5400000">
+              <a:off x="711403" y="-711403"/>
+              <a:ext cx="1109286" cy="2532091"/>
+              <a:chOff x="0" y="0"/>
+              <a:chExt cx="233609" cy="533243"/>
+            </a:xfrm>
+          </p:grpSpPr>
+          <p:sp>
+            <p:nvSpPr>
+              <p:cNvPr name="Freeform 43" id="43"/>
+              <p:cNvSpPr/>
+              <p:nvPr/>
+            </p:nvSpPr>
+            <p:spPr>
+              <a:xfrm flipH="false" flipV="false" rot="0">
+                <a:off x="0" y="0"/>
+                <a:ext cx="233609" cy="533243"/>
+              </a:xfrm>
+              <a:custGeom>
+                <a:avLst/>
+                <a:gdLst/>
+                <a:ahLst/>
+                <a:cxnLst/>
+                <a:rect r="r" b="b" t="t" l="l"/>
+                <a:pathLst>
+                  <a:path h="533243" w="233609">
+                    <a:moveTo>
+                      <a:pt x="116804" y="0"/>
+                    </a:moveTo>
+                    <a:lnTo>
+                      <a:pt x="116804" y="0"/>
+                    </a:lnTo>
+                    <a:cubicBezTo>
+                      <a:pt x="181314" y="0"/>
+                      <a:pt x="233609" y="52295"/>
+                      <a:pt x="233609" y="116804"/>
+                    </a:cubicBezTo>
+                    <a:lnTo>
+                      <a:pt x="233609" y="416438"/>
+                    </a:lnTo>
+                    <a:cubicBezTo>
+                      <a:pt x="233609" y="480948"/>
+                      <a:pt x="181314" y="533243"/>
+                      <a:pt x="116804" y="533243"/>
+                    </a:cubicBezTo>
+                    <a:lnTo>
+                      <a:pt x="116804" y="533243"/>
+                    </a:lnTo>
+                    <a:cubicBezTo>
+                      <a:pt x="52295" y="533243"/>
+                      <a:pt x="0" y="480948"/>
+                      <a:pt x="0" y="416438"/>
+                    </a:cubicBezTo>
+                    <a:lnTo>
+                      <a:pt x="0" y="116804"/>
+                    </a:lnTo>
+                    <a:cubicBezTo>
+                      <a:pt x="0" y="52295"/>
+                      <a:pt x="52295" y="0"/>
+                      <a:pt x="116804" y="0"/>
+                    </a:cubicBezTo>
+                    <a:close/>
+                  </a:path>
+                </a:pathLst>
+              </a:custGeom>
+              <a:solidFill>
+                <a:srgbClr val="ED5B2D"/>
+              </a:solidFill>
+              <a:ln cap="rnd">
+                <a:noFill/>
+                <a:prstDash val="solid"/>
+                <a:round/>
+              </a:ln>
+            </p:spPr>
+          </p:sp>
+          <p:sp>
+            <p:nvSpPr>
+              <p:cNvPr name="TextBox 44" id="44"/>
+              <p:cNvSpPr txBox="true"/>
+              <p:nvPr/>
+            </p:nvSpPr>
+            <p:spPr>
+              <a:xfrm>
+                <a:off x="0" y="-38100"/>
+                <a:ext cx="233609" cy="571343"/>
+              </a:xfrm>
+              <a:prstGeom prst="rect">
+                <a:avLst/>
+              </a:prstGeom>
+            </p:spPr>
+            <p:txBody>
+              <a:bodyPr anchor="ctr" rtlCol="false" tIns="50800" lIns="50800" bIns="50800" rIns="50800"/>
+              <a:lstStyle/>
+              <a:p>
+                <a:pPr algn="ctr">
+                  <a:lnSpc>
+                    <a:spcPts val="2659"/>
+                  </a:lnSpc>
+                </a:pPr>
+              </a:p>
+            </p:txBody>
+          </p:sp>
+        </p:grpSp>
+        <p:sp>
+          <p:nvSpPr>
+            <p:cNvPr name="TextBox 45" id="45"/>
+            <p:cNvSpPr txBox="true"/>
+            <p:nvPr/>
+          </p:nvSpPr>
+          <p:spPr>
+            <a:xfrm rot="0">
+              <a:off x="368840" y="177372"/>
+              <a:ext cx="1794411" cy="931913"/>
+            </a:xfrm>
+            <a:prstGeom prst="rect">
+              <a:avLst/>
+            </a:prstGeom>
+          </p:spPr>
+          <p:txBody>
+            <a:bodyPr anchor="t" rtlCol="false" tIns="0" lIns="0" bIns="0" rIns="0">
+              <a:spAutoFit/>
+            </a:bodyPr>
+            <a:lstStyle/>
+            <a:p>
+              <a:pPr algn="ctr">
+                <a:lnSpc>
+                  <a:spcPts val="4555"/>
+                </a:lnSpc>
+              </a:pPr>
+              <a:r>
+                <a:rPr lang="en-US" sz="4257">
+                  <a:solidFill>
+                    <a:srgbClr val="F6F6E9"/>
+                  </a:solidFill>
+                  <a:latin typeface="Agrandir"/>
+                  <a:ea typeface="Agrandir"/>
+                  <a:cs typeface="Agrandir"/>
+                  <a:sym typeface="Agrandir"/>
+                </a:rPr>
+                <a:t>02</a:t>
+              </a:r>
+            </a:p>
+          </p:txBody>
+        </p:sp>
+      </p:grpSp>
+    </p:spTree>
+  </p:cSld>
+  <p:clrMapOvr>
+    <a:masterClrMapping/>
+  </p:clrMapOvr>
+</p:sld>
+</file>
+
+<file path=ppt/slides/slide3.xml><?xml version="1.0" encoding="utf-8"?>
+<p:sld xmlns:p="http://schemas.openxmlformats.org/presentationml/2006/main" xmlns:a="http://schemas.openxmlformats.org/drawingml/2006/main" xmlns:r="http://schemas.openxmlformats.org/officeDocument/2006/relationships">
+  <p:cSld>
+    <p:bg>
+      <p:bgPr>
+        <a:solidFill>
+          <a:srgbClr val="F6F6E9"/>
+        </a:solidFill>
+      </p:bgPr>
+    </p:bg>
+    <p:spTree>
+      <p:nvGrpSpPr>
+        <p:cNvPr id="1" name=""/>
+        <p:cNvGrpSpPr/>
+        <p:nvPr/>
+      </p:nvGrpSpPr>
+      <p:grpSpPr>
+        <a:xfrm>
+          <a:off x="0" y="0"/>
+          <a:ext cx="0" cy="0"/>
+          <a:chOff x="0" y="0"/>
+          <a:chExt cx="0" cy="0"/>
+        </a:xfrm>
+      </p:grpSpPr>
+      <p:sp>
+        <p:nvSpPr>
+          <p:cNvPr name="Freeform 2" id="2"/>
+          <p:cNvSpPr/>
+          <p:nvPr/>
+        </p:nvSpPr>
+        <p:spPr>
+          <a:xfrm flipH="false" flipV="false" rot="0">
+            <a:off x="7942686" y="1605252"/>
+            <a:ext cx="10057422" cy="7916599"/>
+          </a:xfrm>
+          <a:custGeom>
+            <a:avLst/>
+            <a:gdLst/>
+            <a:ahLst/>
+            <a:cxnLst/>
+            <a:rect r="r" b="b" t="t" l="l"/>
+            <a:pathLst>
+              <a:path h="7916599" w="10057422">
+                <a:moveTo>
+                  <a:pt x="0" y="0"/>
+                </a:moveTo>
+                <a:lnTo>
+                  <a:pt x="10057422" y="0"/>
+                </a:lnTo>
+                <a:lnTo>
+                  <a:pt x="10057422" y="7916599"/>
+                </a:lnTo>
+                <a:lnTo>
+                  <a:pt x="0" y="7916599"/>
+                </a:lnTo>
+                <a:lnTo>
+                  <a:pt x="0" y="0"/>
+                </a:lnTo>
+                <a:close/>
+              </a:path>
+            </a:pathLst>
+          </a:custGeom>
+          <a:blipFill>
+            <a:blip r:embed="rId2"/>
+            <a:stretch>
+              <a:fillRect l="0" t="-135" r="0" b="-135"/>
+            </a:stretch>
+          </a:blipFill>
+        </p:spPr>
+      </p:sp>
+      <p:sp>
+        <p:nvSpPr>
+          <p:cNvPr name="TextBox 3" id="3"/>
+          <p:cNvSpPr txBox="true"/>
+          <p:nvPr/>
+        </p:nvSpPr>
+        <p:spPr>
+          <a:xfrm rot="0">
+            <a:off x="485881" y="-503"/>
+            <a:ext cx="16015105" cy="1510665"/>
+          </a:xfrm>
+          <a:prstGeom prst="rect">
+            <a:avLst/>
+          </a:prstGeom>
+        </p:spPr>
+        <p:txBody>
+          <a:bodyPr anchor="t" rtlCol="false" tIns="0" lIns="0" bIns="0" rIns="0">
+            <a:spAutoFit/>
+          </a:bodyPr>
+          <a:lstStyle/>
+          <a:p>
+            <a:pPr algn="l">
+              <a:lnSpc>
+                <a:spcPts val="9630"/>
+              </a:lnSpc>
+            </a:pPr>
+            <a:r>
+              <a:rPr lang="en-US" sz="9000">
+                <a:solidFill>
+                  <a:srgbClr val="291B25"/>
+                </a:solidFill>
+                <a:latin typeface="Agrandir"/>
+                <a:ea typeface="Agrandir"/>
+                <a:cs typeface="Agrandir"/>
+                <a:sym typeface="Agrandir"/>
+              </a:rPr>
+              <a:t>Sequence Diagram</a:t>
+            </a:r>
+          </a:p>
+        </p:txBody>
+      </p:sp>
+      <p:sp>
+        <p:nvSpPr>
+          <p:cNvPr name="TextBox 4" id="4"/>
+          <p:cNvSpPr txBox="true"/>
+          <p:nvPr/>
+        </p:nvSpPr>
+        <p:spPr>
+          <a:xfrm rot="0">
+            <a:off x="485881" y="1788927"/>
+            <a:ext cx="7006590" cy="7005955"/>
+          </a:xfrm>
+          <a:prstGeom prst="rect">
+            <a:avLst/>
+          </a:prstGeom>
+        </p:spPr>
+        <p:txBody>
+          <a:bodyPr anchor="t" rtlCol="false" tIns="0" lIns="0" bIns="0" rIns="0">
+            <a:spAutoFit/>
+          </a:bodyPr>
+          <a:lstStyle/>
+          <a:p>
+            <a:pPr algn="l">
+              <a:lnSpc>
+                <a:spcPts val="3919"/>
+              </a:lnSpc>
+            </a:pPr>
+            <a:r>
+              <a:rPr lang="en-US" sz="2799">
+                <a:solidFill>
+                  <a:srgbClr val="291B25"/>
+                </a:solidFill>
+                <a:latin typeface="Agrandir"/>
+                <a:ea typeface="Agrandir"/>
+                <a:cs typeface="Agrandir"/>
+                <a:sym typeface="Agrandir"/>
+              </a:rPr>
+              <a:t>To get started, users must configure their preferred data store, such as </a:t>
+            </a:r>
+            <a:r>
+              <a:rPr lang="en-US" sz="2799" b="true">
+                <a:solidFill>
+                  <a:srgbClr val="291B25"/>
+                </a:solidFill>
+                <a:latin typeface="Agrandir Bold"/>
+                <a:ea typeface="Agrandir Bold"/>
+                <a:cs typeface="Agrandir Bold"/>
+                <a:sym typeface="Agrandir Bold"/>
+              </a:rPr>
+              <a:t>AWS Cloud Store </a:t>
+            </a:r>
+            <a:r>
+              <a:rPr lang="en-US" sz="2799">
+                <a:solidFill>
+                  <a:srgbClr val="291B25"/>
+                </a:solidFill>
+                <a:latin typeface="Agrandir"/>
+                <a:ea typeface="Agrandir"/>
+                <a:cs typeface="Agrandir"/>
+                <a:sym typeface="Agrandir"/>
+              </a:rPr>
+              <a:t>or </a:t>
+            </a:r>
+            <a:r>
+              <a:rPr lang="en-US" sz="2799" b="true">
+                <a:solidFill>
+                  <a:srgbClr val="291B25"/>
+                </a:solidFill>
+                <a:latin typeface="Agrandir Bold"/>
+                <a:ea typeface="Agrandir Bold"/>
+                <a:cs typeface="Agrandir Bold"/>
+                <a:sym typeface="Agrandir Bold"/>
+              </a:rPr>
+              <a:t>SQL Database</a:t>
+            </a:r>
+            <a:r>
+              <a:rPr lang="en-US" sz="2799">
+                <a:solidFill>
+                  <a:srgbClr val="291B25"/>
+                </a:solidFill>
+                <a:latin typeface="Agrandir"/>
+                <a:ea typeface="Agrandir"/>
+                <a:cs typeface="Agrandir"/>
+                <a:sym typeface="Agrandir"/>
+              </a:rPr>
+              <a:t>, through an easy-to-use form where they can enter their credentials. Once connected, the server automatically downloads the files. If there's a connection issue, users will be notified.</a:t>
+            </a:r>
+          </a:p>
+          <a:p>
+            <a:pPr algn="l">
+              <a:lnSpc>
+                <a:spcPts val="3919"/>
+              </a:lnSpc>
+            </a:pPr>
+          </a:p>
+          <a:p>
+            <a:pPr algn="l">
+              <a:lnSpc>
+                <a:spcPts val="3919"/>
+              </a:lnSpc>
+              <a:spcBef>
+                <a:spcPct val="0"/>
+              </a:spcBef>
+            </a:pPr>
+            <a:r>
+              <a:rPr lang="en-US" sz="2799">
+                <a:solidFill>
+                  <a:srgbClr val="291B25"/>
+                </a:solidFill>
+                <a:latin typeface="Agrandir"/>
+                <a:ea typeface="Agrandir"/>
+                <a:cs typeface="Agrandir"/>
+                <a:sym typeface="Agrandir"/>
+              </a:rPr>
+              <a:t>Afterward, the server runs a machine learning model to detect Personally Identifiable Information (PII) and generate detailed analytics. Users can also download their files anytime.</a:t>
+            </a:r>
+          </a:p>
+        </p:txBody>
+      </p:sp>
+      <p:grpSp>
+        <p:nvGrpSpPr>
+          <p:cNvPr name="Group 5" id="5"/>
+          <p:cNvGrpSpPr/>
+          <p:nvPr/>
+        </p:nvGrpSpPr>
+        <p:grpSpPr>
+          <a:xfrm rot="0">
+            <a:off x="485881" y="9105869"/>
+            <a:ext cx="1899068" cy="831964"/>
+            <a:chOff x="0" y="0"/>
+            <a:chExt cx="2532091" cy="1109286"/>
+          </a:xfrm>
+        </p:grpSpPr>
+        <p:grpSp>
+          <p:nvGrpSpPr>
+            <p:cNvPr name="Group 6" id="6"/>
+            <p:cNvGrpSpPr/>
+            <p:nvPr/>
+          </p:nvGrpSpPr>
+          <p:grpSpPr>
+            <a:xfrm rot="-5400000">
+              <a:off x="711403" y="-711403"/>
+              <a:ext cx="1109286" cy="2532091"/>
+              <a:chOff x="0" y="0"/>
+              <a:chExt cx="233609" cy="533243"/>
+            </a:xfrm>
+          </p:grpSpPr>
+          <p:sp>
+            <p:nvSpPr>
+              <p:cNvPr name="Freeform 7" id="7"/>
+              <p:cNvSpPr/>
+              <p:nvPr/>
+            </p:nvSpPr>
+            <p:spPr>
+              <a:xfrm flipH="false" flipV="false" rot="0">
+                <a:off x="0" y="0"/>
+                <a:ext cx="233609" cy="533243"/>
+              </a:xfrm>
+              <a:custGeom>
+                <a:avLst/>
+                <a:gdLst/>
+                <a:ahLst/>
+                <a:cxnLst/>
+                <a:rect r="r" b="b" t="t" l="l"/>
+                <a:pathLst>
+                  <a:path h="533243" w="233609">
+                    <a:moveTo>
+                      <a:pt x="116804" y="0"/>
+                    </a:moveTo>
+                    <a:lnTo>
+                      <a:pt x="116804" y="0"/>
+                    </a:lnTo>
+                    <a:cubicBezTo>
+                      <a:pt x="181314" y="0"/>
+                      <a:pt x="233609" y="52295"/>
+                      <a:pt x="233609" y="116804"/>
+                    </a:cubicBezTo>
+                    <a:lnTo>
+                      <a:pt x="233609" y="416438"/>
+                    </a:lnTo>
+                    <a:cubicBezTo>
+                      <a:pt x="233609" y="480948"/>
+                      <a:pt x="181314" y="533243"/>
+                      <a:pt x="116804" y="533243"/>
+                    </a:cubicBezTo>
+                    <a:lnTo>
+                      <a:pt x="116804" y="533243"/>
+                    </a:lnTo>
+                    <a:cubicBezTo>
+                      <a:pt x="52295" y="533243"/>
+                      <a:pt x="0" y="480948"/>
+                      <a:pt x="0" y="416438"/>
+                    </a:cubicBezTo>
+                    <a:lnTo>
+                      <a:pt x="0" y="116804"/>
+                    </a:lnTo>
+                    <a:cubicBezTo>
+                      <a:pt x="0" y="52295"/>
+                      <a:pt x="52295" y="0"/>
+                      <a:pt x="116804" y="0"/>
+                    </a:cubicBezTo>
+                    <a:close/>
+                  </a:path>
+                </a:pathLst>
+              </a:custGeom>
+              <a:solidFill>
+                <a:srgbClr val="F7B9A1"/>
+              </a:solidFill>
+              <a:ln cap="rnd">
+                <a:noFill/>
+                <a:prstDash val="solid"/>
+                <a:round/>
+              </a:ln>
+            </p:spPr>
+          </p:sp>
+          <p:sp>
+            <p:nvSpPr>
+              <p:cNvPr name="TextBox 8" id="8"/>
+              <p:cNvSpPr txBox="true"/>
+              <p:nvPr/>
+            </p:nvSpPr>
+            <p:spPr>
+              <a:xfrm>
+                <a:off x="0" y="-38100"/>
+                <a:ext cx="233609" cy="571343"/>
+              </a:xfrm>
+              <a:prstGeom prst="rect">
+                <a:avLst/>
+              </a:prstGeom>
+            </p:spPr>
+            <p:txBody>
+              <a:bodyPr anchor="ctr" rtlCol="false" tIns="50800" lIns="50800" bIns="50800" rIns="50800"/>
+              <a:lstStyle/>
+              <a:p>
+                <a:pPr algn="ctr">
+                  <a:lnSpc>
+                    <a:spcPts val="2659"/>
+                  </a:lnSpc>
+                </a:pPr>
+              </a:p>
+            </p:txBody>
+          </p:sp>
+        </p:grpSp>
+        <p:sp>
+          <p:nvSpPr>
+            <p:cNvPr name="TextBox 9" id="9"/>
+            <p:cNvSpPr txBox="true"/>
+            <p:nvPr/>
+          </p:nvSpPr>
+          <p:spPr>
+            <a:xfrm rot="0">
+              <a:off x="368840" y="177372"/>
+              <a:ext cx="1794411" cy="931913"/>
+            </a:xfrm>
+            <a:prstGeom prst="rect">
+              <a:avLst/>
+            </a:prstGeom>
+          </p:spPr>
+          <p:txBody>
+            <a:bodyPr anchor="t" rtlCol="false" tIns="0" lIns="0" bIns="0" rIns="0">
+              <a:spAutoFit/>
+            </a:bodyPr>
+            <a:lstStyle/>
+            <a:p>
+              <a:pPr algn="ctr">
+                <a:lnSpc>
+                  <a:spcPts val="4555"/>
+                </a:lnSpc>
+              </a:pPr>
+              <a:r>
+                <a:rPr lang="en-US" sz="4257">
+                  <a:solidFill>
+                    <a:srgbClr val="291B25"/>
+                  </a:solidFill>
+                  <a:latin typeface="Agrandir"/>
+                  <a:ea typeface="Agrandir"/>
+                  <a:cs typeface="Agrandir"/>
+                  <a:sym typeface="Agrandir"/>
+                </a:rPr>
+                <a:t>03</a:t>
+              </a:r>
+            </a:p>
+          </p:txBody>
+        </p:sp>
+      </p:grpSp>
+    </p:spTree>
+  </p:cSld>
+  <p:clrMapOvr>
+    <a:masterClrMapping/>
+  </p:clrMapOvr>
+</p:sld>
+</file>
+
+<file path=ppt/slides/slide4.xml><?xml version="1.0" encoding="utf-8"?>
+<p:sld xmlns:p="http://schemas.openxmlformats.org/presentationml/2006/main" xmlns:a="http://schemas.openxmlformats.org/drawingml/2006/main" xmlns:r="http://schemas.openxmlformats.org/officeDocument/2006/relationships">
+  <p:cSld>
+    <p:bg>
+      <p:bgPr>
+        <a:solidFill>
+          <a:srgbClr val="F6F6E9"/>
+        </a:solidFill>
+      </p:bgPr>
+    </p:bg>
+    <p:spTree>
+      <p:nvGrpSpPr>
+        <p:cNvPr id="1" name=""/>
+        <p:cNvGrpSpPr/>
+        <p:nvPr/>
+      </p:nvGrpSpPr>
+      <p:grpSpPr>
+        <a:xfrm>
+          <a:off x="0" y="0"/>
+          <a:ext cx="0" cy="0"/>
+          <a:chOff x="0" y="0"/>
+          <a:chExt cx="0" cy="0"/>
+        </a:xfrm>
+      </p:grpSpPr>
+      <p:sp>
+        <p:nvSpPr>
+          <p:cNvPr name="Freeform 2" id="2"/>
+          <p:cNvSpPr/>
+          <p:nvPr/>
+        </p:nvSpPr>
+        <p:spPr>
+          <a:xfrm flipH="false" flipV="false" rot="0">
+            <a:off x="7945567" y="1733481"/>
+            <a:ext cx="9979338" cy="7196536"/>
+          </a:xfrm>
+          <a:custGeom>
+            <a:avLst/>
+            <a:gdLst/>
+            <a:ahLst/>
+            <a:cxnLst/>
+            <a:rect r="r" b="b" t="t" l="l"/>
+            <a:pathLst>
+              <a:path h="7196536" w="9979338">
+                <a:moveTo>
+                  <a:pt x="0" y="0"/>
+                </a:moveTo>
+                <a:lnTo>
+                  <a:pt x="9979339" y="0"/>
+                </a:lnTo>
+                <a:lnTo>
+                  <a:pt x="9979339" y="7196536"/>
+                </a:lnTo>
+                <a:lnTo>
+                  <a:pt x="0" y="7196536"/>
+                </a:lnTo>
+                <a:lnTo>
+                  <a:pt x="0" y="0"/>
+                </a:lnTo>
+                <a:close/>
+              </a:path>
+            </a:pathLst>
+          </a:custGeom>
+          <a:blipFill>
+            <a:blip r:embed="rId2"/>
+            <a:stretch>
+              <a:fillRect l="-24538" t="0" r="-26092" b="0"/>
+            </a:stretch>
+          </a:blipFill>
+        </p:spPr>
+      </p:sp>
+      <p:sp>
+        <p:nvSpPr>
+          <p:cNvPr name="TextBox 3" id="3"/>
+          <p:cNvSpPr txBox="true"/>
+          <p:nvPr/>
+        </p:nvSpPr>
+        <p:spPr>
+          <a:xfrm rot="0">
+            <a:off x="468905" y="-224921"/>
+            <a:ext cx="14640104" cy="1800223"/>
+          </a:xfrm>
+          <a:prstGeom prst="rect">
+            <a:avLst/>
+          </a:prstGeom>
+        </p:spPr>
+        <p:txBody>
+          <a:bodyPr anchor="t" rtlCol="false" tIns="0" lIns="0" bIns="0" rIns="0">
+            <a:spAutoFit/>
+          </a:bodyPr>
+          <a:lstStyle/>
+          <a:p>
+            <a:pPr algn="l">
+              <a:lnSpc>
+                <a:spcPts val="12600"/>
+              </a:lnSpc>
+            </a:pPr>
+            <a:r>
+              <a:rPr lang="en-US" sz="9000">
+                <a:solidFill>
+                  <a:srgbClr val="291B25"/>
+                </a:solidFill>
+                <a:latin typeface="Agrandir"/>
+                <a:ea typeface="Agrandir"/>
+                <a:cs typeface="Agrandir"/>
+                <a:sym typeface="Agrandir"/>
+              </a:rPr>
+              <a:t>Data Ingestion</a:t>
+            </a:r>
+          </a:p>
+        </p:txBody>
+      </p:sp>
+      <p:sp>
+        <p:nvSpPr>
+          <p:cNvPr name="TextBox 4" id="4"/>
+          <p:cNvSpPr txBox="true"/>
+          <p:nvPr/>
+        </p:nvSpPr>
+        <p:spPr>
+          <a:xfrm rot="0">
+            <a:off x="468905" y="1604645"/>
+            <a:ext cx="7006590" cy="7501255"/>
+          </a:xfrm>
+          <a:prstGeom prst="rect">
+            <a:avLst/>
+          </a:prstGeom>
+        </p:spPr>
+        <p:txBody>
+          <a:bodyPr anchor="t" rtlCol="false" tIns="0" lIns="0" bIns="0" rIns="0">
+            <a:spAutoFit/>
+          </a:bodyPr>
+          <a:lstStyle/>
+          <a:p>
+            <a:pPr algn="l">
+              <a:lnSpc>
+                <a:spcPts val="3919"/>
+              </a:lnSpc>
+            </a:pPr>
+            <a:r>
+              <a:rPr lang="en-US" sz="2799" b="true">
+                <a:solidFill>
+                  <a:srgbClr val="291B25"/>
+                </a:solidFill>
+                <a:latin typeface="Agrandir Bold"/>
+                <a:ea typeface="Agrandir Bold"/>
+                <a:cs typeface="Agrandir Bold"/>
+                <a:sym typeface="Agrandir Bold"/>
+              </a:rPr>
+              <a:t>Key Features:</a:t>
+            </a:r>
+          </a:p>
+          <a:p>
+            <a:pPr algn="l" marL="604519" indent="-302260" lvl="1">
+              <a:lnSpc>
+                <a:spcPts val="3919"/>
+              </a:lnSpc>
+              <a:buFont typeface="Arial"/>
+              <a:buChar char="•"/>
+            </a:pPr>
+            <a:r>
+              <a:rPr lang="en-US" b="true" sz="2799">
+                <a:solidFill>
+                  <a:srgbClr val="291B25"/>
+                </a:solidFill>
+                <a:latin typeface="Agrandir Bold"/>
+                <a:ea typeface="Agrandir Bold"/>
+                <a:cs typeface="Agrandir Bold"/>
+                <a:sym typeface="Agrandir Bold"/>
+              </a:rPr>
+              <a:t>Credential-Based Setup: </a:t>
+            </a:r>
+            <a:r>
+              <a:rPr lang="en-US" sz="2799">
+                <a:solidFill>
+                  <a:srgbClr val="291B25"/>
+                </a:solidFill>
+                <a:latin typeface="Agrandir"/>
+                <a:ea typeface="Agrandir"/>
+                <a:cs typeface="Agrandir"/>
+                <a:sym typeface="Agrandir"/>
+              </a:rPr>
+              <a:t>Users provide AWS and PostgreSQL credentials, and we handle the rest automatically.</a:t>
+            </a:r>
+          </a:p>
+          <a:p>
+            <a:pPr algn="l" marL="604519" indent="-302260" lvl="1">
+              <a:lnSpc>
+                <a:spcPts val="3919"/>
+              </a:lnSpc>
+              <a:buFont typeface="Arial"/>
+              <a:buChar char="•"/>
+            </a:pPr>
+            <a:r>
+              <a:rPr lang="en-US" b="true" sz="2799">
+                <a:solidFill>
+                  <a:srgbClr val="291B25"/>
+                </a:solidFill>
+                <a:latin typeface="Agrandir Bold"/>
+                <a:ea typeface="Agrandir Bold"/>
+                <a:cs typeface="Agrandir Bold"/>
+                <a:sym typeface="Agrandir Bold"/>
+              </a:rPr>
+              <a:t>Automated Data Fetching: </a:t>
+            </a:r>
+            <a:r>
+              <a:rPr lang="en-US" sz="2799">
+                <a:solidFill>
+                  <a:srgbClr val="291B25"/>
+                </a:solidFill>
+                <a:latin typeface="Agrandir"/>
+                <a:ea typeface="Agrandir"/>
+                <a:cs typeface="Agrandir"/>
+                <a:sym typeface="Agrandir"/>
+              </a:rPr>
+              <a:t>Data is fetched at scheduled intervals for real-time analysis.</a:t>
+            </a:r>
+          </a:p>
+          <a:p>
+            <a:pPr algn="l" marL="604519" indent="-302260" lvl="1">
+              <a:lnSpc>
+                <a:spcPts val="3919"/>
+              </a:lnSpc>
+              <a:buFont typeface="Arial"/>
+              <a:buChar char="•"/>
+            </a:pPr>
+            <a:r>
+              <a:rPr lang="en-US" b="true" sz="2799">
+                <a:solidFill>
+                  <a:srgbClr val="291B25"/>
+                </a:solidFill>
+                <a:latin typeface="Agrandir Bold"/>
+                <a:ea typeface="Agrandir Bold"/>
+                <a:cs typeface="Agrandir Bold"/>
+                <a:sym typeface="Agrandir Bold"/>
+              </a:rPr>
+              <a:t>PII Detection: </a:t>
+            </a:r>
+            <a:r>
+              <a:rPr lang="en-US" sz="2799">
+                <a:solidFill>
+                  <a:srgbClr val="291B25"/>
+                </a:solidFill>
+                <a:latin typeface="Agrandir"/>
+                <a:ea typeface="Agrandir"/>
+                <a:cs typeface="Agrandir"/>
+                <a:sym typeface="Agrandir"/>
+              </a:rPr>
+              <a:t>Supports all file types (PDF, CSV, PNG, TXT, DOCX, MP3, MP4) for PII analysis.</a:t>
+            </a:r>
+          </a:p>
+          <a:p>
+            <a:pPr algn="l" marL="604519" indent="-302260" lvl="1">
+              <a:lnSpc>
+                <a:spcPts val="3919"/>
+              </a:lnSpc>
+              <a:buFont typeface="Arial"/>
+              <a:buChar char="•"/>
+            </a:pPr>
+            <a:r>
+              <a:rPr lang="en-US" b="true" sz="2799">
+                <a:solidFill>
+                  <a:srgbClr val="291B25"/>
+                </a:solidFill>
+                <a:latin typeface="Agrandir Bold"/>
+                <a:ea typeface="Agrandir Bold"/>
+                <a:cs typeface="Agrandir Bold"/>
+                <a:sym typeface="Agrandir Bold"/>
+              </a:rPr>
+              <a:t>Complete Automation: </a:t>
+            </a:r>
+            <a:r>
+              <a:rPr lang="en-US" sz="2799">
+                <a:solidFill>
+                  <a:srgbClr val="291B25"/>
+                </a:solidFill>
+                <a:latin typeface="Agrandir"/>
+                <a:ea typeface="Agrandir"/>
+                <a:cs typeface="Agrandir"/>
+                <a:sym typeface="Agrandir"/>
+              </a:rPr>
+              <a:t>No manual intervention needed, providing continuous updates and insights.</a:t>
+            </a:r>
+          </a:p>
+          <a:p>
+            <a:pPr algn="l">
+              <a:lnSpc>
+                <a:spcPts val="3919"/>
+              </a:lnSpc>
+              <a:spcBef>
+                <a:spcPct val="0"/>
+              </a:spcBef>
+            </a:pPr>
+          </a:p>
+        </p:txBody>
+      </p:sp>
+      <p:grpSp>
+        <p:nvGrpSpPr>
+          <p:cNvPr name="Group 5" id="5"/>
+          <p:cNvGrpSpPr/>
+          <p:nvPr/>
+        </p:nvGrpSpPr>
+        <p:grpSpPr>
+          <a:xfrm rot="0">
+            <a:off x="485881" y="9105869"/>
+            <a:ext cx="1899068" cy="831964"/>
+            <a:chOff x="0" y="0"/>
+            <a:chExt cx="2532091" cy="1109286"/>
+          </a:xfrm>
+        </p:grpSpPr>
+        <p:grpSp>
+          <p:nvGrpSpPr>
+            <p:cNvPr name="Group 6" id="6"/>
+            <p:cNvGrpSpPr/>
+            <p:nvPr/>
+          </p:nvGrpSpPr>
+          <p:grpSpPr>
+            <a:xfrm rot="-5400000">
+              <a:off x="711403" y="-711403"/>
+              <a:ext cx="1109286" cy="2532091"/>
+              <a:chOff x="0" y="0"/>
+              <a:chExt cx="233609" cy="533243"/>
+            </a:xfrm>
+          </p:grpSpPr>
+          <p:sp>
+            <p:nvSpPr>
+              <p:cNvPr name="Freeform 7" id="7"/>
+              <p:cNvSpPr/>
+              <p:nvPr/>
+            </p:nvSpPr>
+            <p:spPr>
+              <a:xfrm flipH="false" flipV="false" rot="0">
+                <a:off x="0" y="0"/>
+                <a:ext cx="233609" cy="533243"/>
+              </a:xfrm>
+              <a:custGeom>
+                <a:avLst/>
+                <a:gdLst/>
+                <a:ahLst/>
+                <a:cxnLst/>
+                <a:rect r="r" b="b" t="t" l="l"/>
+                <a:pathLst>
+                  <a:path h="533243" w="233609">
+                    <a:moveTo>
+                      <a:pt x="116804" y="0"/>
+                    </a:moveTo>
+                    <a:lnTo>
+                      <a:pt x="116804" y="0"/>
+                    </a:lnTo>
+                    <a:cubicBezTo>
+                      <a:pt x="181314" y="0"/>
+                      <a:pt x="233609" y="52295"/>
+                      <a:pt x="233609" y="116804"/>
+                    </a:cubicBezTo>
+                    <a:lnTo>
+                      <a:pt x="233609" y="416438"/>
+                    </a:lnTo>
+                    <a:cubicBezTo>
+                      <a:pt x="233609" y="480948"/>
+                      <a:pt x="181314" y="533243"/>
+                      <a:pt x="116804" y="533243"/>
+                    </a:cubicBezTo>
+                    <a:lnTo>
+                      <a:pt x="116804" y="533243"/>
+                    </a:lnTo>
+                    <a:cubicBezTo>
+                      <a:pt x="52295" y="533243"/>
+                      <a:pt x="0" y="480948"/>
+                      <a:pt x="0" y="416438"/>
+                    </a:cubicBezTo>
+                    <a:lnTo>
+                      <a:pt x="0" y="116804"/>
+                    </a:lnTo>
+                    <a:cubicBezTo>
+                      <a:pt x="0" y="52295"/>
+                      <a:pt x="52295" y="0"/>
+                      <a:pt x="116804" y="0"/>
+                    </a:cubicBezTo>
+                    <a:close/>
+                  </a:path>
+                </a:pathLst>
+              </a:custGeom>
+              <a:solidFill>
+                <a:srgbClr val="F7B9A1"/>
+              </a:solidFill>
+              <a:ln cap="rnd">
+                <a:noFill/>
+                <a:prstDash val="solid"/>
+                <a:round/>
+              </a:ln>
+            </p:spPr>
+          </p:sp>
+          <p:sp>
+            <p:nvSpPr>
+              <p:cNvPr name="TextBox 8" id="8"/>
+              <p:cNvSpPr txBox="true"/>
+              <p:nvPr/>
+            </p:nvSpPr>
+            <p:spPr>
+              <a:xfrm>
+                <a:off x="0" y="-38100"/>
+                <a:ext cx="233609" cy="571343"/>
+              </a:xfrm>
+              <a:prstGeom prst="rect">
+                <a:avLst/>
+              </a:prstGeom>
+            </p:spPr>
+            <p:txBody>
+              <a:bodyPr anchor="ctr" rtlCol="false" tIns="50800" lIns="50800" bIns="50800" rIns="50800"/>
+              <a:lstStyle/>
+              <a:p>
+                <a:pPr algn="ctr">
+                  <a:lnSpc>
+                    <a:spcPts val="2659"/>
+                  </a:lnSpc>
+                </a:pPr>
+              </a:p>
+            </p:txBody>
+          </p:sp>
+        </p:grpSp>
+        <p:sp>
+          <p:nvSpPr>
+            <p:cNvPr name="TextBox 9" id="9"/>
+            <p:cNvSpPr txBox="true"/>
+            <p:nvPr/>
+          </p:nvSpPr>
+          <p:spPr>
+            <a:xfrm rot="0">
+              <a:off x="368840" y="177372"/>
+              <a:ext cx="1794411" cy="931913"/>
+            </a:xfrm>
+            <a:prstGeom prst="rect">
+              <a:avLst/>
+            </a:prstGeom>
+          </p:spPr>
+          <p:txBody>
+            <a:bodyPr anchor="t" rtlCol="false" tIns="0" lIns="0" bIns="0" rIns="0">
+              <a:spAutoFit/>
+            </a:bodyPr>
+            <a:lstStyle/>
+            <a:p>
+              <a:pPr algn="ctr">
+                <a:lnSpc>
+                  <a:spcPts val="4555"/>
+                </a:lnSpc>
+              </a:pPr>
+              <a:r>
+                <a:rPr lang="en-US" sz="4257">
+                  <a:solidFill>
+                    <a:srgbClr val="291B25"/>
+                  </a:solidFill>
+                  <a:latin typeface="Agrandir"/>
+                  <a:ea typeface="Agrandir"/>
+                  <a:cs typeface="Agrandir"/>
+                  <a:sym typeface="Agrandir"/>
+                </a:rPr>
+                <a:t>04</a:t>
+              </a:r>
+            </a:p>
+          </p:txBody>
+        </p:sp>
+      </p:grpSp>
+    </p:spTree>
+  </p:cSld>
+  <p:clrMapOvr>
+    <a:masterClrMapping/>
+  </p:clrMapOvr>
+</p:sld>
+</file>
+
+<file path=ppt/slides/slide5.xml><?xml version="1.0" encoding="utf-8"?>
+<p:sld xmlns:p="http://schemas.openxmlformats.org/presentationml/2006/main" xmlns:a="http://schemas.openxmlformats.org/drawingml/2006/main" xmlns:r="http://schemas.openxmlformats.org/officeDocument/2006/relationships">
+  <p:cSld>
+    <p:bg>
+      <p:bgPr>
+        <a:solidFill>
+          <a:srgbClr val="F6F6E9"/>
+        </a:solidFill>
+      </p:bgPr>
+    </p:bg>
+    <p:spTree>
+      <p:nvGrpSpPr>
+        <p:cNvPr id="1" name=""/>
+        <p:cNvGrpSpPr/>
+        <p:nvPr/>
+      </p:nvGrpSpPr>
+      <p:grpSpPr>
+        <a:xfrm>
+          <a:off x="0" y="0"/>
+          <a:ext cx="0" cy="0"/>
+          <a:chOff x="0" y="0"/>
+          <a:chExt cx="0" cy="0"/>
+        </a:xfrm>
+      </p:grpSpPr>
+      <p:sp>
+        <p:nvSpPr>
+          <p:cNvPr name="Freeform 2" id="2"/>
+          <p:cNvSpPr/>
+          <p:nvPr/>
+        </p:nvSpPr>
+        <p:spPr>
+          <a:xfrm flipH="false" flipV="false" rot="0">
+            <a:off x="1695787" y="1952397"/>
+            <a:ext cx="15356968" cy="7548340"/>
+          </a:xfrm>
+          <a:custGeom>
+            <a:avLst/>
+            <a:gdLst/>
+            <a:ahLst/>
+            <a:cxnLst/>
+            <a:rect r="r" b="b" t="t" l="l"/>
+            <a:pathLst>
+              <a:path h="7548340" w="15356968">
+                <a:moveTo>
+                  <a:pt x="0" y="0"/>
+                </a:moveTo>
+                <a:lnTo>
+                  <a:pt x="15356969" y="0"/>
+                </a:lnTo>
+                <a:lnTo>
+                  <a:pt x="15356969" y="7548341"/>
+                </a:lnTo>
+                <a:lnTo>
+                  <a:pt x="0" y="7548341"/>
+                </a:lnTo>
+                <a:lnTo>
+                  <a:pt x="0" y="0"/>
+                </a:lnTo>
+                <a:close/>
+              </a:path>
+            </a:pathLst>
+          </a:custGeom>
+          <a:blipFill>
+            <a:blip r:embed="rId2"/>
+            <a:stretch>
+              <a:fillRect l="0" t="0" r="0" b="0"/>
+            </a:stretch>
+          </a:blipFill>
+        </p:spPr>
+      </p:sp>
+      <p:sp>
+        <p:nvSpPr>
+          <p:cNvPr name="TextBox 3" id="3"/>
+          <p:cNvSpPr txBox="true"/>
+          <p:nvPr/>
+        </p:nvSpPr>
+        <p:spPr>
+          <a:xfrm rot="0">
+            <a:off x="328391" y="201930"/>
+            <a:ext cx="16015105" cy="1510665"/>
+          </a:xfrm>
+          <a:prstGeom prst="rect">
+            <a:avLst/>
+          </a:prstGeom>
+        </p:spPr>
+        <p:txBody>
+          <a:bodyPr anchor="t" rtlCol="false" tIns="0" lIns="0" bIns="0" rIns="0">
+            <a:spAutoFit/>
+          </a:bodyPr>
+          <a:lstStyle/>
+          <a:p>
+            <a:pPr algn="l">
+              <a:lnSpc>
+                <a:spcPts val="9630"/>
+              </a:lnSpc>
+            </a:pPr>
+            <a:r>
+              <a:rPr lang="en-US" sz="9000">
+                <a:solidFill>
+                  <a:srgbClr val="291B25"/>
+                </a:solidFill>
+                <a:latin typeface="Agrandir"/>
+                <a:ea typeface="Agrandir"/>
+                <a:cs typeface="Agrandir"/>
+                <a:sym typeface="Agrandir"/>
+              </a:rPr>
+              <a:t>Methodology</a:t>
+            </a:r>
+          </a:p>
+        </p:txBody>
+      </p:sp>
+      <p:grpSp>
+        <p:nvGrpSpPr>
+          <p:cNvPr name="Group 4" id="4"/>
+          <p:cNvGrpSpPr/>
+          <p:nvPr/>
+        </p:nvGrpSpPr>
+        <p:grpSpPr>
+          <a:xfrm rot="0">
+            <a:off x="15153688" y="612718"/>
+            <a:ext cx="1899068" cy="831964"/>
+            <a:chOff x="0" y="0"/>
+            <a:chExt cx="2532091" cy="1109286"/>
+          </a:xfrm>
+        </p:grpSpPr>
+        <p:grpSp>
+          <p:nvGrpSpPr>
+            <p:cNvPr name="Group 5" id="5"/>
+            <p:cNvGrpSpPr/>
+            <p:nvPr/>
+          </p:nvGrpSpPr>
+          <p:grpSpPr>
+            <a:xfrm rot="-5400000">
+              <a:off x="711403" y="-711403"/>
+              <a:ext cx="1109286" cy="2532091"/>
+              <a:chOff x="0" y="0"/>
+              <a:chExt cx="233609" cy="533243"/>
+            </a:xfrm>
+          </p:grpSpPr>
+          <p:sp>
+            <p:nvSpPr>
+              <p:cNvPr name="Freeform 6" id="6"/>
+              <p:cNvSpPr/>
+              <p:nvPr/>
+            </p:nvSpPr>
+            <p:spPr>
+              <a:xfrm flipH="false" flipV="false" rot="0">
+                <a:off x="0" y="0"/>
+                <a:ext cx="233609" cy="533243"/>
+              </a:xfrm>
+              <a:custGeom>
+                <a:avLst/>
+                <a:gdLst/>
+                <a:ahLst/>
+                <a:cxnLst/>
+                <a:rect r="r" b="b" t="t" l="l"/>
+                <a:pathLst>
+                  <a:path h="533243" w="233609">
+                    <a:moveTo>
+                      <a:pt x="116804" y="0"/>
+                    </a:moveTo>
+                    <a:lnTo>
+                      <a:pt x="116804" y="0"/>
+                    </a:lnTo>
+                    <a:cubicBezTo>
+                      <a:pt x="181314" y="0"/>
+                      <a:pt x="233609" y="52295"/>
+                      <a:pt x="233609" y="116804"/>
+                    </a:cubicBezTo>
+                    <a:lnTo>
+                      <a:pt x="233609" y="416438"/>
+                    </a:lnTo>
+                    <a:cubicBezTo>
+                      <a:pt x="233609" y="480948"/>
+                      <a:pt x="181314" y="533243"/>
+                      <a:pt x="116804" y="533243"/>
+                    </a:cubicBezTo>
+                    <a:lnTo>
+                      <a:pt x="116804" y="533243"/>
+                    </a:lnTo>
+                    <a:cubicBezTo>
+                      <a:pt x="52295" y="533243"/>
+                      <a:pt x="0" y="480948"/>
+                      <a:pt x="0" y="416438"/>
+                    </a:cubicBezTo>
+                    <a:lnTo>
+                      <a:pt x="0" y="116804"/>
+                    </a:lnTo>
+                    <a:cubicBezTo>
+                      <a:pt x="0" y="52295"/>
+                      <a:pt x="52295" y="0"/>
+                      <a:pt x="116804" y="0"/>
+                    </a:cubicBezTo>
+                    <a:close/>
+                  </a:path>
+                </a:pathLst>
+              </a:custGeom>
+              <a:solidFill>
+                <a:srgbClr val="F7B9A1"/>
+              </a:solidFill>
+              <a:ln cap="rnd">
+                <a:noFill/>
+                <a:prstDash val="solid"/>
+                <a:round/>
+              </a:ln>
+            </p:spPr>
+          </p:sp>
+          <p:sp>
+            <p:nvSpPr>
+              <p:cNvPr name="TextBox 7" id="7"/>
+              <p:cNvSpPr txBox="true"/>
+              <p:nvPr/>
+            </p:nvSpPr>
+            <p:spPr>
+              <a:xfrm>
+                <a:off x="0" y="-38100"/>
+                <a:ext cx="233609" cy="571343"/>
+              </a:xfrm>
+              <a:prstGeom prst="rect">
+                <a:avLst/>
+              </a:prstGeom>
+            </p:spPr>
+            <p:txBody>
+              <a:bodyPr anchor="ctr" rtlCol="false" tIns="50800" lIns="50800" bIns="50800" rIns="50800"/>
+              <a:lstStyle/>
+              <a:p>
+                <a:pPr algn="ctr">
+                  <a:lnSpc>
+                    <a:spcPts val="2659"/>
+                  </a:lnSpc>
+                </a:pPr>
+              </a:p>
+            </p:txBody>
+          </p:sp>
+        </p:grpSp>
+        <p:sp>
+          <p:nvSpPr>
+            <p:cNvPr name="TextBox 8" id="8"/>
+            <p:cNvSpPr txBox="true"/>
+            <p:nvPr/>
+          </p:nvSpPr>
+          <p:spPr>
+            <a:xfrm rot="0">
+              <a:off x="368840" y="177372"/>
+              <a:ext cx="1794411" cy="931913"/>
+            </a:xfrm>
+            <a:prstGeom prst="rect">
+              <a:avLst/>
+            </a:prstGeom>
+          </p:spPr>
+          <p:txBody>
+            <a:bodyPr anchor="t" rtlCol="false" tIns="0" lIns="0" bIns="0" rIns="0">
+              <a:spAutoFit/>
+            </a:bodyPr>
+            <a:lstStyle/>
+            <a:p>
+              <a:pPr algn="ctr">
+                <a:lnSpc>
+                  <a:spcPts val="4555"/>
+                </a:lnSpc>
+              </a:pPr>
+              <a:r>
+                <a:rPr lang="en-US" sz="4257">
+                  <a:solidFill>
+                    <a:srgbClr val="291B25"/>
+                  </a:solidFill>
+                  <a:latin typeface="Agrandir"/>
+                  <a:ea typeface="Agrandir"/>
+                  <a:cs typeface="Agrandir"/>
+                  <a:sym typeface="Agrandir"/>
+                </a:rPr>
+                <a:t>05</a:t>
+              </a:r>
+            </a:p>
+          </p:txBody>
+        </p:sp>
+      </p:grpSp>
+    </p:spTree>
+  </p:cSld>
+  <p:clrMapOvr>
+    <a:masterClrMapping/>
+  </p:clrMapOvr>
+</p:sld>
+</file>
+
+<file path=ppt/slides/slide6.xml><?xml version="1.0" encoding="utf-8"?>
+<p:sld xmlns:p="http://schemas.openxmlformats.org/presentationml/2006/main" xmlns:a="http://schemas.openxmlformats.org/drawingml/2006/main" xmlns:r="http://schemas.openxmlformats.org/officeDocument/2006/relationships">
+  <p:cSld>
+    <p:bg>
+      <p:bgPr>
+        <a:solidFill>
+          <a:srgbClr val="F6F6E9"/>
+        </a:solidFill>
+      </p:bgPr>
+    </p:bg>
+    <p:spTree>
+      <p:nvGrpSpPr>
+        <p:cNvPr id="1" name=""/>
+        <p:cNvGrpSpPr/>
+        <p:nvPr/>
+      </p:nvGrpSpPr>
+      <p:grpSpPr>
+        <a:xfrm>
+          <a:off x="0" y="0"/>
+          <a:ext cx="0" cy="0"/>
+          <a:chOff x="0" y="0"/>
+          <a:chExt cx="0" cy="0"/>
+        </a:xfrm>
+      </p:grpSpPr>
+      <p:sp>
+        <p:nvSpPr>
+          <p:cNvPr name="TextBox 2" id="2"/>
+          <p:cNvSpPr txBox="true"/>
+          <p:nvPr/>
+        </p:nvSpPr>
+        <p:spPr>
+          <a:xfrm rot="0">
+            <a:off x="632365" y="1569720"/>
+            <a:ext cx="7768924" cy="8491855"/>
+          </a:xfrm>
+          <a:prstGeom prst="rect">
+            <a:avLst/>
+          </a:prstGeom>
+        </p:spPr>
+        <p:txBody>
+          <a:bodyPr anchor="t" rtlCol="false" tIns="0" lIns="0" bIns="0" rIns="0">
+            <a:spAutoFit/>
+          </a:bodyPr>
+          <a:lstStyle/>
+          <a:p>
+            <a:pPr algn="l">
+              <a:lnSpc>
+                <a:spcPts val="3919"/>
+              </a:lnSpc>
+            </a:pPr>
+            <a:r>
+              <a:rPr lang="en-US" sz="2799">
+                <a:solidFill>
+                  <a:srgbClr val="291B25"/>
+                </a:solidFill>
+                <a:latin typeface="Agrandir"/>
+                <a:ea typeface="Agrandir"/>
+                <a:cs typeface="Agrandir"/>
+                <a:sym typeface="Agrandir"/>
+              </a:rPr>
+              <a:t>PII can be classified into two types:</a:t>
+            </a:r>
+          </a:p>
+          <a:p>
+            <a:pPr algn="l">
+              <a:lnSpc>
+                <a:spcPts val="3919"/>
+              </a:lnSpc>
+            </a:pPr>
+          </a:p>
+          <a:p>
+            <a:pPr algn="l">
+              <a:lnSpc>
+                <a:spcPts val="3919"/>
+              </a:lnSpc>
+            </a:pPr>
+            <a:r>
+              <a:rPr lang="en-US" sz="2799" b="true">
+                <a:solidFill>
+                  <a:srgbClr val="291B25"/>
+                </a:solidFill>
+                <a:latin typeface="Agrandir Bold"/>
+                <a:ea typeface="Agrandir Bold"/>
+                <a:cs typeface="Agrandir Bold"/>
+                <a:sym typeface="Agrandir Bold"/>
+              </a:rPr>
+              <a:t>Structured PII</a:t>
+            </a:r>
+            <a:r>
+              <a:rPr lang="en-US" sz="2799">
+                <a:solidFill>
+                  <a:srgbClr val="291B25"/>
+                </a:solidFill>
+                <a:latin typeface="Agrandir"/>
+                <a:ea typeface="Agrandir"/>
+                <a:cs typeface="Agrandir"/>
+                <a:sym typeface="Agrandir"/>
+              </a:rPr>
+              <a:t>: Follows a specific format, such as an Aadhar number (XXXX XXXX XXXX). </a:t>
+            </a:r>
+            <a:r>
+              <a:rPr lang="en-US" sz="2799" b="true">
+                <a:solidFill>
+                  <a:srgbClr val="291B25"/>
+                </a:solidFill>
+                <a:latin typeface="Agrandir Bold"/>
+                <a:ea typeface="Agrandir Bold"/>
+                <a:cs typeface="Agrandir Bold"/>
+                <a:sym typeface="Agrandir Bold"/>
+              </a:rPr>
+              <a:t>REGEX</a:t>
+            </a:r>
+            <a:r>
+              <a:rPr lang="en-US" sz="2799">
+                <a:solidFill>
+                  <a:srgbClr val="291B25"/>
+                </a:solidFill>
+                <a:latin typeface="Agrandir"/>
+                <a:ea typeface="Agrandir"/>
+                <a:cs typeface="Agrandir"/>
+                <a:sym typeface="Agrandir"/>
+              </a:rPr>
+              <a:t> is used to detect these structured patterns, like email addresses, IP addresses, and credit card numbers.</a:t>
+            </a:r>
+          </a:p>
+          <a:p>
+            <a:pPr algn="l">
+              <a:lnSpc>
+                <a:spcPts val="3919"/>
+              </a:lnSpc>
+            </a:pPr>
+          </a:p>
+          <a:p>
+            <a:pPr algn="l">
+              <a:lnSpc>
+                <a:spcPts val="3919"/>
+              </a:lnSpc>
+            </a:pPr>
+            <a:r>
+              <a:rPr lang="en-US" sz="2799" b="true">
+                <a:solidFill>
+                  <a:srgbClr val="291B25"/>
+                </a:solidFill>
+                <a:latin typeface="Agrandir Bold"/>
+                <a:ea typeface="Agrandir Bold"/>
+                <a:cs typeface="Agrandir Bold"/>
+                <a:sym typeface="Agrandir Bold"/>
+              </a:rPr>
+              <a:t>Unstructured PII</a:t>
+            </a:r>
+            <a:r>
+              <a:rPr lang="en-US" sz="2799">
+                <a:solidFill>
+                  <a:srgbClr val="291B25"/>
+                </a:solidFill>
+                <a:latin typeface="Agrandir"/>
+                <a:ea typeface="Agrandir"/>
+                <a:cs typeface="Agrandir"/>
+                <a:sym typeface="Agrandir"/>
+              </a:rPr>
+              <a:t>: Does not follow a fixed pattern, like city names (Mumbai, New York). </a:t>
+            </a:r>
+            <a:r>
+              <a:rPr lang="en-US" sz="2799" b="true">
+                <a:solidFill>
+                  <a:srgbClr val="291B25"/>
+                </a:solidFill>
+                <a:latin typeface="Agrandir Bold"/>
+                <a:ea typeface="Agrandir Bold"/>
+                <a:cs typeface="Agrandir Bold"/>
+                <a:sym typeface="Agrandir Bold"/>
+              </a:rPr>
+              <a:t>Name Entity Recognition</a:t>
+            </a:r>
+            <a:r>
+              <a:rPr lang="en-US" sz="2799">
+                <a:solidFill>
+                  <a:srgbClr val="291B25"/>
+                </a:solidFill>
+                <a:latin typeface="Agrandir"/>
+                <a:ea typeface="Agrandir"/>
+                <a:cs typeface="Agrandir"/>
+                <a:sym typeface="Agrandir"/>
+              </a:rPr>
+              <a:t> is used to identify these unstructured PIIs by recognizing entities like personal names, locations, and organizations.</a:t>
+            </a:r>
+          </a:p>
+          <a:p>
+            <a:pPr algn="l">
+              <a:lnSpc>
+                <a:spcPts val="3919"/>
+              </a:lnSpc>
+            </a:pPr>
+          </a:p>
+          <a:p>
+            <a:pPr algn="l">
+              <a:lnSpc>
+                <a:spcPts val="3919"/>
+              </a:lnSpc>
+              <a:spcBef>
+                <a:spcPct val="0"/>
+              </a:spcBef>
+            </a:pPr>
+            <a:r>
+              <a:rPr lang="en-US" sz="2799">
+                <a:solidFill>
+                  <a:srgbClr val="291B25"/>
+                </a:solidFill>
+                <a:latin typeface="Agrandir"/>
+                <a:ea typeface="Agrandir"/>
+                <a:cs typeface="Agrandir"/>
+                <a:sym typeface="Agrandir"/>
+              </a:rPr>
+              <a:t>For CSV files, we also check column names to detect potential PII.</a:t>
+            </a:r>
+          </a:p>
+        </p:txBody>
+      </p:sp>
+      <p:sp>
+        <p:nvSpPr>
+          <p:cNvPr name="Freeform 3" id="3"/>
+          <p:cNvSpPr/>
+          <p:nvPr/>
+        </p:nvSpPr>
+        <p:spPr>
+          <a:xfrm flipH="false" flipV="false" rot="0">
+            <a:off x="8996338" y="3036026"/>
+            <a:ext cx="8881442" cy="4214948"/>
+          </a:xfrm>
+          <a:custGeom>
+            <a:avLst/>
+            <a:gdLst/>
+            <a:ahLst/>
+            <a:cxnLst/>
+            <a:rect r="r" b="b" t="t" l="l"/>
+            <a:pathLst>
+              <a:path h="4214948" w="8881442">
+                <a:moveTo>
+                  <a:pt x="0" y="0"/>
+                </a:moveTo>
+                <a:lnTo>
+                  <a:pt x="8881441" y="0"/>
+                </a:lnTo>
+                <a:lnTo>
+                  <a:pt x="8881441" y="4214948"/>
+                </a:lnTo>
+                <a:lnTo>
+                  <a:pt x="0" y="4214948"/>
+                </a:lnTo>
+                <a:lnTo>
+                  <a:pt x="0" y="0"/>
+                </a:lnTo>
+                <a:close/>
+              </a:path>
+            </a:pathLst>
+          </a:custGeom>
+          <a:blipFill>
+            <a:blip r:embed="rId2"/>
+            <a:stretch>
+              <a:fillRect l="-2678" t="-2480" r="-1902" b="-2480"/>
+            </a:stretch>
+          </a:blipFill>
+        </p:spPr>
+      </p:sp>
+      <p:grpSp>
+        <p:nvGrpSpPr>
+          <p:cNvPr name="Group 4" id="4"/>
+          <p:cNvGrpSpPr/>
+          <p:nvPr/>
+        </p:nvGrpSpPr>
+        <p:grpSpPr>
+          <a:xfrm rot="0">
+            <a:off x="15360232" y="8961755"/>
+            <a:ext cx="1899068" cy="831964"/>
+            <a:chOff x="0" y="0"/>
+            <a:chExt cx="2532091" cy="1109286"/>
+          </a:xfrm>
+        </p:grpSpPr>
+        <p:grpSp>
+          <p:nvGrpSpPr>
+            <p:cNvPr name="Group 5" id="5"/>
+            <p:cNvGrpSpPr/>
+            <p:nvPr/>
+          </p:nvGrpSpPr>
+          <p:grpSpPr>
+            <a:xfrm rot="-5400000">
+              <a:off x="711403" y="-711403"/>
+              <a:ext cx="1109286" cy="2532091"/>
+              <a:chOff x="0" y="0"/>
+              <a:chExt cx="233609" cy="533243"/>
+            </a:xfrm>
+          </p:grpSpPr>
+          <p:sp>
+            <p:nvSpPr>
+              <p:cNvPr name="Freeform 6" id="6"/>
+              <p:cNvSpPr/>
+              <p:nvPr/>
+            </p:nvSpPr>
+            <p:spPr>
+              <a:xfrm flipH="false" flipV="false" rot="0">
+                <a:off x="0" y="0"/>
+                <a:ext cx="233609" cy="533243"/>
+              </a:xfrm>
+              <a:custGeom>
+                <a:avLst/>
+                <a:gdLst/>
+                <a:ahLst/>
+                <a:cxnLst/>
+                <a:rect r="r" b="b" t="t" l="l"/>
+                <a:pathLst>
+                  <a:path h="533243" w="233609">
+                    <a:moveTo>
+                      <a:pt x="116804" y="0"/>
+                    </a:moveTo>
+                    <a:lnTo>
+                      <a:pt x="116804" y="0"/>
+                    </a:lnTo>
+                    <a:cubicBezTo>
+                      <a:pt x="181314" y="0"/>
+                      <a:pt x="233609" y="52295"/>
+                      <a:pt x="233609" y="116804"/>
+                    </a:cubicBezTo>
+                    <a:lnTo>
+                      <a:pt x="233609" y="416438"/>
+                    </a:lnTo>
+                    <a:cubicBezTo>
+                      <a:pt x="233609" y="480948"/>
+                      <a:pt x="181314" y="533243"/>
+                      <a:pt x="116804" y="533243"/>
+                    </a:cubicBezTo>
+                    <a:lnTo>
+                      <a:pt x="116804" y="533243"/>
+                    </a:lnTo>
+                    <a:cubicBezTo>
+                      <a:pt x="52295" y="533243"/>
+                      <a:pt x="0" y="480948"/>
+                      <a:pt x="0" y="416438"/>
+                    </a:cubicBezTo>
+                    <a:lnTo>
+                      <a:pt x="0" y="116804"/>
+                    </a:lnTo>
+                    <a:cubicBezTo>
+                      <a:pt x="0" y="52295"/>
+                      <a:pt x="52295" y="0"/>
+                      <a:pt x="116804" y="0"/>
+                    </a:cubicBezTo>
+                    <a:close/>
+                  </a:path>
+                </a:pathLst>
+              </a:custGeom>
+              <a:solidFill>
+                <a:srgbClr val="F7B9A1"/>
+              </a:solidFill>
+              <a:ln cap="rnd">
+                <a:noFill/>
+                <a:prstDash val="solid"/>
+                <a:round/>
+              </a:ln>
+            </p:spPr>
+          </p:sp>
+          <p:sp>
+            <p:nvSpPr>
+              <p:cNvPr name="TextBox 7" id="7"/>
+              <p:cNvSpPr txBox="true"/>
+              <p:nvPr/>
+            </p:nvSpPr>
+            <p:spPr>
+              <a:xfrm>
+                <a:off x="0" y="-38100"/>
+                <a:ext cx="233609" cy="571343"/>
+              </a:xfrm>
+              <a:prstGeom prst="rect">
+                <a:avLst/>
+              </a:prstGeom>
+            </p:spPr>
+            <p:txBody>
+              <a:bodyPr anchor="ctr" rtlCol="false" tIns="50800" lIns="50800" bIns="50800" rIns="50800"/>
+              <a:lstStyle/>
+              <a:p>
+                <a:pPr algn="ctr">
+                  <a:lnSpc>
+                    <a:spcPts val="2659"/>
+                  </a:lnSpc>
+                </a:pPr>
+              </a:p>
+            </p:txBody>
+          </p:sp>
+        </p:grpSp>
+        <p:sp>
+          <p:nvSpPr>
+            <p:cNvPr name="TextBox 8" id="8"/>
+            <p:cNvSpPr txBox="true"/>
+            <p:nvPr/>
+          </p:nvSpPr>
+          <p:spPr>
+            <a:xfrm rot="0">
+              <a:off x="343440" y="177372"/>
+              <a:ext cx="1794411" cy="931913"/>
+            </a:xfrm>
+            <a:prstGeom prst="rect">
+              <a:avLst/>
+            </a:prstGeom>
+          </p:spPr>
+          <p:txBody>
+            <a:bodyPr anchor="t" rtlCol="false" tIns="0" lIns="0" bIns="0" rIns="0">
+              <a:spAutoFit/>
+            </a:bodyPr>
+            <a:lstStyle/>
+            <a:p>
+              <a:pPr algn="ctr">
+                <a:lnSpc>
+                  <a:spcPts val="4555"/>
+                </a:lnSpc>
+              </a:pPr>
+              <a:r>
+                <a:rPr lang="en-US" sz="4257">
+                  <a:solidFill>
+                    <a:srgbClr val="291B25"/>
+                  </a:solidFill>
+                  <a:latin typeface="Agrandir"/>
+                  <a:ea typeface="Agrandir"/>
+                  <a:cs typeface="Agrandir"/>
+                  <a:sym typeface="Agrandir"/>
+                </a:rPr>
+                <a:t>06</a:t>
+              </a:r>
+            </a:p>
+          </p:txBody>
+        </p:sp>
+      </p:grpSp>
+      <p:sp>
+        <p:nvSpPr>
+          <p:cNvPr name="TextBox 9" id="9"/>
+          <p:cNvSpPr txBox="true"/>
+          <p:nvPr/>
+        </p:nvSpPr>
+        <p:spPr>
+          <a:xfrm rot="0">
+            <a:off x="632365" y="29657"/>
+            <a:ext cx="16015105" cy="1510665"/>
+          </a:xfrm>
+          <a:prstGeom prst="rect">
+            <a:avLst/>
+          </a:prstGeom>
+        </p:spPr>
+        <p:txBody>
+          <a:bodyPr anchor="t" rtlCol="false" tIns="0" lIns="0" bIns="0" rIns="0">
+            <a:spAutoFit/>
+          </a:bodyPr>
+          <a:lstStyle/>
+          <a:p>
+            <a:pPr algn="l">
+              <a:lnSpc>
+                <a:spcPts val="9630"/>
+              </a:lnSpc>
+            </a:pPr>
+            <a:r>
+              <a:rPr lang="en-US" sz="9000">
+                <a:solidFill>
+                  <a:srgbClr val="291B25"/>
+                </a:solidFill>
+                <a:latin typeface="Agrandir"/>
+                <a:ea typeface="Agrandir"/>
+                <a:cs typeface="Agrandir"/>
+                <a:sym typeface="Agrandir"/>
+              </a:rPr>
+              <a:t>Methodology</a:t>
+            </a:r>
+          </a:p>
+        </p:txBody>
+      </p:sp>
+    </p:spTree>
+  </p:cSld>
+  <p:clrMapOvr>
+    <a:masterClrMapping/>
+  </p:clrMapOvr>
+</p:sld>
+</file>
+
+<file path=ppt/slides/slide7.xml><?xml version="1.0" encoding="utf-8"?>
+<p:sld xmlns:p="http://schemas.openxmlformats.org/presentationml/2006/main" xmlns:a="http://schemas.openxmlformats.org/drawingml/2006/main" xmlns:r="http://schemas.openxmlformats.org/officeDocument/2006/relationships">
+  <p:cSld>
+    <p:bg>
+      <p:bgPr>
+        <a:solidFill>
+          <a:srgbClr val="F6F6E9"/>
+        </a:solidFill>
+      </p:bgPr>
+    </p:bg>
+    <p:spTree>
+      <p:nvGrpSpPr>
+        <p:cNvPr id="1" name=""/>
+        <p:cNvGrpSpPr/>
+        <p:nvPr/>
+      </p:nvGrpSpPr>
+      <p:grpSpPr>
+        <a:xfrm>
+          <a:off x="0" y="0"/>
+          <a:ext cx="0" cy="0"/>
+          <a:chOff x="0" y="0"/>
+          <a:chExt cx="0" cy="0"/>
+        </a:xfrm>
+      </p:grpSpPr>
+      <p:grpSp>
+        <p:nvGrpSpPr>
+          <p:cNvPr name="Group 2" id="2"/>
+          <p:cNvGrpSpPr/>
+          <p:nvPr/>
+        </p:nvGrpSpPr>
+        <p:grpSpPr>
+          <a:xfrm rot="-5400000">
+            <a:off x="859955" y="8622783"/>
             <a:ext cx="831964" cy="1899068"/>
             <a:chOff x="0" y="0"/>
             <a:chExt cx="233609" cy="533243"/>
@@ -4519,12 +7549,12 @@
         </p:grpSpPr>
         <p:sp>
           <p:nvSpPr>
-            <p:cNvPr id="8" name="Freeform 8"/>
+            <p:cNvPr name="Freeform 3" id="3"/>
             <p:cNvSpPr/>
             <p:nvPr/>
           </p:nvSpPr>
           <p:spPr>
-            <a:xfrm>
+            <a:xfrm flipH="false" flipV="false" rot="0">
               <a:off x="0" y="0"/>
               <a:ext cx="233609" cy="533243"/>
             </a:xfrm>
@@ -4533,9 +7563,9 @@
               <a:gdLst/>
               <a:ahLst/>
               <a:cxnLst/>
-              <a:rect l="l" t="t" r="r" b="b"/>
+              <a:rect r="r" b="b" t="t" l="l"/>
               <a:pathLst>
-                <a:path w="233609" h="533243">
+                <a:path h="533243" w="233609">
                   <a:moveTo>
                     <a:pt x="116804" y="0"/>
                   </a:moveTo>
@@ -4587,8 +7617,8 @@
         </p:sp>
         <p:sp>
           <p:nvSpPr>
-            <p:cNvPr id="9" name="TextBox 9"/>
-            <p:cNvSpPr txBox="1"/>
+            <p:cNvPr name="TextBox 4" id="4"/>
+            <p:cNvSpPr txBox="true"/>
             <p:nvPr/>
           </p:nvSpPr>
           <p:spPr>
@@ -4601,7 +7631,7 @@
             </a:prstGeom>
           </p:spPr>
           <p:txBody>
-            <a:bodyPr lIns="50800" tIns="50800" rIns="50800" bIns="50800" rtlCol="0" anchor="ctr"/>
+            <a:bodyPr anchor="ctr" rtlCol="false" tIns="50800" lIns="50800" bIns="50800" rIns="50800"/>
             <a:lstStyle/>
             <a:p>
               <a:pPr algn="ctr">
@@ -4609,41 +7639,40 @@
                   <a:spcPts val="2659"/>
                 </a:lnSpc>
               </a:pPr>
-              <a:endParaRPr/>
             </a:p>
           </p:txBody>
         </p:sp>
       </p:grpSp>
       <p:sp>
         <p:nvSpPr>
-          <p:cNvPr id="10" name="Freeform 10"/>
+          <p:cNvPr name="Freeform 5" id="5"/>
           <p:cNvSpPr/>
           <p:nvPr/>
         </p:nvSpPr>
         <p:spPr>
-          <a:xfrm>
-            <a:off x="8246404" y="1706574"/>
-            <a:ext cx="9777383" cy="6031711"/>
+          <a:xfrm flipH="false" flipV="false" rot="0">
+            <a:off x="6986741" y="1747520"/>
+            <a:ext cx="11148481" cy="3763050"/>
           </a:xfrm>
           <a:custGeom>
             <a:avLst/>
             <a:gdLst/>
             <a:ahLst/>
             <a:cxnLst/>
-            <a:rect l="l" t="t" r="r" b="b"/>
+            <a:rect r="r" b="b" t="t" l="l"/>
             <a:pathLst>
-              <a:path w="9777383" h="6031711">
+              <a:path h="3763050" w="11148481">
                 <a:moveTo>
                   <a:pt x="0" y="0"/>
                 </a:moveTo>
                 <a:lnTo>
-                  <a:pt x="9777383" y="0"/>
+                  <a:pt x="11148481" y="0"/>
                 </a:lnTo>
                 <a:lnTo>
-                  <a:pt x="9777383" y="6031712"/>
+                  <a:pt x="11148481" y="3763050"/>
                 </a:lnTo>
                 <a:lnTo>
-                  <a:pt x="0" y="6031712"/>
+                  <a:pt x="0" y="3763050"/>
                 </a:lnTo>
                 <a:lnTo>
                   <a:pt x="0" y="0"/>
@@ -4653,41 +7682,87 @@
             </a:pathLst>
           </a:custGeom>
           <a:blipFill>
-            <a:blip r:embed="rId4"/>
+            <a:blip r:embed="rId2"/>
             <a:stretch>
-              <a:fillRect/>
+              <a:fillRect l="0" t="-25261" r="-1370" b="-34284"/>
             </a:stretch>
           </a:blipFill>
         </p:spPr>
       </p:sp>
       <p:sp>
         <p:nvSpPr>
-          <p:cNvPr id="11" name="TextBox 11"/>
-          <p:cNvSpPr txBox="1"/>
+          <p:cNvPr name="Freeform 6" id="6"/>
+          <p:cNvSpPr/>
           <p:nvPr/>
         </p:nvSpPr>
         <p:spPr>
-          <a:xfrm>
-            <a:off x="279171" y="1582749"/>
-            <a:ext cx="7660258" cy="8287385"/>
+          <a:xfrm flipH="false" flipV="false" rot="0">
+            <a:off x="6986741" y="5510570"/>
+            <a:ext cx="11148481" cy="3341681"/>
+          </a:xfrm>
+          <a:custGeom>
+            <a:avLst/>
+            <a:gdLst/>
+            <a:ahLst/>
+            <a:cxnLst/>
+            <a:rect r="r" b="b" t="t" l="l"/>
+            <a:pathLst>
+              <a:path h="3341681" w="11148481">
+                <a:moveTo>
+                  <a:pt x="0" y="0"/>
+                </a:moveTo>
+                <a:lnTo>
+                  <a:pt x="11148481" y="0"/>
+                </a:lnTo>
+                <a:lnTo>
+                  <a:pt x="11148481" y="3341682"/>
+                </a:lnTo>
+                <a:lnTo>
+                  <a:pt x="0" y="3341682"/>
+                </a:lnTo>
+                <a:lnTo>
+                  <a:pt x="0" y="0"/>
+                </a:lnTo>
+                <a:close/>
+              </a:path>
+            </a:pathLst>
+          </a:custGeom>
+          <a:blipFill>
+            <a:blip r:embed="rId3"/>
+            <a:stretch>
+              <a:fillRect l="0" t="-61974" r="-1370" b="-17689"/>
+            </a:stretch>
+          </a:blipFill>
+        </p:spPr>
+      </p:sp>
+      <p:sp>
+        <p:nvSpPr>
+          <p:cNvPr name="TextBox 7" id="7"/>
+          <p:cNvSpPr txBox="true"/>
+          <p:nvPr/>
+        </p:nvSpPr>
+        <p:spPr>
+          <a:xfrm rot="0">
+            <a:off x="467230" y="1490345"/>
+            <a:ext cx="6196980" cy="7501255"/>
           </a:xfrm>
           <a:prstGeom prst="rect">
             <a:avLst/>
           </a:prstGeom>
         </p:spPr>
         <p:txBody>
-          <a:bodyPr lIns="0" tIns="0" rIns="0" bIns="0" rtlCol="0" anchor="t">
+          <a:bodyPr anchor="t" rtlCol="false" tIns="0" lIns="0" bIns="0" rIns="0">
             <a:spAutoFit/>
           </a:bodyPr>
           <a:lstStyle/>
           <a:p>
             <a:pPr algn="l">
               <a:lnSpc>
-                <a:spcPts val="3640"/>
+                <a:spcPts val="3919"/>
               </a:lnSpc>
             </a:pPr>
             <a:r>
-              <a:rPr lang="en-US" sz="2600">
+              <a:rPr lang="en-US" sz="2799">
                 <a:solidFill>
                   <a:srgbClr val="291B25"/>
                 </a:solidFill>
@@ -4696,33 +7771,18 @@
                 <a:cs typeface="Agrandir"/>
                 <a:sym typeface="Agrandir"/>
               </a:rPr>
-              <a:t>The tool supports various file types, including unstructured files (such as .txt, .log, .jpg, .pdf) and structured files (such as .csv).</a:t>
-            </a:r>
-          </a:p>
-          <a:p>
-            <a:pPr algn="l">
+              <a:t>We offer the following analytics and results to user based on PII Detected:</a:t>
+            </a:r>
+          </a:p>
+          <a:p>
+            <a:pPr algn="l" marL="604518" indent="-302259" lvl="1">
               <a:lnSpc>
-                <a:spcPts val="3640"/>
+                <a:spcPts val="3919"/>
               </a:lnSpc>
+              <a:buAutoNum type="arabicPeriod" startAt="1"/>
             </a:pPr>
-            <a:endParaRPr lang="en-US" sz="2600">
-              <a:solidFill>
-                <a:srgbClr val="291B25"/>
-              </a:solidFill>
-              <a:latin typeface="Agrandir"/>
-              <a:ea typeface="Agrandir"/>
-              <a:cs typeface="Agrandir"/>
-              <a:sym typeface="Agrandir"/>
-            </a:endParaRPr>
-          </a:p>
-          <a:p>
-            <a:pPr algn="l">
-              <a:lnSpc>
-                <a:spcPts val="3640"/>
-              </a:lnSpc>
-            </a:pPr>
-            <a:r>
-              <a:rPr lang="en-US" sz="2600">
+            <a:r>
+              <a:rPr lang="en-US" sz="2799">
                 <a:solidFill>
                   <a:srgbClr val="291B25"/>
                 </a:solidFill>
@@ -4731,17 +7791,18 @@
                 <a:cs typeface="Agrandir"/>
                 <a:sym typeface="Agrandir"/>
               </a:rPr>
-              <a:t>For all the files, we convert them to string format and/or image format (using OCR) and then perform following:</a:t>
-            </a:r>
-          </a:p>
-          <a:p>
-            <a:pPr algn="l">
+              <a:t>Total Risks</a:t>
+            </a:r>
+          </a:p>
+          <a:p>
+            <a:pPr algn="l" marL="604518" indent="-302259" lvl="1">
               <a:lnSpc>
-                <a:spcPts val="3640"/>
+                <a:spcPts val="3919"/>
               </a:lnSpc>
+              <a:buAutoNum type="arabicPeriod" startAt="1"/>
             </a:pPr>
             <a:r>
-              <a:rPr lang="en-US" sz="2600">
+              <a:rPr lang="en-US" sz="2799">
                 <a:solidFill>
                   <a:srgbClr val="291B25"/>
                 </a:solidFill>
@@ -4750,22 +7811,18 @@
                 <a:cs typeface="Agrandir"/>
                 <a:sym typeface="Agrandir"/>
               </a:rPr>
-              <a:t>1) </a:t>
-            </a:r>
-            <a:r>
-              <a:rPr lang="en-US" sz="2600" b="1">
-                <a:solidFill>
-                  <a:srgbClr val="291B25"/>
-                </a:solidFill>
-                <a:latin typeface="Agrandir Bold"/>
-                <a:ea typeface="Agrandir Bold"/>
-                <a:cs typeface="Agrandir Bold"/>
-                <a:sym typeface="Agrandir Bold"/>
-              </a:rPr>
-              <a:t>Regular Expressions (REGEX)</a:t>
-            </a:r>
-            <a:r>
-              <a:rPr lang="en-US" sz="2600">
+              <a:t>Mean Risk Score</a:t>
+            </a:r>
+          </a:p>
+          <a:p>
+            <a:pPr algn="l" marL="604518" indent="-302259" lvl="1">
+              <a:lnSpc>
+                <a:spcPts val="3919"/>
+              </a:lnSpc>
+              <a:buAutoNum type="arabicPeriod" startAt="1"/>
+            </a:pPr>
+            <a:r>
+              <a:rPr lang="en-US" sz="2799">
                 <a:solidFill>
                   <a:srgbClr val="291B25"/>
                 </a:solidFill>
@@ -4774,17 +7831,18 @@
                 <a:cs typeface="Agrandir"/>
                 <a:sym typeface="Agrandir"/>
               </a:rPr>
-              <a:t>: Used to detect PII with fixed patterns, such as email addresses, IP addresses, Aadhar numbers, and credit card numbers.</a:t>
-            </a:r>
-          </a:p>
-          <a:p>
-            <a:pPr algn="l">
+              <a:t>Bucket Distribution (e.g. Personal, Financial, Medical etc.)</a:t>
+            </a:r>
+          </a:p>
+          <a:p>
+            <a:pPr algn="l" marL="604518" indent="-302259" lvl="1">
               <a:lnSpc>
-                <a:spcPts val="3640"/>
+                <a:spcPts val="3919"/>
               </a:lnSpc>
+              <a:buAutoNum type="arabicPeriod" startAt="1"/>
             </a:pPr>
             <a:r>
-              <a:rPr lang="en-US" sz="2600">
+              <a:rPr lang="en-US" sz="2799">
                 <a:solidFill>
                   <a:srgbClr val="291B25"/>
                 </a:solidFill>
@@ -4793,22 +7851,18 @@
                 <a:cs typeface="Agrandir"/>
                 <a:sym typeface="Agrandir"/>
               </a:rPr>
-              <a:t>2) </a:t>
-            </a:r>
-            <a:r>
-              <a:rPr lang="en-US" sz="2600" b="1">
-                <a:solidFill>
-                  <a:srgbClr val="291B25"/>
-                </a:solidFill>
-                <a:latin typeface="Agrandir Bold"/>
-                <a:ea typeface="Agrandir Bold"/>
-                <a:cs typeface="Agrandir Bold"/>
-                <a:sym typeface="Agrandir Bold"/>
-              </a:rPr>
-              <a:t>Named Entity Recognition (NER)</a:t>
-            </a:r>
-            <a:r>
-              <a:rPr lang="en-US" sz="2600">
+              <a:t>Risk Distribution (e.g. High,Med,Low)</a:t>
+            </a:r>
+          </a:p>
+          <a:p>
+            <a:pPr algn="l" marL="604518" indent="-302259" lvl="1">
+              <a:lnSpc>
+                <a:spcPts val="3919"/>
+              </a:lnSpc>
+              <a:buAutoNum type="arabicPeriod" startAt="1"/>
+            </a:pPr>
+            <a:r>
+              <a:rPr lang="en-US" sz="2799">
                 <a:solidFill>
                   <a:srgbClr val="291B25"/>
                 </a:solidFill>
@@ -4817,36 +7871,18 @@
                 <a:cs typeface="Agrandir"/>
                 <a:sym typeface="Agrandir"/>
               </a:rPr>
-              <a:t>: Utilizes pre-trained models to identify PII such as personal names, locations, and organizations.</a:t>
-            </a:r>
-          </a:p>
-          <a:p>
-            <a:pPr algn="l">
+              <a:t>PII Counts per File Type</a:t>
+            </a:r>
+          </a:p>
+          <a:p>
+            <a:pPr algn="l" marL="604518" indent="-302259" lvl="1">
               <a:lnSpc>
-                <a:spcPts val="3640"/>
+                <a:spcPts val="3919"/>
               </a:lnSpc>
+              <a:buAutoNum type="arabicPeriod" startAt="1"/>
             </a:pPr>
-            <a:endParaRPr lang="en-US" sz="2600">
-              <a:solidFill>
-                <a:srgbClr val="291B25"/>
-              </a:solidFill>
-              <a:latin typeface="Agrandir"/>
-              <a:ea typeface="Agrandir"/>
-              <a:cs typeface="Agrandir"/>
-              <a:sym typeface="Agrandir"/>
-            </a:endParaRPr>
-          </a:p>
-          <a:p>
-            <a:pPr algn="l">
-              <a:lnSpc>
-                <a:spcPts val="3640"/>
-              </a:lnSpc>
-              <a:spcBef>
-                <a:spcPct val="0"/>
-              </a:spcBef>
-            </a:pPr>
-            <a:r>
-              <a:rPr lang="en-US" sz="2600">
+            <a:r>
+              <a:rPr lang="en-US" sz="2799">
                 <a:solidFill>
                   <a:srgbClr val="291B25"/>
                 </a:solidFill>
@@ -4855,20 +7891,83 @@
                 <a:cs typeface="Agrandir"/>
                 <a:sym typeface="Agrandir"/>
               </a:rPr>
-              <a:t>For CSVs, we perform one extra step of extracting column names and checking if they match with column names that indicate PII.</a:t>
+              <a:t>PII Counts per File</a:t>
+            </a:r>
+          </a:p>
+          <a:p>
+            <a:pPr algn="l" marL="604518" indent="-302259" lvl="1">
+              <a:lnSpc>
+                <a:spcPts val="3919"/>
+              </a:lnSpc>
+              <a:buAutoNum type="arabicPeriod" startAt="1"/>
+            </a:pPr>
+            <a:r>
+              <a:rPr lang="en-US" sz="2799">
+                <a:solidFill>
+                  <a:srgbClr val="291B25"/>
+                </a:solidFill>
+                <a:latin typeface="Agrandir"/>
+                <a:ea typeface="Agrandir"/>
+                <a:cs typeface="Agrandir"/>
+                <a:sym typeface="Agrandir"/>
+              </a:rPr>
+              <a:t>Mean Risk per File Type</a:t>
+            </a:r>
+          </a:p>
+          <a:p>
+            <a:pPr algn="l" marL="604518" indent="-302259" lvl="1">
+              <a:lnSpc>
+                <a:spcPts val="3919"/>
+              </a:lnSpc>
+              <a:buAutoNum type="arabicPeriod" startAt="1"/>
+            </a:pPr>
+            <a:r>
+              <a:rPr lang="en-US" sz="2799">
+                <a:solidFill>
+                  <a:srgbClr val="291B25"/>
+                </a:solidFill>
+                <a:latin typeface="Agrandir"/>
+                <a:ea typeface="Agrandir"/>
+                <a:cs typeface="Agrandir"/>
+                <a:sym typeface="Agrandir"/>
+              </a:rPr>
+              <a:t>Mean Risk per File</a:t>
+            </a:r>
+          </a:p>
+          <a:p>
+            <a:pPr algn="l" marL="604518" indent="-302259" lvl="1">
+              <a:lnSpc>
+                <a:spcPts val="3919"/>
+              </a:lnSpc>
+              <a:spcBef>
+                <a:spcPct val="0"/>
+              </a:spcBef>
+              <a:buAutoNum type="arabicPeriod" startAt="1"/>
+            </a:pPr>
+            <a:r>
+              <a:rPr lang="en-US" sz="2799">
+                <a:solidFill>
+                  <a:srgbClr val="291B25"/>
+                </a:solidFill>
+                <a:latin typeface="Agrandir"/>
+                <a:ea typeface="Agrandir"/>
+                <a:cs typeface="Agrandir"/>
+                <a:sym typeface="Agrandir"/>
+              </a:rPr>
+              <a:t>Top 5 PII Categories (e.g. Name, Email, CVV etc.)</a:t>
             </a:r>
           </a:p>
         </p:txBody>
       </p:sp>
       <p:sp>
         <p:nvSpPr>
-          <p:cNvPr id="12" name="TextBox 12"/>
-          <p:cNvSpPr txBox="1"/>
+          <p:cNvPr name="TextBox 8" id="8"/>
+          <p:cNvSpPr txBox="true"/>
           <p:nvPr/>
         </p:nvSpPr>
         <p:spPr>
-          <a:xfrm>
-            <a:off x="15723893" y="8959068"/>
+          <a:xfrm rot="0">
+            <a:off x="603033" y="9182100"/>
             <a:ext cx="1345808" cy="717985"/>
           </a:xfrm>
           <a:prstGeom prst="rect">
@@ -4876,7 +7975,7 @@
           </a:prstGeom>
         </p:spPr>
         <p:txBody>
-          <a:bodyPr lIns="0" tIns="0" rIns="0" bIns="0" rtlCol="0" anchor="t">
+          <a:bodyPr anchor="t" rtlCol="false" tIns="0" lIns="0" bIns="0" rIns="0">
             <a:spAutoFit/>
           </a:bodyPr>
           <a:lstStyle/>
@@ -4896,20 +7995,20 @@
                 <a:cs typeface="Agrandir"/>
                 <a:sym typeface="Agrandir"/>
               </a:rPr>
-              <a:t>03</a:t>
+              <a:t>07</a:t>
             </a:r>
           </a:p>
         </p:txBody>
       </p:sp>
       <p:sp>
         <p:nvSpPr>
-          <p:cNvPr id="13" name="TextBox 13"/>
-          <p:cNvSpPr txBox="1"/>
+          <p:cNvPr name="TextBox 9" id="9"/>
+          <p:cNvSpPr txBox="true"/>
           <p:nvPr/>
         </p:nvSpPr>
         <p:spPr>
-          <a:xfrm>
-            <a:off x="291429" y="302347"/>
+          <a:xfrm rot="0">
+            <a:off x="467230" y="122555"/>
             <a:ext cx="16015105" cy="1510665"/>
           </a:xfrm>
           <a:prstGeom prst="rect">
@@ -4917,7 +8016,7 @@
           </a:prstGeom>
         </p:spPr>
         <p:txBody>
-          <a:bodyPr lIns="0" tIns="0" rIns="0" bIns="0" rtlCol="0" anchor="t">
+          <a:bodyPr anchor="t" rtlCol="false" tIns="0" lIns="0" bIns="0" rIns="0">
             <a:spAutoFit/>
           </a:bodyPr>
           <a:lstStyle/>
@@ -4928,7 +8027,7 @@
               </a:lnSpc>
             </a:pPr>
             <a:r>
-              <a:rPr lang="en-US" sz="9000" dirty="0">
+              <a:rPr lang="en-US" sz="9000">
                 <a:solidFill>
                   <a:srgbClr val="291B25"/>
                 </a:solidFill>
@@ -4937,7 +8036,7 @@
                 <a:cs typeface="Agrandir"/>
                 <a:sym typeface="Agrandir"/>
               </a:rPr>
-              <a:t>Methodology</a:t>
+              <a:t>Dashboard</a:t>
             </a:r>
           </a:p>
         </p:txBody>
@@ -4950,15 +8049,14 @@
 </p:sld>
 </file>
 
-<file path=ppt/slides/slide4.xml><?xml version="1.0" encoding="utf-8"?>
-<p:sld xmlns:a="http://schemas.openxmlformats.org/drawingml/2006/main" xmlns:r="http://schemas.openxmlformats.org/officeDocument/2006/relationships" xmlns:p="http://schemas.openxmlformats.org/presentationml/2006/main">
+<file path=ppt/slides/slide8.xml><?xml version="1.0" encoding="utf-8"?>
+<p:sld xmlns:p="http://schemas.openxmlformats.org/presentationml/2006/main" xmlns:a="http://schemas.openxmlformats.org/drawingml/2006/main" xmlns:r="http://schemas.openxmlformats.org/officeDocument/2006/relationships">
   <p:cSld>
     <p:bg>
       <p:bgPr>
         <a:solidFill>
           <a:srgbClr val="F6F6E9"/>
         </a:solidFill>
-        <a:effectLst/>
       </p:bgPr>
     </p:bg>
     <p:spTree>
@@ -4977,13 +8075,13 @@
       </p:grpSpPr>
       <p:grpSp>
         <p:nvGrpSpPr>
-          <p:cNvPr id="2" name="Group 2"/>
+          <p:cNvPr name="Group 2" id="2"/>
           <p:cNvGrpSpPr/>
           <p:nvPr/>
         </p:nvGrpSpPr>
         <p:grpSpPr>
           <a:xfrm rot="-5400000">
-            <a:off x="859955" y="8432603"/>
+            <a:off x="16409287" y="8848585"/>
             <a:ext cx="831964" cy="1899068"/>
             <a:chOff x="0" y="0"/>
             <a:chExt cx="233609" cy="533243"/>
@@ -4991,12 +8089,12 @@
         </p:grpSpPr>
         <p:sp>
           <p:nvSpPr>
-            <p:cNvPr id="3" name="Freeform 3"/>
+            <p:cNvPr name="Freeform 3" id="3"/>
             <p:cNvSpPr/>
             <p:nvPr/>
           </p:nvSpPr>
           <p:spPr>
-            <a:xfrm>
+            <a:xfrm flipH="false" flipV="false" rot="0">
               <a:off x="0" y="0"/>
               <a:ext cx="233609" cy="533243"/>
             </a:xfrm>
@@ -5005,9 +8103,9 @@
               <a:gdLst/>
               <a:ahLst/>
               <a:cxnLst/>
-              <a:rect l="l" t="t" r="r" b="b"/>
+              <a:rect r="r" b="b" t="t" l="l"/>
               <a:pathLst>
-                <a:path w="233609" h="533243">
+                <a:path h="533243" w="233609">
                   <a:moveTo>
                     <a:pt x="116804" y="0"/>
                   </a:moveTo>
@@ -5059,8 +8157,8 @@
         </p:sp>
         <p:sp>
           <p:nvSpPr>
-            <p:cNvPr id="4" name="TextBox 4"/>
-            <p:cNvSpPr txBox="1"/>
+            <p:cNvPr name="TextBox 4" id="4"/>
+            <p:cNvSpPr txBox="true"/>
             <p:nvPr/>
           </p:nvSpPr>
           <p:spPr>
@@ -5073,7 +8171,7 @@
             </a:prstGeom>
           </p:spPr>
           <p:txBody>
-            <a:bodyPr lIns="50800" tIns="50800" rIns="50800" bIns="50800" rtlCol="0" anchor="ctr"/>
+            <a:bodyPr anchor="ctr" rtlCol="false" tIns="50800" lIns="50800" bIns="50800" rIns="50800"/>
             <a:lstStyle/>
             <a:p>
               <a:pPr algn="ctr">
@@ -5081,41 +8179,40 @@
                   <a:spcPts val="2659"/>
                 </a:lnSpc>
               </a:pPr>
-              <a:endParaRPr/>
             </a:p>
           </p:txBody>
         </p:sp>
       </p:grpSp>
       <p:sp>
         <p:nvSpPr>
-          <p:cNvPr id="5" name="Freeform 5"/>
+          <p:cNvPr name="Freeform 5" id="5"/>
           <p:cNvSpPr/>
           <p:nvPr/>
         </p:nvSpPr>
         <p:spPr>
-          <a:xfrm>
-            <a:off x="6548535" y="312818"/>
-            <a:ext cx="11545232" cy="5757560"/>
+          <a:xfrm flipH="false" flipV="false" rot="0">
+            <a:off x="788093" y="1569102"/>
+            <a:ext cx="16711815" cy="7519445"/>
           </a:xfrm>
           <a:custGeom>
             <a:avLst/>
             <a:gdLst/>
             <a:ahLst/>
             <a:cxnLst/>
-            <a:rect l="l" t="t" r="r" b="b"/>
+            <a:rect r="r" b="b" t="t" l="l"/>
             <a:pathLst>
-              <a:path w="11545232" h="5757560">
+              <a:path h="7519445" w="16711815">
                 <a:moveTo>
                   <a:pt x="0" y="0"/>
                 </a:moveTo>
                 <a:lnTo>
-                  <a:pt x="11545232" y="0"/>
+                  <a:pt x="16711814" y="0"/>
                 </a:lnTo>
                 <a:lnTo>
-                  <a:pt x="11545232" y="5757560"/>
+                  <a:pt x="16711814" y="7519445"/>
                 </a:lnTo>
                 <a:lnTo>
-                  <a:pt x="0" y="5757560"/>
+                  <a:pt x="0" y="7519445"/>
                 </a:lnTo>
                 <a:lnTo>
                   <a:pt x="0" y="0"/>
@@ -5127,41 +8224,702 @@
           <a:blipFill>
             <a:blip r:embed="rId2"/>
             <a:stretch>
-              <a:fillRect/>
+              <a:fillRect l="-892" t="-18521" r="-1851" b="-2787"/>
             </a:stretch>
           </a:blipFill>
         </p:spPr>
       </p:sp>
       <p:sp>
         <p:nvSpPr>
-          <p:cNvPr id="6" name="Freeform 6"/>
+          <p:cNvPr name="TextBox 6" id="6"/>
+          <p:cNvSpPr txBox="true"/>
+          <p:nvPr/>
+        </p:nvSpPr>
+        <p:spPr>
+          <a:xfrm rot="0">
+            <a:off x="16154099" y="9496117"/>
+            <a:ext cx="1345808" cy="717985"/>
+          </a:xfrm>
+          <a:prstGeom prst="rect">
+            <a:avLst/>
+          </a:prstGeom>
+        </p:spPr>
+        <p:txBody>
+          <a:bodyPr anchor="t" rtlCol="false" tIns="0" lIns="0" bIns="0" rIns="0">
+            <a:spAutoFit/>
+          </a:bodyPr>
+          <a:lstStyle/>
+          <a:p>
+            <a:pPr algn="ctr">
+              <a:lnSpc>
+                <a:spcPts val="4555"/>
+              </a:lnSpc>
+            </a:pPr>
+            <a:r>
+              <a:rPr lang="en-US" sz="4257">
+                <a:solidFill>
+                  <a:srgbClr val="291B25"/>
+                </a:solidFill>
+                <a:latin typeface="Agrandir"/>
+                <a:ea typeface="Agrandir"/>
+                <a:cs typeface="Agrandir"/>
+                <a:sym typeface="Agrandir"/>
+              </a:rPr>
+              <a:t>08</a:t>
+            </a:r>
+          </a:p>
+        </p:txBody>
+      </p:sp>
+      <p:sp>
+        <p:nvSpPr>
+          <p:cNvPr name="TextBox 7" id="7"/>
+          <p:cNvSpPr txBox="true"/>
+          <p:nvPr/>
+        </p:nvSpPr>
+        <p:spPr>
+          <a:xfrm rot="0">
+            <a:off x="326403" y="201930"/>
+            <a:ext cx="16015105" cy="1510665"/>
+          </a:xfrm>
+          <a:prstGeom prst="rect">
+            <a:avLst/>
+          </a:prstGeom>
+        </p:spPr>
+        <p:txBody>
+          <a:bodyPr anchor="t" rtlCol="false" tIns="0" lIns="0" bIns="0" rIns="0">
+            <a:spAutoFit/>
+          </a:bodyPr>
+          <a:lstStyle/>
+          <a:p>
+            <a:pPr algn="l">
+              <a:lnSpc>
+                <a:spcPts val="9630"/>
+              </a:lnSpc>
+            </a:pPr>
+            <a:r>
+              <a:rPr lang="en-US" sz="9000">
+                <a:solidFill>
+                  <a:srgbClr val="291B25"/>
+                </a:solidFill>
+                <a:latin typeface="Agrandir"/>
+                <a:ea typeface="Agrandir"/>
+                <a:cs typeface="Agrandir"/>
+                <a:sym typeface="Agrandir"/>
+              </a:rPr>
+              <a:t>Drilldown on Results</a:t>
+            </a:r>
+          </a:p>
+        </p:txBody>
+      </p:sp>
+    </p:spTree>
+  </p:cSld>
+  <p:clrMapOvr>
+    <a:masterClrMapping/>
+  </p:clrMapOvr>
+</p:sld>
+</file>
+
+<file path=ppt/slides/slide9.xml><?xml version="1.0" encoding="utf-8"?>
+<p:sld xmlns:p="http://schemas.openxmlformats.org/presentationml/2006/main" xmlns:a="http://schemas.openxmlformats.org/drawingml/2006/main" xmlns:r="http://schemas.openxmlformats.org/officeDocument/2006/relationships">
+  <p:cSld>
+    <p:bg>
+      <p:bgPr>
+        <a:solidFill>
+          <a:srgbClr val="F6F6E9"/>
+        </a:solidFill>
+      </p:bgPr>
+    </p:bg>
+    <p:spTree>
+      <p:nvGrpSpPr>
+        <p:cNvPr id="1" name=""/>
+        <p:cNvGrpSpPr/>
+        <p:nvPr/>
+      </p:nvGrpSpPr>
+      <p:grpSpPr>
+        <a:xfrm>
+          <a:off x="0" y="0"/>
+          <a:ext cx="0" cy="0"/>
+          <a:chOff x="0" y="0"/>
+          <a:chExt cx="0" cy="0"/>
+        </a:xfrm>
+      </p:grpSpPr>
+      <p:sp>
+        <p:nvSpPr>
+          <p:cNvPr name="TextBox 2" id="2"/>
+          <p:cNvSpPr txBox="true"/>
+          <p:nvPr/>
+        </p:nvSpPr>
+        <p:spPr>
+          <a:xfrm rot="0">
+            <a:off x="0" y="1588770"/>
+            <a:ext cx="9506768" cy="8287385"/>
+          </a:xfrm>
+          <a:prstGeom prst="rect">
+            <a:avLst/>
+          </a:prstGeom>
+        </p:spPr>
+        <p:txBody>
+          <a:bodyPr anchor="t" rtlCol="false" tIns="0" lIns="0" bIns="0" rIns="0">
+            <a:spAutoFit/>
+          </a:bodyPr>
+          <a:lstStyle/>
+          <a:p>
+            <a:pPr algn="l" marL="561339" indent="-280669" lvl="1">
+              <a:lnSpc>
+                <a:spcPts val="3639"/>
+              </a:lnSpc>
+              <a:buAutoNum type="arabicPeriod" startAt="1"/>
+            </a:pPr>
+            <a:r>
+              <a:rPr lang="en-US" b="true" sz="2599">
+                <a:solidFill>
+                  <a:srgbClr val="291B25"/>
+                </a:solidFill>
+                <a:latin typeface="Agrandir Bold"/>
+                <a:ea typeface="Agrandir Bold"/>
+                <a:cs typeface="Agrandir Bold"/>
+                <a:sym typeface="Agrandir Bold"/>
+              </a:rPr>
+              <a:t>Comprehensive CSV Report:</a:t>
+            </a:r>
+          </a:p>
+          <a:p>
+            <a:pPr algn="l" marL="561339" indent="-280669" lvl="1">
+              <a:lnSpc>
+                <a:spcPts val="3639"/>
+              </a:lnSpc>
+              <a:buFont typeface="Arial"/>
+              <a:buChar char="•"/>
+            </a:pPr>
+            <a:r>
+              <a:rPr lang="en-US" sz="2599">
+                <a:solidFill>
+                  <a:srgbClr val="291B25"/>
+                </a:solidFill>
+                <a:latin typeface="Agrandir"/>
+                <a:ea typeface="Agrandir"/>
+                <a:cs typeface="Agrandir"/>
+                <a:sym typeface="Agrandir"/>
+              </a:rPr>
+              <a:t>Detailed breakdown of all identified PII</a:t>
+            </a:r>
+          </a:p>
+          <a:p>
+            <a:pPr algn="l" marL="561339" indent="-280669" lvl="1">
+              <a:lnSpc>
+                <a:spcPts val="3639"/>
+              </a:lnSpc>
+              <a:buFont typeface="Arial"/>
+              <a:buChar char="•"/>
+            </a:pPr>
+            <a:r>
+              <a:rPr lang="en-US" sz="2599">
+                <a:solidFill>
+                  <a:srgbClr val="291B25"/>
+                </a:solidFill>
+                <a:latin typeface="Agrandir"/>
+                <a:ea typeface="Agrandir"/>
+                <a:cs typeface="Agrandir"/>
+                <a:sym typeface="Agrandir"/>
+              </a:rPr>
+              <a:t>Includes</a:t>
+            </a:r>
+            <a:r>
+              <a:rPr lang="en-US" b="true" sz="2599">
+                <a:solidFill>
+                  <a:srgbClr val="291B25"/>
+                </a:solidFill>
+                <a:latin typeface="Agrandir Bold"/>
+                <a:ea typeface="Agrandir Bold"/>
+                <a:cs typeface="Agrandir Bold"/>
+                <a:sym typeface="Agrandir Bold"/>
+              </a:rPr>
+              <a:t> </a:t>
+            </a:r>
+            <a:r>
+              <a:rPr lang="en-US" sz="2599" i="true">
+                <a:solidFill>
+                  <a:srgbClr val="291B25"/>
+                </a:solidFill>
+                <a:latin typeface="Agrandir Italics"/>
+                <a:ea typeface="Agrandir Italics"/>
+                <a:cs typeface="Agrandir Italics"/>
+                <a:sym typeface="Agrandir Italics"/>
+              </a:rPr>
+              <a:t>file name</a:t>
+            </a:r>
+            <a:r>
+              <a:rPr lang="en-US" sz="2599">
+                <a:solidFill>
+                  <a:srgbClr val="291B25"/>
+                </a:solidFill>
+                <a:latin typeface="Agrandir"/>
+                <a:ea typeface="Agrandir"/>
+                <a:cs typeface="Agrandir"/>
+                <a:sym typeface="Agrandir"/>
+              </a:rPr>
+              <a:t>,</a:t>
+            </a:r>
+            <a:r>
+              <a:rPr lang="en-US" sz="2599" i="true">
+                <a:solidFill>
+                  <a:srgbClr val="291B25"/>
+                </a:solidFill>
+                <a:latin typeface="Agrandir Italics"/>
+                <a:ea typeface="Agrandir Italics"/>
+                <a:cs typeface="Agrandir Italics"/>
+                <a:sym typeface="Agrandir Italics"/>
+              </a:rPr>
+              <a:t> PII field</a:t>
+            </a:r>
+            <a:r>
+              <a:rPr lang="en-US" sz="2599">
+                <a:solidFill>
+                  <a:srgbClr val="291B25"/>
+                </a:solidFill>
+                <a:latin typeface="Agrandir"/>
+                <a:ea typeface="Agrandir"/>
+                <a:cs typeface="Agrandir"/>
+                <a:sym typeface="Agrandir"/>
+              </a:rPr>
+              <a:t>, </a:t>
+            </a:r>
+            <a:r>
+              <a:rPr lang="en-US" sz="2599" i="true">
+                <a:solidFill>
+                  <a:srgbClr val="291B25"/>
+                </a:solidFill>
+                <a:latin typeface="Agrandir Italics"/>
+                <a:ea typeface="Agrandir Italics"/>
+                <a:cs typeface="Agrandir Italics"/>
+                <a:sym typeface="Agrandir Italics"/>
+              </a:rPr>
+              <a:t>category</a:t>
+            </a:r>
+            <a:r>
+              <a:rPr lang="en-US" sz="2599">
+                <a:solidFill>
+                  <a:srgbClr val="291B25"/>
+                </a:solidFill>
+                <a:latin typeface="Agrandir"/>
+                <a:ea typeface="Agrandir"/>
+                <a:cs typeface="Agrandir"/>
+                <a:sym typeface="Agrandir"/>
+              </a:rPr>
+              <a:t>, </a:t>
+            </a:r>
+            <a:r>
+              <a:rPr lang="en-US" sz="2599" i="true">
+                <a:solidFill>
+                  <a:srgbClr val="291B25"/>
+                </a:solidFill>
+                <a:latin typeface="Agrandir Italics"/>
+                <a:ea typeface="Agrandir Italics"/>
+                <a:cs typeface="Agrandir Italics"/>
+                <a:sym typeface="Agrandir Italics"/>
+              </a:rPr>
+              <a:t>risk level</a:t>
+            </a:r>
+            <a:r>
+              <a:rPr lang="en-US" sz="2599">
+                <a:solidFill>
+                  <a:srgbClr val="291B25"/>
+                </a:solidFill>
+                <a:latin typeface="Agrandir"/>
+                <a:ea typeface="Agrandir"/>
+                <a:cs typeface="Agrandir"/>
+                <a:sym typeface="Agrandir"/>
+              </a:rPr>
+              <a:t>, and </a:t>
+            </a:r>
+            <a:r>
+              <a:rPr lang="en-US" sz="2599" i="true">
+                <a:solidFill>
+                  <a:srgbClr val="291B25"/>
+                </a:solidFill>
+                <a:latin typeface="Agrandir Italics"/>
+                <a:ea typeface="Agrandir Italics"/>
+                <a:cs typeface="Agrandir Italics"/>
+                <a:sym typeface="Agrandir Italics"/>
+              </a:rPr>
+              <a:t>file type</a:t>
+            </a:r>
+          </a:p>
+          <a:p>
+            <a:pPr algn="l" marL="561339" indent="-280669" lvl="1">
+              <a:lnSpc>
+                <a:spcPts val="3639"/>
+              </a:lnSpc>
+              <a:buAutoNum type="arabicPeriod" startAt="1"/>
+            </a:pPr>
+            <a:r>
+              <a:rPr lang="en-US" sz="2599">
+                <a:solidFill>
+                  <a:srgbClr val="291B25"/>
+                </a:solidFill>
+                <a:latin typeface="Agrandir"/>
+                <a:ea typeface="Agrandir"/>
+                <a:cs typeface="Agrandir"/>
+                <a:sym typeface="Agrandir"/>
+              </a:rPr>
+              <a:t> </a:t>
+            </a:r>
+            <a:r>
+              <a:rPr lang="en-US" b="true" sz="2599">
+                <a:solidFill>
+                  <a:srgbClr val="291B25"/>
+                </a:solidFill>
+                <a:latin typeface="Agrandir Bold"/>
+                <a:ea typeface="Agrandir Bold"/>
+                <a:cs typeface="Agrandir Bold"/>
+                <a:sym typeface="Agrandir Bold"/>
+              </a:rPr>
+              <a:t>Risk Levels:</a:t>
+            </a:r>
+          </a:p>
+          <a:p>
+            <a:pPr algn="l" marL="561339" indent="-280669" lvl="1">
+              <a:lnSpc>
+                <a:spcPts val="3639"/>
+              </a:lnSpc>
+              <a:buFont typeface="Arial"/>
+              <a:buChar char="•"/>
+            </a:pPr>
+            <a:r>
+              <a:rPr lang="en-US" sz="2599">
+                <a:solidFill>
+                  <a:srgbClr val="291B25"/>
+                </a:solidFill>
+                <a:latin typeface="Agrandir"/>
+                <a:ea typeface="Agrandir"/>
+                <a:cs typeface="Agrandir"/>
+                <a:sym typeface="Agrandir"/>
+              </a:rPr>
+              <a:t>Critical (10): Credit card details.</a:t>
+            </a:r>
+          </a:p>
+          <a:p>
+            <a:pPr algn="l" marL="561339" indent="-280669" lvl="1">
+              <a:lnSpc>
+                <a:spcPts val="3639"/>
+              </a:lnSpc>
+              <a:buFont typeface="Arial"/>
+              <a:buChar char="•"/>
+            </a:pPr>
+            <a:r>
+              <a:rPr lang="en-US" sz="2599">
+                <a:solidFill>
+                  <a:srgbClr val="291B25"/>
+                </a:solidFill>
+                <a:latin typeface="Agrandir"/>
+                <a:ea typeface="Agrandir"/>
+                <a:cs typeface="Agrandir"/>
+                <a:sym typeface="Agrandir"/>
+              </a:rPr>
+              <a:t>High (9): Aadhaar numbers.</a:t>
+            </a:r>
+          </a:p>
+          <a:p>
+            <a:pPr algn="l" marL="561339" indent="-280669" lvl="1">
+              <a:lnSpc>
+                <a:spcPts val="3639"/>
+              </a:lnSpc>
+              <a:buFont typeface="Arial"/>
+              <a:buChar char="•"/>
+            </a:pPr>
+            <a:r>
+              <a:rPr lang="en-US" sz="2599">
+                <a:solidFill>
+                  <a:srgbClr val="291B25"/>
+                </a:solidFill>
+                <a:latin typeface="Agrandir"/>
+                <a:ea typeface="Agrandir"/>
+                <a:cs typeface="Agrandir"/>
+                <a:sym typeface="Agrandir"/>
+              </a:rPr>
+              <a:t>Moderate (5-7): Names, phone numbers, emails.</a:t>
+            </a:r>
+          </a:p>
+          <a:p>
+            <a:pPr algn="l" marL="561339" indent="-280669" lvl="1">
+              <a:lnSpc>
+                <a:spcPts val="3639"/>
+              </a:lnSpc>
+              <a:buFont typeface="Arial"/>
+              <a:buChar char="•"/>
+            </a:pPr>
+            <a:r>
+              <a:rPr lang="en-US" sz="2599">
+                <a:solidFill>
+                  <a:srgbClr val="291B25"/>
+                </a:solidFill>
+                <a:latin typeface="Agrandir"/>
+                <a:ea typeface="Agrandir"/>
+                <a:cs typeface="Agrandir"/>
+                <a:sym typeface="Agrandir"/>
+              </a:rPr>
+              <a:t>Low (3): Organization data.</a:t>
+            </a:r>
+          </a:p>
+          <a:p>
+            <a:pPr algn="l" marL="561339" indent="-280669" lvl="1">
+              <a:lnSpc>
+                <a:spcPts val="3639"/>
+              </a:lnSpc>
+              <a:buAutoNum type="arabicPeriod" startAt="1"/>
+            </a:pPr>
+            <a:r>
+              <a:rPr lang="en-US" b="true" sz="2599">
+                <a:solidFill>
+                  <a:srgbClr val="291B25"/>
+                </a:solidFill>
+                <a:latin typeface="Agrandir Bold"/>
+                <a:ea typeface="Agrandir Bold"/>
+                <a:cs typeface="Agrandir Bold"/>
+                <a:sym typeface="Agrandir Bold"/>
+              </a:rPr>
+              <a:t>Distribution:</a:t>
+            </a:r>
+          </a:p>
+          <a:p>
+            <a:pPr algn="l" marL="561339" indent="-280669" lvl="1">
+              <a:lnSpc>
+                <a:spcPts val="3639"/>
+              </a:lnSpc>
+              <a:buFont typeface="Arial"/>
+              <a:buChar char="•"/>
+            </a:pPr>
+            <a:r>
+              <a:rPr lang="en-US" sz="2599">
+                <a:solidFill>
+                  <a:srgbClr val="291B25"/>
+                </a:solidFill>
+                <a:latin typeface="Agrandir"/>
+                <a:ea typeface="Agrandir"/>
+                <a:cs typeface="Agrandir"/>
+                <a:sym typeface="Agrandir"/>
+              </a:rPr>
+              <a:t>Financial Category: Detected in files such as mastercard.jpg, with critical PII like credit card numbers.</a:t>
+            </a:r>
+          </a:p>
+          <a:p>
+            <a:pPr algn="l" marL="561339" indent="-280669" lvl="1">
+              <a:lnSpc>
+                <a:spcPts val="3639"/>
+              </a:lnSpc>
+              <a:buFont typeface="Arial"/>
+              <a:buChar char="•"/>
+            </a:pPr>
+            <a:r>
+              <a:rPr lang="en-US" sz="2599">
+                <a:solidFill>
+                  <a:srgbClr val="291B25"/>
+                </a:solidFill>
+                <a:latin typeface="Agrandir"/>
+                <a:ea typeface="Agrandir"/>
+                <a:cs typeface="Agrandir"/>
+                <a:sym typeface="Agrandir"/>
+              </a:rPr>
+              <a:t>P</a:t>
+            </a:r>
+            <a:r>
+              <a:rPr lang="en-US" sz="2599">
+                <a:solidFill>
+                  <a:srgbClr val="291B25"/>
+                </a:solidFill>
+                <a:latin typeface="Agrandir"/>
+                <a:ea typeface="Agrandir"/>
+                <a:cs typeface="Agrandir"/>
+                <a:sym typeface="Agrandir"/>
+              </a:rPr>
+              <a:t>ersonal Category: Spread across files like fot_data.csv and my_personal_diary.txt, containing names, phone numbers, Aadhaar numbers, and email addresses.</a:t>
+            </a:r>
+          </a:p>
+          <a:p>
+            <a:pPr algn="l" marL="561339" indent="-280669" lvl="1">
+              <a:lnSpc>
+                <a:spcPts val="3639"/>
+              </a:lnSpc>
+              <a:buFont typeface="Arial"/>
+              <a:buChar char="•"/>
+            </a:pPr>
+            <a:r>
+              <a:rPr lang="en-US" sz="2599">
+                <a:solidFill>
+                  <a:srgbClr val="291B25"/>
+                </a:solidFill>
+                <a:latin typeface="Agrandir"/>
+                <a:ea typeface="Agrandir"/>
+                <a:cs typeface="Agrandir"/>
+                <a:sym typeface="Agrandir"/>
+              </a:rPr>
+              <a:t>M</a:t>
+            </a:r>
+            <a:r>
+              <a:rPr lang="en-US" sz="2599">
+                <a:solidFill>
+                  <a:srgbClr val="291B25"/>
+                </a:solidFill>
+                <a:latin typeface="Agrandir"/>
+                <a:ea typeface="Agrandir"/>
+                <a:cs typeface="Agrandir"/>
+                <a:sym typeface="Agrandir"/>
+              </a:rPr>
+              <a:t>iscellaneous Category: Includes less sensitive data, such as organization names and locations, with lower risk scores.</a:t>
+            </a:r>
+          </a:p>
+          <a:p>
+            <a:pPr algn="l">
+              <a:lnSpc>
+                <a:spcPts val="3639"/>
+              </a:lnSpc>
+              <a:spcBef>
+                <a:spcPct val="0"/>
+              </a:spcBef>
+            </a:pPr>
+          </a:p>
+        </p:txBody>
+      </p:sp>
+      <p:grpSp>
+        <p:nvGrpSpPr>
+          <p:cNvPr name="Group 3" id="3"/>
+          <p:cNvGrpSpPr/>
+          <p:nvPr/>
+        </p:nvGrpSpPr>
+        <p:grpSpPr>
+          <a:xfrm rot="-5400000">
+            <a:off x="16341455" y="8308766"/>
+            <a:ext cx="831964" cy="1899068"/>
+            <a:chOff x="0" y="0"/>
+            <a:chExt cx="233609" cy="533243"/>
+          </a:xfrm>
+        </p:grpSpPr>
+        <p:sp>
+          <p:nvSpPr>
+            <p:cNvPr name="Freeform 4" id="4"/>
+            <p:cNvSpPr/>
+            <p:nvPr/>
+          </p:nvSpPr>
+          <p:spPr>
+            <a:xfrm flipH="false" flipV="false" rot="0">
+              <a:off x="0" y="0"/>
+              <a:ext cx="233609" cy="533243"/>
+            </a:xfrm>
+            <a:custGeom>
+              <a:avLst/>
+              <a:gdLst/>
+              <a:ahLst/>
+              <a:cxnLst/>
+              <a:rect r="r" b="b" t="t" l="l"/>
+              <a:pathLst>
+                <a:path h="533243" w="233609">
+                  <a:moveTo>
+                    <a:pt x="116804" y="0"/>
+                  </a:moveTo>
+                  <a:lnTo>
+                    <a:pt x="116804" y="0"/>
+                  </a:lnTo>
+                  <a:cubicBezTo>
+                    <a:pt x="181314" y="0"/>
+                    <a:pt x="233609" y="52295"/>
+                    <a:pt x="233609" y="116804"/>
+                  </a:cubicBezTo>
+                  <a:lnTo>
+                    <a:pt x="233609" y="416438"/>
+                  </a:lnTo>
+                  <a:cubicBezTo>
+                    <a:pt x="233609" y="480948"/>
+                    <a:pt x="181314" y="533243"/>
+                    <a:pt x="116804" y="533243"/>
+                  </a:cubicBezTo>
+                  <a:lnTo>
+                    <a:pt x="116804" y="533243"/>
+                  </a:lnTo>
+                  <a:cubicBezTo>
+                    <a:pt x="52295" y="533243"/>
+                    <a:pt x="0" y="480948"/>
+                    <a:pt x="0" y="416438"/>
+                  </a:cubicBezTo>
+                  <a:lnTo>
+                    <a:pt x="0" y="116804"/>
+                  </a:lnTo>
+                  <a:cubicBezTo>
+                    <a:pt x="0" y="52295"/>
+                    <a:pt x="52295" y="0"/>
+                    <a:pt x="116804" y="0"/>
+                  </a:cubicBezTo>
+                  <a:close/>
+                </a:path>
+              </a:pathLst>
+            </a:custGeom>
+            <a:solidFill>
+              <a:srgbClr val="F7B9A1"/>
+            </a:solidFill>
+            <a:ln cap="rnd">
+              <a:noFill/>
+              <a:prstDash val="solid"/>
+              <a:round/>
+            </a:ln>
+          </p:spPr>
+        </p:sp>
+        <p:sp>
+          <p:nvSpPr>
+            <p:cNvPr name="TextBox 5" id="5"/>
+            <p:cNvSpPr txBox="true"/>
+            <p:nvPr/>
+          </p:nvSpPr>
+          <p:spPr>
+            <a:xfrm>
+              <a:off x="0" y="-38100"/>
+              <a:ext cx="233609" cy="571343"/>
+            </a:xfrm>
+            <a:prstGeom prst="rect">
+              <a:avLst/>
+            </a:prstGeom>
+          </p:spPr>
+          <p:txBody>
+            <a:bodyPr anchor="ctr" rtlCol="false" tIns="50800" lIns="50800" bIns="50800" rIns="50800"/>
+            <a:lstStyle/>
+            <a:p>
+              <a:pPr algn="ctr">
+                <a:lnSpc>
+                  <a:spcPts val="2659"/>
+                </a:lnSpc>
+              </a:pPr>
+            </a:p>
+          </p:txBody>
+        </p:sp>
+      </p:grpSp>
+      <p:sp>
+        <p:nvSpPr>
+          <p:cNvPr name="Freeform 6" id="6"/>
           <p:cNvSpPr/>
           <p:nvPr/>
         </p:nvSpPr>
         <p:spPr>
-          <a:xfrm>
-            <a:off x="7144388" y="6591425"/>
-            <a:ext cx="9781653" cy="3206694"/>
+          <a:xfrm flipH="false" flipV="false" rot="0">
+            <a:off x="9697368" y="1783809"/>
+            <a:ext cx="8215225" cy="6283427"/>
           </a:xfrm>
           <a:custGeom>
             <a:avLst/>
             <a:gdLst/>
             <a:ahLst/>
             <a:cxnLst/>
-            <a:rect l="l" t="t" r="r" b="b"/>
+            <a:rect r="r" b="b" t="t" l="l"/>
             <a:pathLst>
-              <a:path w="9781653" h="3206694">
+              <a:path h="6283427" w="8215225">
                 <a:moveTo>
                   <a:pt x="0" y="0"/>
                 </a:moveTo>
                 <a:lnTo>
-                  <a:pt x="9781654" y="0"/>
+                  <a:pt x="8215225" y="0"/>
                 </a:lnTo>
                 <a:lnTo>
-                  <a:pt x="9781654" y="3206694"/>
+                  <a:pt x="8215225" y="6283427"/>
                 </a:lnTo>
                 <a:lnTo>
-                  <a:pt x="0" y="3206694"/>
+                  <a:pt x="0" y="6283427"/>
                 </a:lnTo>
                 <a:lnTo>
                   <a:pt x="0" y="0"/>
@@ -5171,41 +8929,41 @@
             </a:pathLst>
           </a:custGeom>
           <a:blipFill>
-            <a:blip r:embed="rId3"/>
+            <a:blip r:embed="rId2"/>
             <a:stretch>
-              <a:fillRect t="-61547" b="-29349"/>
+              <a:fillRect l="0" t="0" r="0" b="0"/>
             </a:stretch>
           </a:blipFill>
         </p:spPr>
       </p:sp>
       <p:sp>
         <p:nvSpPr>
-          <p:cNvPr id="7" name="TextBox 7"/>
-          <p:cNvSpPr txBox="1"/>
+          <p:cNvPr name="TextBox 7" id="7"/>
+          <p:cNvSpPr txBox="true"/>
           <p:nvPr/>
         </p:nvSpPr>
         <p:spPr>
-          <a:xfrm>
-            <a:off x="603033" y="1623695"/>
-            <a:ext cx="5487436" cy="6915785"/>
+          <a:xfrm rot="0">
+            <a:off x="326403" y="201930"/>
+            <a:ext cx="16015105" cy="1510665"/>
           </a:xfrm>
           <a:prstGeom prst="rect">
             <a:avLst/>
           </a:prstGeom>
         </p:spPr>
         <p:txBody>
-          <a:bodyPr lIns="0" tIns="0" rIns="0" bIns="0" rtlCol="0" anchor="t">
+          <a:bodyPr anchor="t" rtlCol="false" tIns="0" lIns="0" bIns="0" rIns="0">
             <a:spAutoFit/>
           </a:bodyPr>
           <a:lstStyle/>
           <a:p>
             <a:pPr algn="l">
               <a:lnSpc>
-                <a:spcPts val="3639"/>
+                <a:spcPts val="9630"/>
               </a:lnSpc>
             </a:pPr>
             <a:r>
-              <a:rPr lang="en-US" sz="2599">
+              <a:rPr lang="en-US" sz="9000">
                 <a:solidFill>
                   <a:srgbClr val="291B25"/>
                 </a:solidFill>
@@ -5214,213 +8972,20 @@
                 <a:cs typeface="Agrandir"/>
                 <a:sym typeface="Agrandir"/>
               </a:rPr>
-              <a:t>We offer the following analytics and results to user based on PII Detected:</a:t>
-            </a:r>
-          </a:p>
-          <a:p>
-            <a:pPr algn="l">
-              <a:lnSpc>
-                <a:spcPts val="3639"/>
-              </a:lnSpc>
-            </a:pPr>
-            <a:r>
-              <a:rPr lang="en-US" sz="2599">
-                <a:solidFill>
-                  <a:srgbClr val="291B25"/>
-                </a:solidFill>
-                <a:latin typeface="Agrandir"/>
-                <a:ea typeface="Agrandir"/>
-                <a:cs typeface="Agrandir"/>
-                <a:sym typeface="Agrandir"/>
-              </a:rPr>
-              <a:t>1) Total Risks</a:t>
-            </a:r>
-          </a:p>
-          <a:p>
-            <a:pPr algn="l">
-              <a:lnSpc>
-                <a:spcPts val="3639"/>
-              </a:lnSpc>
-            </a:pPr>
-            <a:r>
-              <a:rPr lang="en-US" sz="2599">
-                <a:solidFill>
-                  <a:srgbClr val="291B25"/>
-                </a:solidFill>
-                <a:latin typeface="Agrandir"/>
-                <a:ea typeface="Agrandir"/>
-                <a:cs typeface="Agrandir"/>
-                <a:sym typeface="Agrandir"/>
-              </a:rPr>
-              <a:t>2) Mean Risk Score</a:t>
-            </a:r>
-          </a:p>
-          <a:p>
-            <a:pPr algn="l">
-              <a:lnSpc>
-                <a:spcPts val="3639"/>
-              </a:lnSpc>
-            </a:pPr>
-            <a:r>
-              <a:rPr lang="en-US" sz="2599">
-                <a:solidFill>
-                  <a:srgbClr val="291B25"/>
-                </a:solidFill>
-                <a:latin typeface="Agrandir"/>
-                <a:ea typeface="Agrandir"/>
-                <a:cs typeface="Agrandir"/>
-                <a:sym typeface="Agrandir"/>
-              </a:rPr>
-              <a:t>3) Bucket Distribution (e.g. Personal, Financial, Medical etc.)</a:t>
-            </a:r>
-          </a:p>
-          <a:p>
-            <a:pPr algn="l">
-              <a:lnSpc>
-                <a:spcPts val="3639"/>
-              </a:lnSpc>
-            </a:pPr>
-            <a:r>
-              <a:rPr lang="en-US" sz="2599">
-                <a:solidFill>
-                  <a:srgbClr val="291B25"/>
-                </a:solidFill>
-                <a:latin typeface="Agrandir"/>
-                <a:ea typeface="Agrandir"/>
-                <a:cs typeface="Agrandir"/>
-                <a:sym typeface="Agrandir"/>
-              </a:rPr>
-              <a:t>4) Risk Distribution (e.g. High, Low)</a:t>
-            </a:r>
-          </a:p>
-          <a:p>
-            <a:pPr algn="l">
-              <a:lnSpc>
-                <a:spcPts val="3639"/>
-              </a:lnSpc>
-            </a:pPr>
-            <a:r>
-              <a:rPr lang="en-US" sz="2599">
-                <a:solidFill>
-                  <a:srgbClr val="291B25"/>
-                </a:solidFill>
-                <a:latin typeface="Agrandir"/>
-                <a:ea typeface="Agrandir"/>
-                <a:cs typeface="Agrandir"/>
-                <a:sym typeface="Agrandir"/>
-              </a:rPr>
-              <a:t>5) PII Counts per File Type</a:t>
-            </a:r>
-          </a:p>
-          <a:p>
-            <a:pPr algn="l">
-              <a:lnSpc>
-                <a:spcPts val="3639"/>
-              </a:lnSpc>
-            </a:pPr>
-            <a:r>
-              <a:rPr lang="en-US" sz="2599">
-                <a:solidFill>
-                  <a:srgbClr val="291B25"/>
-                </a:solidFill>
-                <a:latin typeface="Agrandir"/>
-                <a:ea typeface="Agrandir"/>
-                <a:cs typeface="Agrandir"/>
-                <a:sym typeface="Agrandir"/>
-              </a:rPr>
-              <a:t>6) PII Counts per File</a:t>
-            </a:r>
-          </a:p>
-          <a:p>
-            <a:pPr algn="l">
-              <a:lnSpc>
-                <a:spcPts val="3639"/>
-              </a:lnSpc>
-            </a:pPr>
-            <a:r>
-              <a:rPr lang="en-US" sz="2599">
-                <a:solidFill>
-                  <a:srgbClr val="291B25"/>
-                </a:solidFill>
-                <a:latin typeface="Agrandir"/>
-                <a:ea typeface="Agrandir"/>
-                <a:cs typeface="Agrandir"/>
-                <a:sym typeface="Agrandir"/>
-              </a:rPr>
-              <a:t>7) Mean Risk per File Type</a:t>
-            </a:r>
-          </a:p>
-          <a:p>
-            <a:pPr algn="l">
-              <a:lnSpc>
-                <a:spcPts val="3639"/>
-              </a:lnSpc>
-            </a:pPr>
-            <a:r>
-              <a:rPr lang="en-US" sz="2599">
-                <a:solidFill>
-                  <a:srgbClr val="291B25"/>
-                </a:solidFill>
-                <a:latin typeface="Agrandir"/>
-                <a:ea typeface="Agrandir"/>
-                <a:cs typeface="Agrandir"/>
-                <a:sym typeface="Agrandir"/>
-              </a:rPr>
-              <a:t>8) Mean Risk per File</a:t>
-            </a:r>
-          </a:p>
-          <a:p>
-            <a:pPr algn="l">
-              <a:lnSpc>
-                <a:spcPts val="3639"/>
-              </a:lnSpc>
-            </a:pPr>
-            <a:r>
-              <a:rPr lang="en-US" sz="2599">
-                <a:solidFill>
-                  <a:srgbClr val="291B25"/>
-                </a:solidFill>
-                <a:latin typeface="Agrandir"/>
-                <a:ea typeface="Agrandir"/>
-                <a:cs typeface="Agrandir"/>
-                <a:sym typeface="Agrandir"/>
-              </a:rPr>
-              <a:t>9) Top 5 PII Categories (e.g. Name, Email, CVV etc.)</a:t>
-            </a:r>
-          </a:p>
-          <a:p>
-            <a:pPr algn="l">
-              <a:lnSpc>
-                <a:spcPts val="3639"/>
-              </a:lnSpc>
-              <a:spcBef>
-                <a:spcPct val="0"/>
-              </a:spcBef>
-            </a:pPr>
-            <a:r>
-              <a:rPr lang="en-US" sz="2599">
-                <a:solidFill>
-                  <a:srgbClr val="291B25"/>
-                </a:solidFill>
-                <a:latin typeface="Agrandir"/>
-                <a:ea typeface="Agrandir"/>
-                <a:cs typeface="Agrandir"/>
-                <a:sym typeface="Agrandir"/>
-              </a:rPr>
-              <a:t>10) Full Results</a:t>
+              <a:t>PII Analysis Results</a:t>
             </a:r>
           </a:p>
         </p:txBody>
       </p:sp>
       <p:sp>
         <p:nvSpPr>
-          <p:cNvPr id="8" name="TextBox 8"/>
-          <p:cNvSpPr txBox="1"/>
+          <p:cNvPr name="TextBox 8" id="8"/>
+          <p:cNvSpPr txBox="true"/>
           <p:nvPr/>
         </p:nvSpPr>
         <p:spPr>
-          <a:xfrm>
-            <a:off x="603033" y="9080135"/>
+          <a:xfrm rot="0">
+            <a:off x="16084533" y="8956297"/>
             <a:ext cx="1345808" cy="717985"/>
           </a:xfrm>
           <a:prstGeom prst="rect">
@@ -5428,7 +8993,7 @@
           </a:prstGeom>
         </p:spPr>
         <p:txBody>
-          <a:bodyPr lIns="0" tIns="0" rIns="0" bIns="0" rtlCol="0" anchor="t">
+          <a:bodyPr anchor="t" rtlCol="false" tIns="0" lIns="0" bIns="0" rIns="0">
             <a:spAutoFit/>
           </a:bodyPr>
           <a:lstStyle/>
@@ -5448,48 +9013,7 @@
                 <a:cs typeface="Agrandir"/>
                 <a:sym typeface="Agrandir"/>
               </a:rPr>
-              <a:t>04</a:t>
-            </a:r>
-          </a:p>
-        </p:txBody>
-      </p:sp>
-      <p:sp>
-        <p:nvSpPr>
-          <p:cNvPr id="9" name="TextBox 9"/>
-          <p:cNvSpPr txBox="1"/>
-          <p:nvPr/>
-        </p:nvSpPr>
-        <p:spPr>
-          <a:xfrm>
-            <a:off x="603033" y="169943"/>
-            <a:ext cx="16015105" cy="1510665"/>
-          </a:xfrm>
-          <a:prstGeom prst="rect">
-            <a:avLst/>
-          </a:prstGeom>
-        </p:spPr>
-        <p:txBody>
-          <a:bodyPr lIns="0" tIns="0" rIns="0" bIns="0" rtlCol="0" anchor="t">
-            <a:spAutoFit/>
-          </a:bodyPr>
-          <a:lstStyle/>
-          <a:p>
-            <a:pPr algn="l">
-              <a:lnSpc>
-                <a:spcPts val="9630"/>
-              </a:lnSpc>
-            </a:pPr>
-            <a:r>
-              <a:rPr lang="en-US" sz="9000" dirty="0">
-                <a:solidFill>
-                  <a:srgbClr val="291B25"/>
-                </a:solidFill>
-                <a:latin typeface="Agrandir"/>
-                <a:ea typeface="Agrandir"/>
-                <a:cs typeface="Agrandir"/>
-                <a:sym typeface="Agrandir"/>
-              </a:rPr>
-              <a:t>Analytics</a:t>
+              <a:t>09</a:t>
             </a:r>
           </a:p>
         </p:txBody>
